--- a/Topic D Environments And Systems/Selected Networking Concepts.pptx
+++ b/Topic D Environments And Systems/Selected Networking Concepts.pptx
@@ -5,7 +5,7 @@
     <p:sldMasterId id="2147483648" r:id="rId1"/>
   </p:sldMasterIdLst>
   <p:notesMasterIdLst>
-    <p:notesMasterId r:id="rId36"/>
+    <p:notesMasterId r:id="rId42"/>
   </p:notesMasterIdLst>
   <p:sldIdLst>
     <p:sldId id="256" r:id="rId2"/>
@@ -22,26 +22,32 @@
     <p:sldId id="269" r:id="rId13"/>
     <p:sldId id="260" r:id="rId14"/>
     <p:sldId id="270" r:id="rId15"/>
-    <p:sldId id="271" r:id="rId16"/>
-    <p:sldId id="272" r:id="rId17"/>
-    <p:sldId id="273" r:id="rId18"/>
-    <p:sldId id="262" r:id="rId19"/>
-    <p:sldId id="274" r:id="rId20"/>
-    <p:sldId id="275" r:id="rId21"/>
-    <p:sldId id="277" r:id="rId22"/>
-    <p:sldId id="266" r:id="rId23"/>
-    <p:sldId id="279" r:id="rId24"/>
-    <p:sldId id="281" r:id="rId25"/>
-    <p:sldId id="280" r:id="rId26"/>
-    <p:sldId id="282" r:id="rId27"/>
-    <p:sldId id="267" r:id="rId28"/>
-    <p:sldId id="283" r:id="rId29"/>
-    <p:sldId id="284" r:id="rId30"/>
-    <p:sldId id="285" r:id="rId31"/>
-    <p:sldId id="278" r:id="rId32"/>
-    <p:sldId id="286" r:id="rId33"/>
-    <p:sldId id="287" r:id="rId34"/>
-    <p:sldId id="288" r:id="rId35"/>
+    <p:sldId id="294" r:id="rId16"/>
+    <p:sldId id="271" r:id="rId17"/>
+    <p:sldId id="272" r:id="rId18"/>
+    <p:sldId id="273" r:id="rId19"/>
+    <p:sldId id="262" r:id="rId20"/>
+    <p:sldId id="274" r:id="rId21"/>
+    <p:sldId id="275" r:id="rId22"/>
+    <p:sldId id="277" r:id="rId23"/>
+    <p:sldId id="266" r:id="rId24"/>
+    <p:sldId id="295" r:id="rId25"/>
+    <p:sldId id="296" r:id="rId26"/>
+    <p:sldId id="297" r:id="rId27"/>
+    <p:sldId id="299" r:id="rId28"/>
+    <p:sldId id="298" r:id="rId29"/>
+    <p:sldId id="279" r:id="rId30"/>
+    <p:sldId id="281" r:id="rId31"/>
+    <p:sldId id="280" r:id="rId32"/>
+    <p:sldId id="282" r:id="rId33"/>
+    <p:sldId id="267" r:id="rId34"/>
+    <p:sldId id="283" r:id="rId35"/>
+    <p:sldId id="284" r:id="rId36"/>
+    <p:sldId id="285" r:id="rId37"/>
+    <p:sldId id="278" r:id="rId38"/>
+    <p:sldId id="286" r:id="rId39"/>
+    <p:sldId id="287" r:id="rId40"/>
+    <p:sldId id="288" r:id="rId41"/>
   </p:sldIdLst>
   <p:sldSz cx="12192000" cy="6858000"/>
   <p:notesSz cx="6858000" cy="9144000"/>
@@ -230,7 +236,7 @@
           <a:p>
             <a:fld id="{179D67B4-54EA-4FB7-BE38-59DECEC9B2C8}" type="datetimeFigureOut">
               <a:rPr lang="en-US" smtClean="0"/>
-              <a:t>5/23/2019</a:t>
+              <a:t>5/27/2019</a:t>
             </a:fld>
             <a:endParaRPr lang="en-US"/>
           </a:p>
@@ -563,7 +569,7 @@
           <a:p>
             <a:fld id="{FADDEA1B-D6FF-4990-BA3E-ADB5A81880B0}" type="slidenum">
               <a:rPr lang="en-US" smtClean="0"/>
-              <a:t>31</a:t>
+              <a:t>37</a:t>
             </a:fld>
             <a:endParaRPr lang="en-US"/>
           </a:p>
@@ -647,7 +653,7 @@
           <a:p>
             <a:fld id="{FADDEA1B-D6FF-4990-BA3E-ADB5A81880B0}" type="slidenum">
               <a:rPr lang="en-US" smtClean="0"/>
-              <a:t>32</a:t>
+              <a:t>38</a:t>
             </a:fld>
             <a:endParaRPr lang="en-US"/>
           </a:p>
@@ -731,7 +737,7 @@
           <a:p>
             <a:fld id="{FADDEA1B-D6FF-4990-BA3E-ADB5A81880B0}" type="slidenum">
               <a:rPr lang="en-US" smtClean="0"/>
-              <a:t>33</a:t>
+              <a:t>39</a:t>
             </a:fld>
             <a:endParaRPr lang="en-US"/>
           </a:p>
@@ -815,7 +821,7 @@
           <a:p>
             <a:fld id="{FADDEA1B-D6FF-4990-BA3E-ADB5A81880B0}" type="slidenum">
               <a:rPr lang="en-US" smtClean="0"/>
-              <a:t>34</a:t>
+              <a:t>40</a:t>
             </a:fld>
             <a:endParaRPr lang="en-US"/>
           </a:p>
@@ -965,7 +971,7 @@
           <a:p>
             <a:fld id="{AB9FC429-D588-4D64-A361-8EF7EE556089}" type="datetimeFigureOut">
               <a:rPr lang="en-US" smtClean="0"/>
-              <a:t>5/23/2019</a:t>
+              <a:t>5/27/2019</a:t>
             </a:fld>
             <a:endParaRPr lang="en-US"/>
           </a:p>
@@ -1135,7 +1141,7 @@
           <a:p>
             <a:fld id="{AB9FC429-D588-4D64-A361-8EF7EE556089}" type="datetimeFigureOut">
               <a:rPr lang="en-US" smtClean="0"/>
-              <a:t>5/23/2019</a:t>
+              <a:t>5/27/2019</a:t>
             </a:fld>
             <a:endParaRPr lang="en-US"/>
           </a:p>
@@ -1315,7 +1321,7 @@
           <a:p>
             <a:fld id="{AB9FC429-D588-4D64-A361-8EF7EE556089}" type="datetimeFigureOut">
               <a:rPr lang="en-US" smtClean="0"/>
-              <a:t>5/23/2019</a:t>
+              <a:t>5/27/2019</a:t>
             </a:fld>
             <a:endParaRPr lang="en-US"/>
           </a:p>
@@ -1485,7 +1491,7 @@
           <a:p>
             <a:fld id="{AB9FC429-D588-4D64-A361-8EF7EE556089}" type="datetimeFigureOut">
               <a:rPr lang="en-US" smtClean="0"/>
-              <a:t>5/23/2019</a:t>
+              <a:t>5/27/2019</a:t>
             </a:fld>
             <a:endParaRPr lang="en-US"/>
           </a:p>
@@ -1731,7 +1737,7 @@
           <a:p>
             <a:fld id="{AB9FC429-D588-4D64-A361-8EF7EE556089}" type="datetimeFigureOut">
               <a:rPr lang="en-US" smtClean="0"/>
-              <a:t>5/23/2019</a:t>
+              <a:t>5/27/2019</a:t>
             </a:fld>
             <a:endParaRPr lang="en-US"/>
           </a:p>
@@ -1963,7 +1969,7 @@
           <a:p>
             <a:fld id="{AB9FC429-D588-4D64-A361-8EF7EE556089}" type="datetimeFigureOut">
               <a:rPr lang="en-US" smtClean="0"/>
-              <a:t>5/23/2019</a:t>
+              <a:t>5/27/2019</a:t>
             </a:fld>
             <a:endParaRPr lang="en-US"/>
           </a:p>
@@ -2330,7 +2336,7 @@
           <a:p>
             <a:fld id="{AB9FC429-D588-4D64-A361-8EF7EE556089}" type="datetimeFigureOut">
               <a:rPr lang="en-US" smtClean="0"/>
-              <a:t>5/23/2019</a:t>
+              <a:t>5/27/2019</a:t>
             </a:fld>
             <a:endParaRPr lang="en-US"/>
           </a:p>
@@ -2448,7 +2454,7 @@
           <a:p>
             <a:fld id="{AB9FC429-D588-4D64-A361-8EF7EE556089}" type="datetimeFigureOut">
               <a:rPr lang="en-US" smtClean="0"/>
-              <a:t>5/23/2019</a:t>
+              <a:t>5/27/2019</a:t>
             </a:fld>
             <a:endParaRPr lang="en-US"/>
           </a:p>
@@ -2543,7 +2549,7 @@
           <a:p>
             <a:fld id="{AB9FC429-D588-4D64-A361-8EF7EE556089}" type="datetimeFigureOut">
               <a:rPr lang="en-US" smtClean="0"/>
-              <a:t>5/23/2019</a:t>
+              <a:t>5/27/2019</a:t>
             </a:fld>
             <a:endParaRPr lang="en-US"/>
           </a:p>
@@ -2820,7 +2826,7 @@
           <a:p>
             <a:fld id="{AB9FC429-D588-4D64-A361-8EF7EE556089}" type="datetimeFigureOut">
               <a:rPr lang="en-US" smtClean="0"/>
-              <a:t>5/23/2019</a:t>
+              <a:t>5/27/2019</a:t>
             </a:fld>
             <a:endParaRPr lang="en-US"/>
           </a:p>
@@ -3073,7 +3079,7 @@
           <a:p>
             <a:fld id="{AB9FC429-D588-4D64-A361-8EF7EE556089}" type="datetimeFigureOut">
               <a:rPr lang="en-US" smtClean="0"/>
-              <a:t>5/23/2019</a:t>
+              <a:t>5/27/2019</a:t>
             </a:fld>
             <a:endParaRPr lang="en-US"/>
           </a:p>
@@ -3286,7 +3292,7 @@
           <a:p>
             <a:fld id="{AB9FC429-D588-4D64-A361-8EF7EE556089}" type="datetimeFigureOut">
               <a:rPr lang="en-US" smtClean="0"/>
-              <a:t>5/23/2019</a:t>
+              <a:t>5/27/2019</a:t>
             </a:fld>
             <a:endParaRPr lang="en-US"/>
           </a:p>
@@ -5372,7 +5378,7 @@
           <a:p>
             <a:r>
               <a:rPr lang="en-CA" dirty="0" smtClean="0"/>
-              <a:t>3.2) Browsing a Web Page</a:t>
+              <a:t>3.1) HTML &amp; Web Pages</a:t>
             </a:r>
             <a:endParaRPr lang="en-US" dirty="0"/>
           </a:p>
@@ -5395,15 +5401,30 @@
           <a:p>
             <a:r>
               <a:rPr lang="en-CA" dirty="0" smtClean="0"/>
-              <a:t>What happens when you browse a web page?</a:t>
-            </a:r>
-          </a:p>
-          <a:p>
-            <a:pPr lvl="1"/>
-            <a:r>
-              <a:rPr lang="en-CA" dirty="0" smtClean="0"/>
-              <a:t>What are the main steps?</a:t>
-            </a:r>
+              <a:t>What does HTML stand for?</a:t>
+            </a:r>
+          </a:p>
+          <a:p>
+            <a:pPr marL="0" indent="0">
+              <a:buNone/>
+            </a:pPr>
+            <a:r>
+              <a:rPr lang="en-CA" sz="3200" b="1" dirty="0" smtClean="0"/>
+              <a:t>		</a:t>
+            </a:r>
+            <a:r>
+              <a:rPr lang="en-CA" sz="3200" b="1" dirty="0" smtClean="0">
+                <a:solidFill>
+                  <a:srgbClr val="FF0000"/>
+                </a:solidFill>
+              </a:rPr>
+              <a:t>Hyper Text Markup Language</a:t>
+            </a:r>
+            <a:endParaRPr lang="en-CA" sz="3200" b="1" dirty="0">
+              <a:solidFill>
+                <a:srgbClr val="FF0000"/>
+              </a:solidFill>
+            </a:endParaRPr>
           </a:p>
         </p:txBody>
       </p:sp>
@@ -5491,10 +5512,144 @@
           </a:p>
         </p:txBody>
       </p:sp>
+      <p:pic>
+        <p:nvPicPr>
+          <p:cNvPr id="1026" name="Picture 2" descr="Image result for HTML"/>
+          <p:cNvPicPr>
+            <a:picLocks noChangeAspect="1" noChangeArrowheads="1"/>
+          </p:cNvPicPr>
+          <p:nvPr/>
+        </p:nvPicPr>
+        <p:blipFill>
+          <a:blip r:embed="rId6">
+            <a:extLst>
+              <a:ext uri="{28A0092B-C50C-407E-A947-70E740481C1C}">
+                <a14:useLocalDpi xmlns:a14="http://schemas.microsoft.com/office/drawing/2010/main" val="0"/>
+              </a:ext>
+            </a:extLst>
+          </a:blip>
+          <a:srcRect/>
+          <a:stretch>
+            <a:fillRect/>
+          </a:stretch>
+        </p:blipFill>
+        <p:spPr bwMode="auto">
+          <a:xfrm>
+            <a:off x="535585" y="3027279"/>
+            <a:ext cx="6019594" cy="3484372"/>
+          </a:xfrm>
+          <a:prstGeom prst="rect">
+            <a:avLst/>
+          </a:prstGeom>
+          <a:noFill/>
+          <a:extLst>
+            <a:ext uri="{909E8E84-426E-40DD-AFC4-6F175D3DCCD1}">
+              <a14:hiddenFill xmlns:a14="http://schemas.microsoft.com/office/drawing/2010/main">
+                <a:solidFill>
+                  <a:srgbClr val="FFFFFF"/>
+                </a:solidFill>
+              </a14:hiddenFill>
+            </a:ext>
+          </a:extLst>
+        </p:spPr>
+      </p:pic>
+      <p:sp>
+        <p:nvSpPr>
+          <p:cNvPr id="7" name="TextBox 6"/>
+          <p:cNvSpPr txBox="1"/>
+          <p:nvPr/>
+        </p:nvSpPr>
+        <p:spPr>
+          <a:xfrm>
+            <a:off x="7569879" y="3027279"/>
+            <a:ext cx="3783921" cy="2585323"/>
+          </a:xfrm>
+          <a:prstGeom prst="rect">
+            <a:avLst/>
+          </a:prstGeom>
+          <a:noFill/>
+        </p:spPr>
+        <p:txBody>
+          <a:bodyPr wrap="none" rtlCol="0">
+            <a:spAutoFit/>
+          </a:bodyPr>
+          <a:lstStyle/>
+          <a:p>
+            <a:pPr marL="285750" indent="-285750">
+              <a:buFont typeface="Arial" panose="020B0604020202020204" pitchFamily="34" charset="0"/>
+              <a:buChar char="•"/>
+            </a:pPr>
+            <a:r>
+              <a:rPr lang="en-CA" dirty="0" smtClean="0"/>
+              <a:t>HTLM is the basic language</a:t>
+            </a:r>
+            <a:br>
+              <a:rPr lang="en-CA" dirty="0" smtClean="0"/>
+            </a:br>
+            <a:r>
+              <a:rPr lang="en-CA" dirty="0" smtClean="0"/>
+              <a:t>used to write Web pages.</a:t>
+            </a:r>
+            <a:br>
+              <a:rPr lang="en-CA" dirty="0" smtClean="0"/>
+            </a:br>
+            <a:endParaRPr lang="en-CA" dirty="0" smtClean="0"/>
+          </a:p>
+          <a:p>
+            <a:pPr marL="285750" indent="-285750">
+              <a:buFont typeface="Arial" panose="020B0604020202020204" pitchFamily="34" charset="0"/>
+              <a:buChar char="•"/>
+            </a:pPr>
+            <a:r>
+              <a:rPr lang="en-CA" dirty="0" smtClean="0"/>
+              <a:t>HTPM defines “tags” that can </a:t>
+            </a:r>
+            <a:br>
+              <a:rPr lang="en-CA" dirty="0" smtClean="0"/>
+            </a:br>
+            <a:r>
+              <a:rPr lang="en-CA" dirty="0" smtClean="0"/>
+              <a:t>be used to format text, import </a:t>
+            </a:r>
+            <a:br>
+              <a:rPr lang="en-CA" dirty="0" smtClean="0"/>
+            </a:br>
+            <a:r>
+              <a:rPr lang="en-CA" dirty="0" smtClean="0"/>
+              <a:t>images, and organize page content.</a:t>
+            </a:r>
+          </a:p>
+          <a:p>
+            <a:pPr marL="285750" indent="-285750">
+              <a:buFont typeface="Arial" panose="020B0604020202020204" pitchFamily="34" charset="0"/>
+              <a:buChar char="•"/>
+            </a:pPr>
+            <a:endParaRPr lang="en-CA" dirty="0"/>
+          </a:p>
+          <a:p>
+            <a:pPr marL="285750" indent="-285750">
+              <a:buFont typeface="Arial" panose="020B0604020202020204" pitchFamily="34" charset="0"/>
+              <a:buChar char="•"/>
+            </a:pPr>
+            <a:r>
+              <a:rPr lang="en-CA" dirty="0" smtClean="0"/>
+              <a:t>HTML files (Web Pages) are </a:t>
+            </a:r>
+            <a:br>
+              <a:rPr lang="en-CA" dirty="0" smtClean="0"/>
+            </a:br>
+            <a:r>
+              <a:rPr lang="en-CA" dirty="0" smtClean="0"/>
+              <a:t>just text files</a:t>
+            </a:r>
+            <a:endParaRPr lang="en-US" dirty="0"/>
+          </a:p>
+        </p:txBody>
+      </p:sp>
     </p:spTree>
     <p:extLst>
       <p:ext uri="{BB962C8B-B14F-4D97-AF65-F5344CB8AC3E}">
-        <p14:creationId xmlns:p14="http://schemas.microsoft.com/office/powerpoint/2010/main" val="1707096459"/>
+        <p14:creationId xmlns:p14="http://schemas.microsoft.com/office/powerpoint/2010/main" val="2878594010"/>
       </p:ext>
     </p:extLst>
   </p:cSld>
@@ -5627,7 +5782,7 @@
           <a:p>
             <a:r>
               <a:rPr lang="en-CA" dirty="0" smtClean="0"/>
-              <a:t>3.4) Web Client Hardware &amp; Software</a:t>
+              <a:t>3.2) Browsing a Web Page</a:t>
             </a:r>
             <a:endParaRPr lang="en-US" dirty="0"/>
           </a:p>
@@ -5650,41 +5805,14 @@
           <a:p>
             <a:r>
               <a:rPr lang="en-CA" dirty="0" smtClean="0"/>
-              <a:t>What does a Web Browser do?</a:t>
-            </a:r>
-          </a:p>
-          <a:p>
-            <a:endParaRPr lang="en-CA" dirty="0"/>
-          </a:p>
-          <a:p>
-            <a:r>
-              <a:rPr lang="en-CA" dirty="0" smtClean="0"/>
-              <a:t>What are some common web browsers?</a:t>
+              <a:t>What happens when you browse a web page?</a:t>
             </a:r>
           </a:p>
           <a:p>
             <a:pPr lvl="1"/>
             <a:r>
               <a:rPr lang="en-CA" dirty="0" smtClean="0"/>
-              <a:t>How are they different?</a:t>
-            </a:r>
-          </a:p>
-          <a:p>
-            <a:endParaRPr lang="en-CA" dirty="0" smtClean="0"/>
-          </a:p>
-          <a:p>
-            <a:r>
-              <a:rPr lang="en-CA" dirty="0" smtClean="0"/>
-              <a:t>What are some other types of Web Clients?</a:t>
-            </a:r>
-          </a:p>
-          <a:p>
-            <a:endParaRPr lang="en-CA" dirty="0"/>
-          </a:p>
-          <a:p>
-            <a:r>
-              <a:rPr lang="en-CA" dirty="0" smtClean="0"/>
-              <a:t>Is there any special Hardware or Software required to run a web client?</a:t>
+              <a:t>What are the main steps?</a:t>
             </a:r>
           </a:p>
         </p:txBody>
@@ -5776,7 +5904,7 @@
     </p:spTree>
     <p:extLst>
       <p:ext uri="{BB962C8B-B14F-4D97-AF65-F5344CB8AC3E}">
-        <p14:creationId xmlns:p14="http://schemas.microsoft.com/office/powerpoint/2010/main" val="50177214"/>
+        <p14:creationId xmlns:p14="http://schemas.microsoft.com/office/powerpoint/2010/main" val="1707096459"/>
       </p:ext>
     </p:extLst>
   </p:cSld>
@@ -5909,7 +6037,7 @@
           <a:p>
             <a:r>
               <a:rPr lang="en-CA" dirty="0" smtClean="0"/>
-              <a:t>3.4) Web Server Hardware &amp; Software</a:t>
+              <a:t>3.4) Web Client Hardware &amp; Software</a:t>
             </a:r>
             <a:endParaRPr lang="en-US" dirty="0"/>
           </a:p>
@@ -5932,7 +6060,7 @@
           <a:p>
             <a:r>
               <a:rPr lang="en-CA" dirty="0" smtClean="0"/>
-              <a:t>What does a Web Server do?</a:t>
+              <a:t>What does a Web Browser do?</a:t>
             </a:r>
           </a:p>
           <a:p>
@@ -5941,7 +6069,14 @@
           <a:p>
             <a:r>
               <a:rPr lang="en-CA" dirty="0" smtClean="0"/>
-              <a:t>Where are Web Servers located in the Network / Internet?</a:t>
+              <a:t>What are some common web browsers?</a:t>
+            </a:r>
+          </a:p>
+          <a:p>
+            <a:pPr lvl="1"/>
+            <a:r>
+              <a:rPr lang="en-CA" dirty="0" smtClean="0"/>
+              <a:t>How are they different?</a:t>
             </a:r>
           </a:p>
           <a:p>
@@ -5950,30 +6085,17 @@
           <a:p>
             <a:r>
               <a:rPr lang="en-CA" dirty="0" smtClean="0"/>
-              <a:t>What special Software is needed for a Web Server</a:t>
-            </a:r>
-          </a:p>
-          <a:p>
-            <a:endParaRPr lang="en-CA" dirty="0" smtClean="0"/>
-          </a:p>
-          <a:p>
-            <a:r>
-              <a:rPr lang="en-CA" dirty="0"/>
-              <a:t>What special </a:t>
-            </a:r>
-            <a:r>
-              <a:rPr lang="en-CA" dirty="0" smtClean="0"/>
-              <a:t>Hardware is </a:t>
-            </a:r>
-            <a:r>
-              <a:rPr lang="en-CA" dirty="0"/>
-              <a:t>needed for a Web </a:t>
-            </a:r>
-            <a:r>
-              <a:rPr lang="en-CA" dirty="0" smtClean="0"/>
-              <a:t>Server</a:t>
-            </a:r>
+              <a:t>What are some other types of Web Clients?</a:t>
+            </a:r>
+          </a:p>
+          <a:p>
             <a:endParaRPr lang="en-CA" dirty="0"/>
+          </a:p>
+          <a:p>
+            <a:r>
+              <a:rPr lang="en-CA" dirty="0" smtClean="0"/>
+              <a:t>Is there any special Hardware or Software required to run a web client?</a:t>
+            </a:r>
           </a:p>
         </p:txBody>
       </p:sp>
@@ -6064,7 +6186,7 @@
     </p:spTree>
     <p:extLst>
       <p:ext uri="{BB962C8B-B14F-4D97-AF65-F5344CB8AC3E}">
-        <p14:creationId xmlns:p14="http://schemas.microsoft.com/office/powerpoint/2010/main" val="1626815139"/>
+        <p14:creationId xmlns:p14="http://schemas.microsoft.com/office/powerpoint/2010/main" val="50177214"/>
       </p:ext>
     </p:extLst>
   </p:cSld>
@@ -6197,61 +6319,77 @@
           <a:p>
             <a:r>
               <a:rPr lang="en-CA" dirty="0" smtClean="0"/>
-              <a:t>4) Domain </a:t>
-            </a:r>
+              <a:t>3.4) Web Server Hardware &amp; Software</a:t>
+            </a:r>
+            <a:endParaRPr lang="en-US" dirty="0"/>
+          </a:p>
+        </p:txBody>
+      </p:sp>
+      <p:sp>
+        <p:nvSpPr>
+          <p:cNvPr id="3" name="Content Placeholder 2"/>
+          <p:cNvSpPr>
+            <a:spLocks noGrp="1"/>
+          </p:cNvSpPr>
+          <p:nvPr>
+            <p:ph idx="1"/>
+          </p:nvPr>
+        </p:nvSpPr>
+        <p:spPr/>
+        <p:txBody>
+          <a:bodyPr/>
+          <a:lstStyle/>
+          <a:p>
+            <a:r>
+              <a:rPr lang="en-CA" dirty="0" smtClean="0"/>
+              <a:t>What does a Web Server do?</a:t>
+            </a:r>
+          </a:p>
+          <a:p>
+            <a:endParaRPr lang="en-CA" dirty="0"/>
+          </a:p>
+          <a:p>
+            <a:r>
+              <a:rPr lang="en-CA" dirty="0" smtClean="0"/>
+              <a:t>Where are Web Servers located in the Network / Internet?</a:t>
+            </a:r>
+          </a:p>
+          <a:p>
+            <a:endParaRPr lang="en-CA" dirty="0" smtClean="0"/>
+          </a:p>
+          <a:p>
+            <a:r>
+              <a:rPr lang="en-CA" dirty="0" smtClean="0"/>
+              <a:t>What special Software is needed for a Web Server</a:t>
+            </a:r>
+          </a:p>
+          <a:p>
+            <a:endParaRPr lang="en-CA" dirty="0" smtClean="0"/>
+          </a:p>
+          <a:p>
             <a:r>
               <a:rPr lang="en-CA" dirty="0"/>
-              <a:t>Names &amp; IP Addresses</a:t>
-            </a:r>
-          </a:p>
-        </p:txBody>
-      </p:sp>
-      <p:sp>
-        <p:nvSpPr>
-          <p:cNvPr id="3" name="Content Placeholder 2"/>
-          <p:cNvSpPr>
-            <a:spLocks noGrp="1"/>
-          </p:cNvSpPr>
-          <p:nvPr>
-            <p:ph idx="1"/>
-          </p:nvPr>
-        </p:nvSpPr>
-        <p:spPr/>
-        <p:txBody>
-          <a:bodyPr/>
-          <a:lstStyle/>
-          <a:p>
-            <a:r>
-              <a:rPr lang="en-CA" dirty="0" smtClean="0"/>
-              <a:t>Section Topics</a:t>
-            </a:r>
-          </a:p>
-          <a:p>
-            <a:pPr lvl="1"/>
-            <a:r>
-              <a:rPr lang="en-CA" dirty="0" smtClean="0"/>
-              <a:t>What is a Domain Name?</a:t>
-            </a:r>
-          </a:p>
-          <a:p>
-            <a:pPr lvl="1"/>
-            <a:r>
-              <a:rPr lang="en-CA" dirty="0" smtClean="0"/>
-              <a:t>What is an IP Address?</a:t>
-            </a:r>
-          </a:p>
-          <a:p>
-            <a:pPr lvl="1"/>
-            <a:r>
-              <a:rPr lang="en-CA" dirty="0" smtClean="0"/>
-              <a:t>Controls the assignment of Names &amp; Addresses?</a:t>
-            </a:r>
+              <a:t>What special </a:t>
+            </a:r>
+            <a:r>
+              <a:rPr lang="en-CA" dirty="0" smtClean="0"/>
+              <a:t>Hardware is </a:t>
+            </a:r>
+            <a:r>
+              <a:rPr lang="en-CA" dirty="0"/>
+              <a:t>needed for a Web </a:t>
+            </a:r>
+            <a:r>
+              <a:rPr lang="en-CA" dirty="0" smtClean="0"/>
+              <a:t>Server</a:t>
+            </a:r>
+            <a:endParaRPr lang="en-CA" dirty="0"/>
           </a:p>
         </p:txBody>
       </p:sp>
       <p:pic>
         <p:nvPicPr>
-          <p:cNvPr id="7170" name="Picture 2" descr="Image result for domain name icon"/>
+          <p:cNvPr id="6146" name="Picture 2" descr="Image result for webpage icon"/>
           <p:cNvPicPr>
             <a:picLocks noChangeAspect="1" noChangeArrowheads="1"/>
           </p:cNvPicPr>
@@ -6272,8 +6410,8 @@
         </p:blipFill>
         <p:spPr bwMode="auto">
           <a:xfrm>
-            <a:off x="8486054" y="6092177"/>
-            <a:ext cx="439448" cy="439448"/>
+            <a:off x="8697263" y="6092176"/>
+            <a:ext cx="505329" cy="505329"/>
           </a:xfrm>
           <a:prstGeom prst="rect">
             <a:avLst/>
@@ -6298,8 +6436,8 @@
         </p:nvSpPr>
         <p:spPr>
           <a:xfrm>
-            <a:off x="8875316" y="6127234"/>
-            <a:ext cx="1648208" cy="369332"/>
+            <a:off x="9140893" y="6160174"/>
+            <a:ext cx="1379032" cy="369332"/>
           </a:xfrm>
           <a:prstGeom prst="rect">
             <a:avLst/>
@@ -6321,7 +6459,7 @@
                 </a:solidFill>
                 <a:hlinkClick r:id="rId5" action="ppaction://hlinksldjump"/>
               </a:rPr>
-              <a:t>Domain Names</a:t>
+              <a:t>Web Servers</a:t>
             </a:r>
             <a:endParaRPr lang="en-US" b="1" dirty="0">
               <a:solidFill>
@@ -6333,51 +6471,10 @@
           </a:p>
         </p:txBody>
       </p:sp>
-      <p:pic>
-        <p:nvPicPr>
-          <p:cNvPr id="2050" name="Picture 2" descr="Image result for Domain NAmes"/>
-          <p:cNvPicPr>
-            <a:picLocks noChangeAspect="1" noChangeArrowheads="1"/>
-          </p:cNvPicPr>
-          <p:nvPr/>
-        </p:nvPicPr>
-        <p:blipFill>
-          <a:blip r:embed="rId6">
-            <a:extLst>
-              <a:ext uri="{28A0092B-C50C-407E-A947-70E740481C1C}">
-                <a14:useLocalDpi xmlns:a14="http://schemas.microsoft.com/office/drawing/2010/main" val="0"/>
-              </a:ext>
-            </a:extLst>
-          </a:blip>
-          <a:srcRect/>
-          <a:stretch>
-            <a:fillRect/>
-          </a:stretch>
-        </p:blipFill>
-        <p:spPr bwMode="auto">
-          <a:xfrm>
-            <a:off x="1627093" y="3886863"/>
-            <a:ext cx="4292273" cy="2609703"/>
-          </a:xfrm>
-          <a:prstGeom prst="rect">
-            <a:avLst/>
-          </a:prstGeom>
-          <a:noFill/>
-          <a:extLst>
-            <a:ext uri="{909E8E84-426E-40DD-AFC4-6F175D3DCCD1}">
-              <a14:hiddenFill xmlns:a14="http://schemas.microsoft.com/office/drawing/2010/main">
-                <a:solidFill>
-                  <a:srgbClr val="FFFFFF"/>
-                </a:solidFill>
-              </a14:hiddenFill>
-            </a:ext>
-          </a:extLst>
-        </p:spPr>
-      </p:pic>
     </p:spTree>
     <p:extLst>
       <p:ext uri="{BB962C8B-B14F-4D97-AF65-F5344CB8AC3E}">
-        <p14:creationId xmlns:p14="http://schemas.microsoft.com/office/powerpoint/2010/main" val="3429025778"/>
+        <p14:creationId xmlns:p14="http://schemas.microsoft.com/office/powerpoint/2010/main" val="1626815139"/>
       </p:ext>
     </p:extLst>
   </p:cSld>
@@ -6510,17 +6607,12 @@
           <a:p>
             <a:r>
               <a:rPr lang="en-CA" dirty="0" smtClean="0"/>
-              <a:t>4.1) </a:t>
+              <a:t>4) Domain </a:t>
             </a:r>
             <a:r>
               <a:rPr lang="en-CA" dirty="0"/>
-              <a:t>What is a Domain </a:t>
-            </a:r>
-            <a:r>
-              <a:rPr lang="en-CA" dirty="0" smtClean="0"/>
-              <a:t>Name?</a:t>
-            </a:r>
-            <a:endParaRPr lang="en-CA" dirty="0"/>
+              <a:t>Names &amp; IP Addresses</a:t>
+            </a:r>
           </a:p>
         </p:txBody>
       </p:sp>
@@ -6541,25 +6633,28 @@
           <a:p>
             <a:r>
               <a:rPr lang="en-CA" dirty="0" smtClean="0"/>
+              <a:t>Section Topics</a:t>
+            </a:r>
+          </a:p>
+          <a:p>
+            <a:pPr lvl="1"/>
+            <a:r>
+              <a:rPr lang="en-CA" dirty="0" smtClean="0"/>
               <a:t>What is a Domain Name?</a:t>
             </a:r>
           </a:p>
           <a:p>
-            <a:endParaRPr lang="en-CA" dirty="0"/>
-          </a:p>
-          <a:p>
-            <a:r>
-              <a:rPr lang="en-CA" dirty="0" smtClean="0"/>
-              <a:t>How are Domain Names related to Web Pages?</a:t>
-            </a:r>
-          </a:p>
-          <a:p>
-            <a:endParaRPr lang="en-CA" dirty="0"/>
-          </a:p>
-          <a:p>
-            <a:r>
-              <a:rPr lang="en-CA" dirty="0" smtClean="0"/>
-              <a:t>How does my computer find and use Domain Names? </a:t>
+            <a:pPr lvl="1"/>
+            <a:r>
+              <a:rPr lang="en-CA" dirty="0" smtClean="0"/>
+              <a:t>What is an IP Address?</a:t>
+            </a:r>
+          </a:p>
+          <a:p>
+            <a:pPr lvl="1"/>
+            <a:r>
+              <a:rPr lang="en-CA" dirty="0" smtClean="0"/>
+              <a:t>Controls the assignment of Names &amp; Addresses?</a:t>
             </a:r>
           </a:p>
         </p:txBody>
@@ -6648,10 +6743,51 @@
           </a:p>
         </p:txBody>
       </p:sp>
+      <p:pic>
+        <p:nvPicPr>
+          <p:cNvPr id="2050" name="Picture 2" descr="Image result for Domain NAmes"/>
+          <p:cNvPicPr>
+            <a:picLocks noChangeAspect="1" noChangeArrowheads="1"/>
+          </p:cNvPicPr>
+          <p:nvPr/>
+        </p:nvPicPr>
+        <p:blipFill>
+          <a:blip r:embed="rId6">
+            <a:extLst>
+              <a:ext uri="{28A0092B-C50C-407E-A947-70E740481C1C}">
+                <a14:useLocalDpi xmlns:a14="http://schemas.microsoft.com/office/drawing/2010/main" val="0"/>
+              </a:ext>
+            </a:extLst>
+          </a:blip>
+          <a:srcRect/>
+          <a:stretch>
+            <a:fillRect/>
+          </a:stretch>
+        </p:blipFill>
+        <p:spPr bwMode="auto">
+          <a:xfrm>
+            <a:off x="1627093" y="3886863"/>
+            <a:ext cx="4292273" cy="2609703"/>
+          </a:xfrm>
+          <a:prstGeom prst="rect">
+            <a:avLst/>
+          </a:prstGeom>
+          <a:noFill/>
+          <a:extLst>
+            <a:ext uri="{909E8E84-426E-40DD-AFC4-6F175D3DCCD1}">
+              <a14:hiddenFill xmlns:a14="http://schemas.microsoft.com/office/drawing/2010/main">
+                <a:solidFill>
+                  <a:srgbClr val="FFFFFF"/>
+                </a:solidFill>
+              </a14:hiddenFill>
+            </a:ext>
+          </a:extLst>
+        </p:spPr>
+      </p:pic>
     </p:spTree>
     <p:extLst>
       <p:ext uri="{BB962C8B-B14F-4D97-AF65-F5344CB8AC3E}">
-        <p14:creationId xmlns:p14="http://schemas.microsoft.com/office/powerpoint/2010/main" val="3177480945"/>
+        <p14:creationId xmlns:p14="http://schemas.microsoft.com/office/powerpoint/2010/main" val="3429025778"/>
       </p:ext>
     </p:extLst>
   </p:cSld>
@@ -6932,15 +7068,15 @@
           <a:p>
             <a:r>
               <a:rPr lang="en-CA" dirty="0" smtClean="0"/>
-              <a:t>4.2) </a:t>
+              <a:t>4.1) </a:t>
             </a:r>
             <a:r>
               <a:rPr lang="en-CA" dirty="0"/>
-              <a:t>What is an IP Address</a:t>
-            </a:r>
-            <a:r>
-              <a:rPr lang="en-CA" dirty="0" smtClean="0"/>
-              <a:t>?</a:t>
+              <a:t>What is a Domain </a:t>
+            </a:r>
+            <a:r>
+              <a:rPr lang="en-CA" dirty="0" smtClean="0"/>
+              <a:t>Name?</a:t>
             </a:r>
             <a:endParaRPr lang="en-CA" dirty="0"/>
           </a:p>
@@ -6963,7 +7099,7 @@
           <a:p>
             <a:r>
               <a:rPr lang="en-CA" dirty="0" smtClean="0"/>
-              <a:t>What is an IP Address?</a:t>
+              <a:t>What is a Domain Name?</a:t>
             </a:r>
           </a:p>
           <a:p>
@@ -6972,7 +7108,7 @@
           <a:p>
             <a:r>
               <a:rPr lang="en-CA" dirty="0" smtClean="0"/>
-              <a:t>What is the difference between IPv4 and IPv6?</a:t>
+              <a:t>How are Domain Names related to Web Pages?</a:t>
             </a:r>
           </a:p>
           <a:p>
@@ -6981,7 +7117,7 @@
           <a:p>
             <a:r>
               <a:rPr lang="en-CA" dirty="0" smtClean="0"/>
-              <a:t>How does my computer convert a Domain Name to an IP Address?</a:t>
+              <a:t>How does my computer find and use Domain Names? </a:t>
             </a:r>
           </a:p>
         </p:txBody>
@@ -7073,7 +7209,7 @@
     </p:spTree>
     <p:extLst>
       <p:ext uri="{BB962C8B-B14F-4D97-AF65-F5344CB8AC3E}">
-        <p14:creationId xmlns:p14="http://schemas.microsoft.com/office/powerpoint/2010/main" val="366128861"/>
+        <p14:creationId xmlns:p14="http://schemas.microsoft.com/office/powerpoint/2010/main" val="3177480945"/>
       </p:ext>
     </p:extLst>
   </p:cSld>
@@ -7206,7 +7342,15 @@
           <a:p>
             <a:r>
               <a:rPr lang="en-CA" dirty="0" smtClean="0"/>
-              <a:t>4.3) Who Controls Domain Names?</a:t>
+              <a:t>4.2) </a:t>
+            </a:r>
+            <a:r>
+              <a:rPr lang="en-CA" dirty="0"/>
+              <a:t>What is an IP Address</a:t>
+            </a:r>
+            <a:r>
+              <a:rPr lang="en-CA" dirty="0" smtClean="0"/>
+              <a:t>?</a:t>
             </a:r>
             <a:endParaRPr lang="en-CA" dirty="0"/>
           </a:p>
@@ -7229,7 +7373,7 @@
           <a:p>
             <a:r>
               <a:rPr lang="en-CA" dirty="0" smtClean="0"/>
-              <a:t>Who Owns and Controls Domain Names and IP Addresses?</a:t>
+              <a:t>What is an IP Address?</a:t>
             </a:r>
           </a:p>
           <a:p>
@@ -7238,7 +7382,16 @@
           <a:p>
             <a:r>
               <a:rPr lang="en-CA" dirty="0" smtClean="0"/>
-              <a:t>How can I register a Domain Name for my own use?</a:t>
+              <a:t>What is the difference between IPv4 and IPv6?</a:t>
+            </a:r>
+          </a:p>
+          <a:p>
+            <a:endParaRPr lang="en-CA" dirty="0"/>
+          </a:p>
+          <a:p>
+            <a:r>
+              <a:rPr lang="en-CA" dirty="0" smtClean="0"/>
+              <a:t>How does my computer convert a Domain Name to an IP Address?</a:t>
             </a:r>
           </a:p>
         </p:txBody>
@@ -7330,7 +7483,7 @@
     </p:spTree>
     <p:extLst>
       <p:ext uri="{BB962C8B-B14F-4D97-AF65-F5344CB8AC3E}">
-        <p14:creationId xmlns:p14="http://schemas.microsoft.com/office/powerpoint/2010/main" val="1934876033"/>
+        <p14:creationId xmlns:p14="http://schemas.microsoft.com/office/powerpoint/2010/main" val="366128861"/>
       </p:ext>
     </p:extLst>
   </p:cSld>
@@ -7463,9 +7616,9 @@
           <a:p>
             <a:r>
               <a:rPr lang="en-CA" dirty="0" smtClean="0"/>
-              <a:t>5) Mail &amp; Other Servers</a:t>
-            </a:r>
-            <a:endParaRPr lang="en-US" dirty="0"/>
+              <a:t>4.3) Who Controls Domain Names?</a:t>
+            </a:r>
+            <a:endParaRPr lang="en-CA" dirty="0"/>
           </a:p>
         </p:txBody>
       </p:sp>
@@ -7486,50 +7639,30 @@
           <a:p>
             <a:r>
               <a:rPr lang="en-CA" dirty="0" smtClean="0"/>
-              <a:t>Section Topics</a:t>
-            </a:r>
-          </a:p>
-          <a:p>
-            <a:pPr lvl="1"/>
-            <a:r>
-              <a:rPr lang="en-CA" dirty="0" smtClean="0"/>
-              <a:t>Mail Servers</a:t>
-            </a:r>
-          </a:p>
-          <a:p>
-            <a:pPr lvl="1"/>
-            <a:r>
-              <a:rPr lang="en-CA" dirty="0" smtClean="0"/>
-              <a:t>File Servers</a:t>
-            </a:r>
-          </a:p>
-          <a:p>
-            <a:pPr lvl="1"/>
-            <a:r>
-              <a:rPr lang="en-CA" dirty="0" smtClean="0"/>
-              <a:t>Database Servers</a:t>
-            </a:r>
-          </a:p>
-          <a:p>
-            <a:pPr lvl="1"/>
-            <a:r>
-              <a:rPr lang="en-CA" dirty="0" smtClean="0"/>
-              <a:t>Other Types of Servers</a:t>
-            </a:r>
-            <a:endParaRPr lang="en-US" dirty="0"/>
+              <a:t>Who Owns and Controls Domain Names and IP Addresses?</a:t>
+            </a:r>
+          </a:p>
+          <a:p>
+            <a:endParaRPr lang="en-CA" dirty="0"/>
+          </a:p>
+          <a:p>
+            <a:r>
+              <a:rPr lang="en-CA" dirty="0" smtClean="0"/>
+              <a:t>How can I register a Domain Name for my own use?</a:t>
+            </a:r>
           </a:p>
         </p:txBody>
       </p:sp>
       <p:pic>
         <p:nvPicPr>
-          <p:cNvPr id="3074" name="Picture 2" descr="Image result for MAil Server"/>
+          <p:cNvPr id="7170" name="Picture 2" descr="Image result for domain name icon"/>
           <p:cNvPicPr>
             <a:picLocks noChangeAspect="1" noChangeArrowheads="1"/>
           </p:cNvPicPr>
           <p:nvPr/>
         </p:nvPicPr>
         <p:blipFill>
-          <a:blip r:embed="rId4">
+          <a:blip r:embed="rId4" cstate="print">
             <a:extLst>
               <a:ext uri="{28A0092B-C50C-407E-A947-70E740481C1C}">
                 <a14:useLocalDpi xmlns:a14="http://schemas.microsoft.com/office/drawing/2010/main" val="0"/>
@@ -7543,8 +7676,8 @@
         </p:blipFill>
         <p:spPr bwMode="auto">
           <a:xfrm>
-            <a:off x="5628528" y="1620044"/>
-            <a:ext cx="4631578" cy="3308270"/>
+            <a:off x="8486054" y="6092177"/>
+            <a:ext cx="439448" cy="439448"/>
           </a:xfrm>
           <a:prstGeom prst="rect">
             <a:avLst/>
@@ -7561,57 +7694,16 @@
           </a:extLst>
         </p:spPr>
       </p:pic>
-      <p:pic>
-        <p:nvPicPr>
-          <p:cNvPr id="3076" name="Picture 4" descr="Related image"/>
-          <p:cNvPicPr>
-            <a:picLocks noChangeAspect="1" noChangeArrowheads="1"/>
-          </p:cNvPicPr>
-          <p:nvPr/>
-        </p:nvPicPr>
-        <p:blipFill>
-          <a:blip r:embed="rId5" cstate="print">
-            <a:extLst>
-              <a:ext uri="{28A0092B-C50C-407E-A947-70E740481C1C}">
-                <a14:useLocalDpi xmlns:a14="http://schemas.microsoft.com/office/drawing/2010/main" val="0"/>
-              </a:ext>
-            </a:extLst>
-          </a:blip>
-          <a:srcRect/>
-          <a:stretch>
-            <a:fillRect/>
-          </a:stretch>
-        </p:blipFill>
-        <p:spPr bwMode="auto">
-          <a:xfrm>
-            <a:off x="9187048" y="6092176"/>
-            <a:ext cx="486990" cy="486990"/>
-          </a:xfrm>
-          <a:prstGeom prst="rect">
-            <a:avLst/>
-          </a:prstGeom>
-          <a:noFill/>
-          <a:extLst>
-            <a:ext uri="{909E8E84-426E-40DD-AFC4-6F175D3DCCD1}">
-              <a14:hiddenFill xmlns:a14="http://schemas.microsoft.com/office/drawing/2010/main">
-                <a:solidFill>
-                  <a:srgbClr val="FFFFFF"/>
-                </a:solidFill>
-              </a14:hiddenFill>
-            </a:ext>
-          </a:extLst>
-        </p:spPr>
-      </p:pic>
-      <p:sp>
-        <p:nvSpPr>
-          <p:cNvPr id="9" name="TextBox 8"/>
+      <p:sp>
+        <p:nvSpPr>
+          <p:cNvPr id="8" name="TextBox 7"/>
           <p:cNvSpPr txBox="1"/>
           <p:nvPr/>
         </p:nvSpPr>
         <p:spPr>
           <a:xfrm>
-            <a:off x="9674038" y="6162292"/>
-            <a:ext cx="885499" cy="369332"/>
+            <a:off x="8875316" y="6127234"/>
+            <a:ext cx="1648208" cy="369332"/>
           </a:xfrm>
           <a:prstGeom prst="rect">
             <a:avLst/>
@@ -7631,9 +7723,9 @@
                     <a:lumMod val="75000"/>
                   </a:schemeClr>
                 </a:solidFill>
-                <a:hlinkClick r:id="rId6" action="ppaction://hlinksldjump"/>
+                <a:hlinkClick r:id="rId5" action="ppaction://hlinksldjump"/>
               </a:rPr>
-              <a:t>Servers</a:t>
+              <a:t>Domain Names</a:t>
             </a:r>
             <a:endParaRPr lang="en-US" b="1" dirty="0">
               <a:solidFill>
@@ -7648,7 +7740,7 @@
     </p:spTree>
     <p:extLst>
       <p:ext uri="{BB962C8B-B14F-4D97-AF65-F5344CB8AC3E}">
-        <p14:creationId xmlns:p14="http://schemas.microsoft.com/office/powerpoint/2010/main" val="2769564784"/>
+        <p14:creationId xmlns:p14="http://schemas.microsoft.com/office/powerpoint/2010/main" val="1934876033"/>
       </p:ext>
     </p:extLst>
   </p:cSld>
@@ -7781,7 +7873,7 @@
           <a:p>
             <a:r>
               <a:rPr lang="en-CA" dirty="0" smtClean="0"/>
-              <a:t>5.1) Mail Servers</a:t>
+              <a:t>5) Mail &amp; Other Servers</a:t>
             </a:r>
             <a:endParaRPr lang="en-US" dirty="0"/>
           </a:p>
@@ -7799,112 +7891,86 @@
         </p:nvSpPr>
         <p:spPr/>
         <p:txBody>
-          <a:bodyPr>
-            <a:normAutofit fontScale="92500" lnSpcReduction="20000"/>
-          </a:bodyPr>
-          <a:lstStyle/>
-          <a:p>
-            <a:r>
-              <a:rPr lang="en-CA" dirty="0" smtClean="0"/>
-              <a:t>Downloaded Mail</a:t>
+          <a:bodyPr/>
+          <a:lstStyle/>
+          <a:p>
+            <a:r>
+              <a:rPr lang="en-CA" dirty="0" smtClean="0"/>
+              <a:t>Section Topics</a:t>
             </a:r>
           </a:p>
           <a:p>
             <a:pPr lvl="1"/>
             <a:r>
               <a:rPr lang="en-CA" dirty="0" smtClean="0"/>
-              <a:t>What is SMTP / POP3?</a:t>
+              <a:t>Mail Servers</a:t>
             </a:r>
           </a:p>
           <a:p>
             <a:pPr lvl="1"/>
             <a:r>
               <a:rPr lang="en-CA" dirty="0" smtClean="0"/>
-              <a:t>What are some common Mail Clients</a:t>
+              <a:t>File Servers</a:t>
             </a:r>
           </a:p>
           <a:p>
             <a:pPr lvl="1"/>
             <a:r>
               <a:rPr lang="en-CA" dirty="0" smtClean="0"/>
-              <a:t>What are some advantages of downloaded mail?</a:t>
+              <a:t>Database Servers</a:t>
             </a:r>
           </a:p>
           <a:p>
             <a:pPr lvl="1"/>
-            <a:endParaRPr lang="en-CA" dirty="0" smtClean="0"/>
-          </a:p>
-          <a:p>
-            <a:r>
-              <a:rPr lang="en-CA" dirty="0" smtClean="0"/>
-              <a:t>Web Based Mail</a:t>
-            </a:r>
-          </a:p>
-          <a:p>
-            <a:pPr lvl="1"/>
-            <a:r>
-              <a:rPr lang="en-CA" dirty="0"/>
-              <a:t>What are some common </a:t>
-            </a:r>
-            <a:r>
-              <a:rPr lang="en-CA" dirty="0" smtClean="0"/>
-              <a:t>Browser Based Mail Services</a:t>
-            </a:r>
-            <a:endParaRPr lang="en-CA" dirty="0"/>
-          </a:p>
-          <a:p>
-            <a:pPr lvl="1"/>
-            <a:r>
-              <a:rPr lang="en-CA" dirty="0"/>
-              <a:t>What are some advantages of </a:t>
-            </a:r>
-            <a:r>
-              <a:rPr lang="en-CA" dirty="0" smtClean="0"/>
-              <a:t>browser based  </a:t>
-            </a:r>
-            <a:r>
-              <a:rPr lang="en-CA" dirty="0"/>
-              <a:t>mail?</a:t>
-            </a:r>
-          </a:p>
-          <a:p>
-            <a:pPr lvl="1"/>
-            <a:endParaRPr lang="en-CA" dirty="0" smtClean="0"/>
-          </a:p>
-          <a:p>
-            <a:r>
-              <a:rPr lang="en-CA" dirty="0" smtClean="0"/>
-              <a:t>Mail Servers</a:t>
-            </a:r>
-          </a:p>
-          <a:p>
-            <a:pPr lvl="1"/>
-            <a:r>
-              <a:rPr lang="en-CA" dirty="0" smtClean="0"/>
-              <a:t>Where is mail stored in the Internet?</a:t>
-            </a:r>
-          </a:p>
-          <a:p>
-            <a:pPr lvl="1"/>
-            <a:r>
-              <a:rPr lang="en-CA" dirty="0" smtClean="0"/>
-              <a:t>How is mail delivered across the </a:t>
-            </a:r>
-            <a:r>
-              <a:rPr lang="en-CA" dirty="0"/>
-              <a:t>Internet?</a:t>
-            </a:r>
-          </a:p>
-          <a:p>
-            <a:pPr lvl="1"/>
-            <a:r>
-              <a:rPr lang="en-CA" dirty="0" smtClean="0"/>
-              <a:t>What special Hardware &amp; Software is required for a mail server?</a:t>
+            <a:r>
+              <a:rPr lang="en-CA" dirty="0" smtClean="0"/>
+              <a:t>Other Types of Servers</a:t>
             </a:r>
             <a:endParaRPr lang="en-US" dirty="0"/>
           </a:p>
         </p:txBody>
       </p:sp>
+      <p:pic>
+        <p:nvPicPr>
+          <p:cNvPr id="3074" name="Picture 2" descr="Image result for MAil Server"/>
+          <p:cNvPicPr>
+            <a:picLocks noChangeAspect="1" noChangeArrowheads="1"/>
+          </p:cNvPicPr>
+          <p:nvPr/>
+        </p:nvPicPr>
+        <p:blipFill>
+          <a:blip r:embed="rId4">
+            <a:extLst>
+              <a:ext uri="{28A0092B-C50C-407E-A947-70E740481C1C}">
+                <a14:useLocalDpi xmlns:a14="http://schemas.microsoft.com/office/drawing/2010/main" val="0"/>
+              </a:ext>
+            </a:extLst>
+          </a:blip>
+          <a:srcRect/>
+          <a:stretch>
+            <a:fillRect/>
+          </a:stretch>
+        </p:blipFill>
+        <p:spPr bwMode="auto">
+          <a:xfrm>
+            <a:off x="5628528" y="1620044"/>
+            <a:ext cx="4631578" cy="3308270"/>
+          </a:xfrm>
+          <a:prstGeom prst="rect">
+            <a:avLst/>
+          </a:prstGeom>
+          <a:noFill/>
+          <a:extLst>
+            <a:ext uri="{909E8E84-426E-40DD-AFC4-6F175D3DCCD1}">
+              <a14:hiddenFill xmlns:a14="http://schemas.microsoft.com/office/drawing/2010/main">
+                <a:solidFill>
+                  <a:srgbClr val="FFFFFF"/>
+                </a:solidFill>
+              </a14:hiddenFill>
+            </a:ext>
+          </a:extLst>
+        </p:spPr>
+      </p:pic>
       <p:pic>
         <p:nvPicPr>
           <p:cNvPr id="3076" name="Picture 4" descr="Related image"/>
@@ -7914,7 +7980,7 @@
           <p:nvPr/>
         </p:nvPicPr>
         <p:blipFill>
-          <a:blip r:embed="rId4" cstate="print">
+          <a:blip r:embed="rId5" cstate="print">
             <a:extLst>
               <a:ext uri="{28A0092B-C50C-407E-A947-70E740481C1C}">
                 <a14:useLocalDpi xmlns:a14="http://schemas.microsoft.com/office/drawing/2010/main" val="0"/>
@@ -7975,7 +8041,7 @@
                     <a:lumMod val="75000"/>
                   </a:schemeClr>
                 </a:solidFill>
-                <a:hlinkClick r:id="rId5" action="ppaction://hlinksldjump"/>
+                <a:hlinkClick r:id="rId6" action="ppaction://hlinksldjump"/>
               </a:rPr>
               <a:t>Servers</a:t>
             </a:r>
@@ -7992,7 +8058,7 @@
     </p:spTree>
     <p:extLst>
       <p:ext uri="{BB962C8B-B14F-4D97-AF65-F5344CB8AC3E}">
-        <p14:creationId xmlns:p14="http://schemas.microsoft.com/office/powerpoint/2010/main" val="401682337"/>
+        <p14:creationId xmlns:p14="http://schemas.microsoft.com/office/powerpoint/2010/main" val="2769564784"/>
       </p:ext>
     </p:extLst>
   </p:cSld>
@@ -8026,88 +8092,6 @@
           <a:chExt cx="0" cy="0"/>
         </a:xfrm>
       </p:grpSpPr>
-      <p:grpSp>
-        <p:nvGrpSpPr>
-          <p:cNvPr id="4" name="Group 3"/>
-          <p:cNvGrpSpPr/>
-          <p:nvPr/>
-        </p:nvGrpSpPr>
-        <p:grpSpPr>
-          <a:xfrm>
-            <a:off x="10641945" y="6092176"/>
-            <a:ext cx="1185289" cy="439448"/>
-            <a:chOff x="5598891" y="5389418"/>
-            <a:chExt cx="1185289" cy="439448"/>
-          </a:xfrm>
-        </p:grpSpPr>
-        <p:pic>
-          <p:nvPicPr>
-            <p:cNvPr id="5" name="Picture 4"/>
-            <p:cNvPicPr>
-              <a:picLocks noChangeAspect="1"/>
-            </p:cNvPicPr>
-            <p:nvPr/>
-          </p:nvPicPr>
-          <p:blipFill>
-            <a:blip r:embed="rId2"/>
-            <a:stretch>
-              <a:fillRect/>
-            </a:stretch>
-          </p:blipFill>
-          <p:spPr>
-            <a:xfrm>
-              <a:off x="5598891" y="5389418"/>
-              <a:ext cx="434763" cy="439448"/>
-            </a:xfrm>
-            <a:prstGeom prst="rect">
-              <a:avLst/>
-            </a:prstGeom>
-          </p:spPr>
-        </p:pic>
-        <p:sp>
-          <p:nvSpPr>
-            <p:cNvPr id="6" name="TextBox 5"/>
-            <p:cNvSpPr txBox="1"/>
-            <p:nvPr/>
-          </p:nvSpPr>
-          <p:spPr>
-            <a:xfrm>
-              <a:off x="6033654" y="5459534"/>
-              <a:ext cx="750526" cy="369332"/>
-            </a:xfrm>
-            <a:prstGeom prst="rect">
-              <a:avLst/>
-            </a:prstGeom>
-            <a:noFill/>
-          </p:spPr>
-          <p:txBody>
-            <a:bodyPr wrap="none" rtlCol="0">
-              <a:spAutoFit/>
-            </a:bodyPr>
-            <a:lstStyle/>
-            <a:p>
-              <a:r>
-                <a:rPr lang="en-CA" b="1" dirty="0" smtClean="0">
-                  <a:solidFill>
-                    <a:schemeClr val="accent2">
-                      <a:lumMod val="75000"/>
-                    </a:schemeClr>
-                  </a:solidFill>
-                  <a:hlinkClick r:id="rId3" action="ppaction://hlinksldjump"/>
-                </a:rPr>
-                <a:t>Home</a:t>
-              </a:r>
-              <a:endParaRPr lang="en-US" b="1" dirty="0">
-                <a:solidFill>
-                  <a:schemeClr val="accent2">
-                    <a:lumMod val="75000"/>
-                  </a:schemeClr>
-                </a:solidFill>
-              </a:endParaRPr>
-            </a:p>
-          </p:txBody>
-        </p:sp>
-      </p:grpSp>
       <p:sp>
         <p:nvSpPr>
           <p:cNvPr id="2" name="Title 1"/>
@@ -8125,7 +8109,7 @@
           <a:p>
             <a:r>
               <a:rPr lang="en-CA" dirty="0" smtClean="0"/>
-              <a:t>5.2) File Servers</a:t>
+              <a:t>5a) Web Server</a:t>
             </a:r>
             <a:endParaRPr lang="en-US" dirty="0"/>
           </a:p>
@@ -8143,26 +8127,60 @@
         </p:nvSpPr>
         <p:spPr/>
         <p:txBody>
-          <a:bodyPr/>
-          <a:lstStyle/>
-          <a:p>
-            <a:r>
-              <a:rPr lang="en-CA" dirty="0" smtClean="0"/>
-              <a:t>Cloud Based Storage</a:t>
+          <a:bodyPr>
+            <a:normAutofit fontScale="62500" lnSpcReduction="20000"/>
+          </a:bodyPr>
+          <a:lstStyle/>
+          <a:p>
+            <a:r>
+              <a:rPr lang="en-CA" dirty="0" smtClean="0"/>
+              <a:t>Protocol: HTTP / HTTPS</a:t>
             </a:r>
           </a:p>
           <a:p>
             <a:pPr lvl="1"/>
             <a:r>
               <a:rPr lang="en-CA" dirty="0" smtClean="0"/>
-              <a:t>What are some Cloud Storage Services (applications) ?</a:t>
+              <a:t>Responds to requests for web pages </a:t>
+            </a:r>
+            <a:br>
+              <a:rPr lang="en-CA" dirty="0" smtClean="0"/>
+            </a:br>
+            <a:r>
+              <a:rPr lang="en-CA" dirty="0" smtClean="0"/>
+              <a:t>that have mostly </a:t>
+            </a:r>
+            <a:r>
+              <a:rPr lang="en-CA" u="sng" dirty="0" smtClean="0"/>
+              <a:t>fixed content</a:t>
             </a:r>
           </a:p>
           <a:p>
             <a:pPr lvl="1"/>
             <a:r>
               <a:rPr lang="en-CA" dirty="0" smtClean="0"/>
-              <a:t>What are some advantages of cloud based storage over local storage?</a:t>
+              <a:t>Uses files stored on disk</a:t>
+            </a:r>
+          </a:p>
+          <a:p>
+            <a:pPr lvl="1"/>
+            <a:r>
+              <a:rPr lang="en-CA" dirty="0" smtClean="0"/>
+              <a:t>Does this as fast as possible</a:t>
+            </a:r>
+          </a:p>
+          <a:p>
+            <a:pPr lvl="1"/>
+            <a:r>
+              <a:rPr lang="en-CA" dirty="0" smtClean="0"/>
+              <a:t>Large websites may use duplicated</a:t>
+            </a:r>
+            <a:br>
+              <a:rPr lang="en-CA" dirty="0" smtClean="0"/>
+            </a:br>
+            <a:r>
+              <a:rPr lang="en-CA" dirty="0" smtClean="0"/>
+              <a:t>web servers</a:t>
             </a:r>
           </a:p>
           <a:p>
@@ -8170,24 +8188,64 @@
             <a:endParaRPr lang="en-CA" dirty="0" smtClean="0"/>
           </a:p>
           <a:p>
-            <a:r>
-              <a:rPr lang="en-CA" dirty="0" smtClean="0"/>
-              <a:t>File Servers</a:t>
-            </a:r>
-          </a:p>
-          <a:p>
             <a:pPr lvl="1"/>
-            <a:r>
-              <a:rPr lang="en-CA" dirty="0"/>
-              <a:t>What special Hardware &amp; Software is required for a </a:t>
-            </a:r>
-            <a:r>
-              <a:rPr lang="en-CA" dirty="0" smtClean="0"/>
-              <a:t>file server</a:t>
-            </a:r>
-            <a:r>
-              <a:rPr lang="en-CA" dirty="0"/>
-              <a:t>?</a:t>
+            <a:endParaRPr lang="en-CA" dirty="0" smtClean="0"/>
+          </a:p>
+          <a:p>
+            <a:r>
+              <a:rPr lang="en-CA" dirty="0" smtClean="0"/>
+              <a:t>Specialized Software:</a:t>
+            </a:r>
+          </a:p>
+          <a:p>
+            <a:pPr lvl="1"/>
+            <a:r>
+              <a:rPr lang="en-CA" dirty="0" smtClean="0"/>
+              <a:t>Apache (Linux)</a:t>
+            </a:r>
+          </a:p>
+          <a:p>
+            <a:pPr lvl="1"/>
+            <a:r>
+              <a:rPr lang="en-CA" dirty="0" smtClean="0"/>
+              <a:t>IIS (Microsoft)</a:t>
+            </a:r>
+          </a:p>
+          <a:p>
+            <a:pPr lvl="1"/>
+            <a:r>
+              <a:rPr lang="en-CA" dirty="0" smtClean="0"/>
+              <a:t>ASP (Active Server Pages)</a:t>
+            </a:r>
+          </a:p>
+          <a:p>
+            <a:endParaRPr lang="en-CA" dirty="0"/>
+          </a:p>
+          <a:p>
+            <a:r>
+              <a:rPr lang="en-CA" dirty="0" smtClean="0"/>
+              <a:t>Hardware Requirements: </a:t>
+            </a:r>
+          </a:p>
+          <a:p>
+            <a:pPr lvl="1"/>
+            <a:r>
+              <a:rPr lang="en-CA" dirty="0" smtClean="0"/>
+              <a:t>Fast CPU</a:t>
+            </a:r>
+          </a:p>
+          <a:p>
+            <a:pPr lvl="1"/>
+            <a:r>
+              <a:rPr lang="en-CA" dirty="0" smtClean="0"/>
+              <a:t>Fast Network Connections</a:t>
+            </a:r>
+          </a:p>
+          <a:p>
+            <a:pPr lvl="1"/>
+            <a:r>
+              <a:rPr lang="en-CA" dirty="0" smtClean="0"/>
+              <a:t>High Reliability</a:t>
             </a:r>
             <a:endParaRPr lang="en-US" dirty="0"/>
           </a:p>
@@ -8195,92 +8253,56 @@
       </p:sp>
       <p:pic>
         <p:nvPicPr>
-          <p:cNvPr id="3076" name="Picture 4" descr="Related image"/>
+          <p:cNvPr id="4" name="Picture 3"/>
           <p:cNvPicPr>
-            <a:picLocks noChangeAspect="1" noChangeArrowheads="1"/>
+            <a:picLocks noChangeAspect="1"/>
           </p:cNvPicPr>
           <p:nvPr/>
         </p:nvPicPr>
         <p:blipFill>
-          <a:blip r:embed="rId4" cstate="print">
-            <a:extLst>
-              <a:ext uri="{28A0092B-C50C-407E-A947-70E740481C1C}">
-                <a14:useLocalDpi xmlns:a14="http://schemas.microsoft.com/office/drawing/2010/main" val="0"/>
-              </a:ext>
-            </a:extLst>
-          </a:blip>
-          <a:srcRect/>
+          <a:blip r:embed="rId2"/>
           <a:stretch>
             <a:fillRect/>
           </a:stretch>
         </p:blipFill>
-        <p:spPr bwMode="auto">
+        <p:spPr>
           <a:xfrm>
-            <a:off x="9187048" y="6092176"/>
-            <a:ext cx="486990" cy="486990"/>
+            <a:off x="6367452" y="627529"/>
+            <a:ext cx="4334165" cy="2534490"/>
           </a:xfrm>
           <a:prstGeom prst="rect">
             <a:avLst/>
           </a:prstGeom>
-          <a:noFill/>
-          <a:extLst>
-            <a:ext uri="{909E8E84-426E-40DD-AFC4-6F175D3DCCD1}">
-              <a14:hiddenFill xmlns:a14="http://schemas.microsoft.com/office/drawing/2010/main">
-                <a:solidFill>
-                  <a:srgbClr val="FFFFFF"/>
-                </a:solidFill>
-              </a14:hiddenFill>
-            </a:ext>
-          </a:extLst>
         </p:spPr>
       </p:pic>
-      <p:sp>
-        <p:nvSpPr>
-          <p:cNvPr id="9" name="TextBox 8"/>
-          <p:cNvSpPr txBox="1"/>
+      <p:pic>
+        <p:nvPicPr>
+          <p:cNvPr id="5" name="Picture 4"/>
+          <p:cNvPicPr>
+            <a:picLocks noChangeAspect="1"/>
+          </p:cNvPicPr>
           <p:nvPr/>
-        </p:nvSpPr>
+        </p:nvPicPr>
+        <p:blipFill>
+          <a:blip r:embed="rId3"/>
+          <a:stretch>
+            <a:fillRect/>
+          </a:stretch>
+        </p:blipFill>
         <p:spPr>
           <a:xfrm>
-            <a:off x="9674038" y="6162292"/>
-            <a:ext cx="885499" cy="369332"/>
+            <a:off x="5682222" y="3597649"/>
+            <a:ext cx="5991225" cy="2800350"/>
           </a:xfrm>
           <a:prstGeom prst="rect">
             <a:avLst/>
           </a:prstGeom>
-          <a:noFill/>
         </p:spPr>
-        <p:txBody>
-          <a:bodyPr wrap="none" rtlCol="0">
-            <a:spAutoFit/>
-          </a:bodyPr>
-          <a:lstStyle/>
-          <a:p>
-            <a:r>
-              <a:rPr lang="en-CA" b="1" dirty="0" smtClean="0">
-                <a:solidFill>
-                  <a:schemeClr val="accent2">
-                    <a:lumMod val="75000"/>
-                  </a:schemeClr>
-                </a:solidFill>
-                <a:hlinkClick r:id="rId5" action="ppaction://hlinksldjump"/>
-              </a:rPr>
-              <a:t>Servers</a:t>
-            </a:r>
-            <a:endParaRPr lang="en-US" b="1" dirty="0">
-              <a:solidFill>
-                <a:schemeClr val="accent2">
-                  <a:lumMod val="75000"/>
-                </a:schemeClr>
-              </a:solidFill>
-            </a:endParaRPr>
-          </a:p>
-        </p:txBody>
-      </p:sp>
+      </p:pic>
     </p:spTree>
     <p:extLst>
       <p:ext uri="{BB962C8B-B14F-4D97-AF65-F5344CB8AC3E}">
-        <p14:creationId xmlns:p14="http://schemas.microsoft.com/office/powerpoint/2010/main" val="4186444377"/>
+        <p14:creationId xmlns:p14="http://schemas.microsoft.com/office/powerpoint/2010/main" val="3118550668"/>
       </p:ext>
     </p:extLst>
   </p:cSld>
@@ -8314,88 +8336,6 @@
           <a:chExt cx="0" cy="0"/>
         </a:xfrm>
       </p:grpSpPr>
-      <p:grpSp>
-        <p:nvGrpSpPr>
-          <p:cNvPr id="4" name="Group 3"/>
-          <p:cNvGrpSpPr/>
-          <p:nvPr/>
-        </p:nvGrpSpPr>
-        <p:grpSpPr>
-          <a:xfrm>
-            <a:off x="10641945" y="6092176"/>
-            <a:ext cx="1185289" cy="439448"/>
-            <a:chOff x="5598891" y="5389418"/>
-            <a:chExt cx="1185289" cy="439448"/>
-          </a:xfrm>
-        </p:grpSpPr>
-        <p:pic>
-          <p:nvPicPr>
-            <p:cNvPr id="5" name="Picture 4"/>
-            <p:cNvPicPr>
-              <a:picLocks noChangeAspect="1"/>
-            </p:cNvPicPr>
-            <p:nvPr/>
-          </p:nvPicPr>
-          <p:blipFill>
-            <a:blip r:embed="rId2"/>
-            <a:stretch>
-              <a:fillRect/>
-            </a:stretch>
-          </p:blipFill>
-          <p:spPr>
-            <a:xfrm>
-              <a:off x="5598891" y="5389418"/>
-              <a:ext cx="434763" cy="439448"/>
-            </a:xfrm>
-            <a:prstGeom prst="rect">
-              <a:avLst/>
-            </a:prstGeom>
-          </p:spPr>
-        </p:pic>
-        <p:sp>
-          <p:nvSpPr>
-            <p:cNvPr id="6" name="TextBox 5"/>
-            <p:cNvSpPr txBox="1"/>
-            <p:nvPr/>
-          </p:nvSpPr>
-          <p:spPr>
-            <a:xfrm>
-              <a:off x="6033654" y="5459534"/>
-              <a:ext cx="750526" cy="369332"/>
-            </a:xfrm>
-            <a:prstGeom prst="rect">
-              <a:avLst/>
-            </a:prstGeom>
-            <a:noFill/>
-          </p:spPr>
-          <p:txBody>
-            <a:bodyPr wrap="none" rtlCol="0">
-              <a:spAutoFit/>
-            </a:bodyPr>
-            <a:lstStyle/>
-            <a:p>
-              <a:r>
-                <a:rPr lang="en-CA" b="1" dirty="0" smtClean="0">
-                  <a:solidFill>
-                    <a:schemeClr val="accent2">
-                      <a:lumMod val="75000"/>
-                    </a:schemeClr>
-                  </a:solidFill>
-                  <a:hlinkClick r:id="rId3" action="ppaction://hlinksldjump"/>
-                </a:rPr>
-                <a:t>Home</a:t>
-              </a:r>
-              <a:endParaRPr lang="en-US" b="1" dirty="0">
-                <a:solidFill>
-                  <a:schemeClr val="accent2">
-                    <a:lumMod val="75000"/>
-                  </a:schemeClr>
-                </a:solidFill>
-              </a:endParaRPr>
-            </a:p>
-          </p:txBody>
-        </p:sp>
-      </p:grpSp>
       <p:sp>
         <p:nvSpPr>
           <p:cNvPr id="2" name="Title 1"/>
@@ -8413,7 +8353,7 @@
           <a:p>
             <a:r>
               <a:rPr lang="en-CA" dirty="0" smtClean="0"/>
-              <a:t>5.3) Database Servers</a:t>
+              <a:t>5b) Application Server</a:t>
             </a:r>
             <a:endParaRPr lang="en-US" dirty="0"/>
           </a:p>
@@ -8431,33 +8371,102 @@
         </p:nvSpPr>
         <p:spPr/>
         <p:txBody>
-          <a:bodyPr/>
-          <a:lstStyle/>
-          <a:p>
-            <a:r>
-              <a:rPr lang="en-CA" dirty="0" smtClean="0"/>
-              <a:t>What is a Database?</a:t>
-            </a:r>
+          <a:bodyPr>
+            <a:normAutofit fontScale="62500" lnSpcReduction="20000"/>
+          </a:bodyPr>
+          <a:lstStyle/>
+          <a:p>
+            <a:r>
+              <a:rPr lang="en-CA" dirty="0"/>
+              <a:t>Protocol: </a:t>
+            </a:r>
+            <a:r>
+              <a:rPr lang="en-CA" dirty="0" smtClean="0"/>
+              <a:t>HTTP: or App Specific</a:t>
+            </a:r>
+            <a:endParaRPr lang="en-CA" dirty="0"/>
           </a:p>
           <a:p>
             <a:pPr lvl="1"/>
             <a:r>
               <a:rPr lang="en-CA" dirty="0" smtClean="0"/>
-              <a:t>What is SQL?</a:t>
-            </a:r>
+              <a:t>Responds </a:t>
+            </a:r>
+            <a:r>
+              <a:rPr lang="en-CA" dirty="0"/>
+              <a:t>to requests </a:t>
+            </a:r>
+            <a:r>
+              <a:rPr lang="en-CA" dirty="0" smtClean="0"/>
+              <a:t>for </a:t>
+            </a:r>
+            <a:r>
+              <a:rPr lang="en-CA" dirty="0"/>
+              <a:t>web </a:t>
+            </a:r>
+            <a:r>
+              <a:rPr lang="en-CA" dirty="0" smtClean="0"/>
+              <a:t>pages that </a:t>
+            </a:r>
+            <a:br>
+              <a:rPr lang="en-CA" dirty="0" smtClean="0"/>
+            </a:br>
+            <a:r>
+              <a:rPr lang="en-CA" dirty="0" smtClean="0"/>
+              <a:t>have </a:t>
+            </a:r>
+            <a:r>
+              <a:rPr lang="en-CA" u="sng" dirty="0" smtClean="0"/>
+              <a:t>dynamic</a:t>
+            </a:r>
+            <a:r>
+              <a:rPr lang="en-CA" dirty="0" smtClean="0"/>
+              <a:t> (changing) content</a:t>
+            </a:r>
+            <a:endParaRPr lang="en-CA" dirty="0"/>
           </a:p>
           <a:p>
             <a:pPr lvl="1"/>
             <a:r>
               <a:rPr lang="en-CA" dirty="0" smtClean="0"/>
-              <a:t>What type of information is stored in a database?</a:t>
-            </a:r>
+              <a:t>Web pages are created “on the fly” </a:t>
+            </a:r>
+            <a:endParaRPr lang="en-CA" dirty="0"/>
           </a:p>
           <a:p>
             <a:pPr lvl="1"/>
             <a:r>
               <a:rPr lang="en-CA" dirty="0" smtClean="0"/>
-              <a:t>How are databases used and combined with web pages?</a:t>
+              <a:t>Web pages are a combination of text and </a:t>
+            </a:r>
+            <a:r>
+              <a:rPr lang="en-CA" u="sng" dirty="0" smtClean="0"/>
+              <a:t>programming</a:t>
+            </a:r>
+            <a:r>
+              <a:rPr lang="en-CA" dirty="0" smtClean="0"/>
+              <a:t> </a:t>
+            </a:r>
+          </a:p>
+          <a:p>
+            <a:pPr lvl="1"/>
+            <a:r>
+              <a:rPr lang="en-CA" dirty="0" smtClean="0"/>
+              <a:t>Also applies to web applications that don’t use web pages</a:t>
+            </a:r>
+          </a:p>
+          <a:p>
+            <a:pPr lvl="2"/>
+            <a:r>
+              <a:rPr lang="en-CA" dirty="0" smtClean="0"/>
+              <a:t>Online Games </a:t>
+            </a:r>
+          </a:p>
+          <a:p>
+            <a:pPr lvl="2"/>
+            <a:r>
+              <a:rPr lang="en-CA" dirty="0" smtClean="0"/>
+              <a:t>Apps with Custom PC Interface</a:t>
             </a:r>
           </a:p>
           <a:p>
@@ -8466,86 +8475,119 @@
           </a:p>
           <a:p>
             <a:r>
+              <a:rPr lang="en-CA" dirty="0"/>
+              <a:t>Specialized Software:</a:t>
+            </a:r>
+          </a:p>
+          <a:p>
+            <a:pPr lvl="1"/>
+            <a:r>
+              <a:rPr lang="en-CA" dirty="0" smtClean="0"/>
+              <a:t>Java Server Pages (JSP)</a:t>
+            </a:r>
+            <a:endParaRPr lang="en-CA" dirty="0"/>
+          </a:p>
+          <a:p>
+            <a:pPr lvl="1"/>
+            <a:r>
+              <a:rPr lang="en-CA" dirty="0" smtClean="0"/>
+              <a:t>Enterprise Java Beans (EJB)</a:t>
+            </a:r>
+            <a:endParaRPr lang="en-CA" dirty="0"/>
+          </a:p>
+          <a:p>
+            <a:pPr lvl="1"/>
+            <a:r>
+              <a:rPr lang="en-CA" dirty="0"/>
+              <a:t>ASP (Active Server Pages)</a:t>
+            </a:r>
+          </a:p>
+          <a:p>
+            <a:endParaRPr lang="en-CA" dirty="0"/>
+          </a:p>
+          <a:p>
+            <a:r>
+              <a:rPr lang="en-CA" dirty="0" smtClean="0"/>
+              <a:t>Works in Parallel With: </a:t>
+            </a:r>
+            <a:endParaRPr lang="en-CA" dirty="0"/>
+          </a:p>
+          <a:p>
+            <a:pPr lvl="1"/>
+            <a:r>
+              <a:rPr lang="en-CA" dirty="0" smtClean="0"/>
+              <a:t>Web Servers</a:t>
+            </a:r>
+            <a:endParaRPr lang="en-CA" dirty="0"/>
+          </a:p>
+          <a:p>
+            <a:pPr lvl="1"/>
+            <a:r>
               <a:rPr lang="en-CA" dirty="0" smtClean="0"/>
               <a:t>Database Servers</a:t>
             </a:r>
-          </a:p>
-          <a:p>
-            <a:pPr lvl="1"/>
-            <a:r>
-              <a:rPr lang="en-CA" dirty="0" smtClean="0"/>
-              <a:t>What are some common Database products?</a:t>
-            </a:r>
-          </a:p>
-          <a:p>
-            <a:pPr lvl="1"/>
-            <a:r>
-              <a:rPr lang="en-CA" dirty="0"/>
-              <a:t>What special Hardware &amp; Software is required for a </a:t>
-            </a:r>
-            <a:r>
-              <a:rPr lang="en-CA" dirty="0" smtClean="0"/>
-              <a:t>database server</a:t>
-            </a:r>
-            <a:r>
-              <a:rPr lang="en-CA" dirty="0"/>
-              <a:t>?</a:t>
-            </a:r>
-            <a:endParaRPr lang="en-US" dirty="0"/>
+            <a:endParaRPr lang="en-CA" dirty="0"/>
           </a:p>
         </p:txBody>
       </p:sp>
       <p:pic>
         <p:nvPicPr>
-          <p:cNvPr id="3076" name="Picture 4" descr="Related image"/>
+          <p:cNvPr id="4" name="Picture 3"/>
           <p:cNvPicPr>
-            <a:picLocks noChangeAspect="1" noChangeArrowheads="1"/>
+            <a:picLocks noChangeAspect="1"/>
           </p:cNvPicPr>
           <p:nvPr/>
         </p:nvPicPr>
         <p:blipFill>
-          <a:blip r:embed="rId4" cstate="print">
-            <a:extLst>
-              <a:ext uri="{28A0092B-C50C-407E-A947-70E740481C1C}">
-                <a14:useLocalDpi xmlns:a14="http://schemas.microsoft.com/office/drawing/2010/main" val="0"/>
-              </a:ext>
-            </a:extLst>
-          </a:blip>
-          <a:srcRect/>
+          <a:blip r:embed="rId2"/>
           <a:stretch>
             <a:fillRect/>
           </a:stretch>
         </p:blipFill>
-        <p:spPr bwMode="auto">
+        <p:spPr>
           <a:xfrm>
-            <a:off x="9187048" y="6092176"/>
-            <a:ext cx="486990" cy="486990"/>
+            <a:off x="7631485" y="365125"/>
+            <a:ext cx="2928939" cy="3247452"/>
           </a:xfrm>
           <a:prstGeom prst="rect">
             <a:avLst/>
           </a:prstGeom>
-          <a:noFill/>
-          <a:extLst>
-            <a:ext uri="{909E8E84-426E-40DD-AFC4-6F175D3DCCD1}">
-              <a14:hiddenFill xmlns:a14="http://schemas.microsoft.com/office/drawing/2010/main">
-                <a:solidFill>
-                  <a:srgbClr val="FFFFFF"/>
-                </a:solidFill>
-              </a14:hiddenFill>
-            </a:ext>
-          </a:extLst>
         </p:spPr>
       </p:pic>
-      <p:sp>
-        <p:nvSpPr>
-          <p:cNvPr id="9" name="TextBox 8"/>
+      <p:pic>
+        <p:nvPicPr>
+          <p:cNvPr id="5" name="Picture 4"/>
+          <p:cNvPicPr>
+            <a:picLocks noChangeAspect="1"/>
+          </p:cNvPicPr>
+          <p:nvPr/>
+        </p:nvPicPr>
+        <p:blipFill>
+          <a:blip r:embed="rId3"/>
+          <a:stretch>
+            <a:fillRect/>
+          </a:stretch>
+        </p:blipFill>
+        <p:spPr>
+          <a:xfrm>
+            <a:off x="7631485" y="4016188"/>
+            <a:ext cx="3449940" cy="2638692"/>
+          </a:xfrm>
+          <a:prstGeom prst="rect">
+            <a:avLst/>
+          </a:prstGeom>
+        </p:spPr>
+      </p:pic>
+      <p:sp>
+        <p:nvSpPr>
+          <p:cNvPr id="6" name="TextBox 5"/>
           <p:cNvSpPr txBox="1"/>
           <p:nvPr/>
         </p:nvSpPr>
         <p:spPr>
           <a:xfrm>
-            <a:off x="9674038" y="6162292"/>
-            <a:ext cx="885499" cy="369332"/>
+            <a:off x="10499663" y="576455"/>
+            <a:ext cx="1163524" cy="307777"/>
           </a:xfrm>
           <a:prstGeom prst="rect">
             <a:avLst/>
@@ -8559,21 +8601,305 @@
           <a:lstStyle/>
           <a:p>
             <a:r>
-              <a:rPr lang="en-CA" b="1" dirty="0" smtClean="0">
+              <a:rPr lang="en-CA" sz="1400" dirty="0" smtClean="0">
                 <a:solidFill>
-                  <a:schemeClr val="accent2">
-                    <a:lumMod val="75000"/>
-                  </a:schemeClr>
+                  <a:srgbClr val="FF0000"/>
                 </a:solidFill>
-                <a:hlinkClick r:id="rId5" action="ppaction://hlinksldjump"/>
               </a:rPr>
-              <a:t>Servers</a:t>
-            </a:r>
-            <a:endParaRPr lang="en-US" b="1" dirty="0">
+              <a:t>Web Browser</a:t>
+            </a:r>
+            <a:endParaRPr lang="en-US" sz="1400" dirty="0">
               <a:solidFill>
-                <a:schemeClr val="accent2">
-                  <a:lumMod val="75000"/>
-                </a:schemeClr>
+                <a:srgbClr val="FF0000"/>
+              </a:solidFill>
+            </a:endParaRPr>
+          </a:p>
+        </p:txBody>
+      </p:sp>
+      <p:sp>
+        <p:nvSpPr>
+          <p:cNvPr id="7" name="TextBox 6"/>
+          <p:cNvSpPr txBox="1"/>
+          <p:nvPr/>
+        </p:nvSpPr>
+        <p:spPr>
+          <a:xfrm>
+            <a:off x="10560424" y="1943805"/>
+            <a:ext cx="1011880" cy="523220"/>
+          </a:xfrm>
+          <a:prstGeom prst="rect">
+            <a:avLst/>
+          </a:prstGeom>
+          <a:noFill/>
+        </p:spPr>
+        <p:txBody>
+          <a:bodyPr wrap="none" rtlCol="0">
+            <a:spAutoFit/>
+          </a:bodyPr>
+          <a:lstStyle/>
+          <a:p>
+            <a:r>
+              <a:rPr lang="en-CA" sz="1400" dirty="0" smtClean="0">
+                <a:solidFill>
+                  <a:srgbClr val="FF0000"/>
+                </a:solidFill>
+              </a:rPr>
+              <a:t>Application</a:t>
+            </a:r>
+            <a:br>
+              <a:rPr lang="en-CA" sz="1400" dirty="0" smtClean="0">
+                <a:solidFill>
+                  <a:srgbClr val="FF0000"/>
+                </a:solidFill>
+              </a:rPr>
+            </a:br>
+            <a:r>
+              <a:rPr lang="en-CA" sz="1400" dirty="0" smtClean="0">
+                <a:solidFill>
+                  <a:srgbClr val="FF0000"/>
+                </a:solidFill>
+              </a:rPr>
+              <a:t>Server</a:t>
+            </a:r>
+            <a:endParaRPr lang="en-US" sz="1400" dirty="0">
+              <a:solidFill>
+                <a:srgbClr val="FF0000"/>
+              </a:solidFill>
+            </a:endParaRPr>
+          </a:p>
+        </p:txBody>
+      </p:sp>
+      <p:sp>
+        <p:nvSpPr>
+          <p:cNvPr id="9" name="TextBox 8"/>
+          <p:cNvSpPr txBox="1"/>
+          <p:nvPr/>
+        </p:nvSpPr>
+        <p:spPr>
+          <a:xfrm>
+            <a:off x="10621205" y="3029553"/>
+            <a:ext cx="866904" cy="523220"/>
+          </a:xfrm>
+          <a:prstGeom prst="rect">
+            <a:avLst/>
+          </a:prstGeom>
+          <a:noFill/>
+        </p:spPr>
+        <p:txBody>
+          <a:bodyPr wrap="none" rtlCol="0">
+            <a:spAutoFit/>
+          </a:bodyPr>
+          <a:lstStyle/>
+          <a:p>
+            <a:r>
+              <a:rPr lang="en-CA" sz="1400" dirty="0" smtClean="0">
+                <a:solidFill>
+                  <a:srgbClr val="FF0000"/>
+                </a:solidFill>
+              </a:rPr>
+              <a:t>Database</a:t>
+            </a:r>
+            <a:br>
+              <a:rPr lang="en-CA" sz="1400" dirty="0" smtClean="0">
+                <a:solidFill>
+                  <a:srgbClr val="FF0000"/>
+                </a:solidFill>
+              </a:rPr>
+            </a:br>
+            <a:r>
+              <a:rPr lang="en-CA" sz="1400" dirty="0" smtClean="0">
+                <a:solidFill>
+                  <a:srgbClr val="FF0000"/>
+                </a:solidFill>
+              </a:rPr>
+              <a:t>Server</a:t>
+            </a:r>
+            <a:endParaRPr lang="en-US" sz="1400" dirty="0">
+              <a:solidFill>
+                <a:srgbClr val="FF0000"/>
+              </a:solidFill>
+            </a:endParaRPr>
+          </a:p>
+        </p:txBody>
+      </p:sp>
+      <p:cxnSp>
+        <p:nvCxnSpPr>
+          <p:cNvPr id="11" name="Straight Arrow Connector 10"/>
+          <p:cNvCxnSpPr>
+            <a:stCxn id="6" idx="2"/>
+            <a:endCxn id="7" idx="0"/>
+          </p:cNvCxnSpPr>
+          <p:nvPr/>
+        </p:nvCxnSpPr>
+        <p:spPr>
+          <a:xfrm flipH="1">
+            <a:off x="11066364" y="884232"/>
+            <a:ext cx="15061" cy="1059573"/>
+          </a:xfrm>
+          <a:prstGeom prst="straightConnector1">
+            <a:avLst/>
+          </a:prstGeom>
+          <a:ln w="19050">
+            <a:solidFill>
+              <a:srgbClr val="FF0000"/>
+            </a:solidFill>
+            <a:headEnd type="triangle" w="med" len="med"/>
+            <a:tailEnd type="triangle" w="med" len="med"/>
+          </a:ln>
+        </p:spPr>
+        <p:style>
+          <a:lnRef idx="1">
+            <a:schemeClr val="accent1"/>
+          </a:lnRef>
+          <a:fillRef idx="0">
+            <a:schemeClr val="accent1"/>
+          </a:fillRef>
+          <a:effectRef idx="0">
+            <a:schemeClr val="accent1"/>
+          </a:effectRef>
+          <a:fontRef idx="minor">
+            <a:schemeClr val="tx1"/>
+          </a:fontRef>
+        </p:style>
+      </p:cxnSp>
+      <p:cxnSp>
+        <p:nvCxnSpPr>
+          <p:cNvPr id="12" name="Straight Arrow Connector 11"/>
+          <p:cNvCxnSpPr/>
+          <p:nvPr/>
+        </p:nvCxnSpPr>
+        <p:spPr>
+          <a:xfrm flipH="1">
+            <a:off x="11081425" y="2433395"/>
+            <a:ext cx="15062" cy="569983"/>
+          </a:xfrm>
+          <a:prstGeom prst="straightConnector1">
+            <a:avLst/>
+          </a:prstGeom>
+          <a:ln w="19050">
+            <a:solidFill>
+              <a:srgbClr val="FF0000"/>
+            </a:solidFill>
+            <a:headEnd type="triangle" w="med" len="med"/>
+            <a:tailEnd type="triangle" w="med" len="med"/>
+          </a:ln>
+        </p:spPr>
+        <p:style>
+          <a:lnRef idx="1">
+            <a:schemeClr val="accent1"/>
+          </a:lnRef>
+          <a:fillRef idx="0">
+            <a:schemeClr val="accent1"/>
+          </a:fillRef>
+          <a:effectRef idx="0">
+            <a:schemeClr val="accent1"/>
+          </a:effectRef>
+          <a:fontRef idx="minor">
+            <a:schemeClr val="tx1"/>
+          </a:fontRef>
+        </p:style>
+      </p:cxnSp>
+      <p:sp>
+        <p:nvSpPr>
+          <p:cNvPr id="14" name="TextBox 13"/>
+          <p:cNvSpPr txBox="1"/>
+          <p:nvPr/>
+        </p:nvSpPr>
+        <p:spPr>
+          <a:xfrm>
+            <a:off x="11066364" y="1132180"/>
+            <a:ext cx="780983" cy="400110"/>
+          </a:xfrm>
+          <a:prstGeom prst="rect">
+            <a:avLst/>
+          </a:prstGeom>
+          <a:noFill/>
+        </p:spPr>
+        <p:txBody>
+          <a:bodyPr wrap="none" rtlCol="0">
+            <a:spAutoFit/>
+          </a:bodyPr>
+          <a:lstStyle/>
+          <a:p>
+            <a:r>
+              <a:rPr lang="en-CA" sz="1000" dirty="0" smtClean="0">
+                <a:solidFill>
+                  <a:srgbClr val="FF0000"/>
+                </a:solidFill>
+              </a:rPr>
+              <a:t>Internet</a:t>
+            </a:r>
+            <a:br>
+              <a:rPr lang="en-CA" sz="1000" dirty="0" smtClean="0">
+                <a:solidFill>
+                  <a:srgbClr val="FF0000"/>
+                </a:solidFill>
+              </a:rPr>
+            </a:br>
+            <a:r>
+              <a:rPr lang="en-CA" sz="1000" dirty="0" smtClean="0">
+                <a:solidFill>
+                  <a:srgbClr val="FF0000"/>
+                </a:solidFill>
+              </a:rPr>
+              <a:t>Connection</a:t>
+            </a:r>
+            <a:endParaRPr lang="en-US" sz="1000" dirty="0">
+              <a:solidFill>
+                <a:srgbClr val="FF0000"/>
+              </a:solidFill>
+            </a:endParaRPr>
+          </a:p>
+        </p:txBody>
+      </p:sp>
+      <p:sp>
+        <p:nvSpPr>
+          <p:cNvPr id="15" name="TextBox 14"/>
+          <p:cNvSpPr txBox="1"/>
+          <p:nvPr/>
+        </p:nvSpPr>
+        <p:spPr>
+          <a:xfrm>
+            <a:off x="11157218" y="2469189"/>
+            <a:ext cx="780983" cy="400110"/>
+          </a:xfrm>
+          <a:prstGeom prst="rect">
+            <a:avLst/>
+          </a:prstGeom>
+          <a:noFill/>
+        </p:spPr>
+        <p:txBody>
+          <a:bodyPr wrap="none" rtlCol="0">
+            <a:spAutoFit/>
+          </a:bodyPr>
+          <a:lstStyle/>
+          <a:p>
+            <a:r>
+              <a:rPr lang="en-CA" sz="1000" dirty="0" smtClean="0">
+                <a:solidFill>
+                  <a:srgbClr val="FF0000"/>
+                </a:solidFill>
+              </a:rPr>
+              <a:t>Internet</a:t>
+            </a:r>
+            <a:br>
+              <a:rPr lang="en-CA" sz="1000" dirty="0" smtClean="0">
+                <a:solidFill>
+                  <a:srgbClr val="FF0000"/>
+                </a:solidFill>
+              </a:rPr>
+            </a:br>
+            <a:r>
+              <a:rPr lang="en-CA" sz="1000" dirty="0" smtClean="0">
+                <a:solidFill>
+                  <a:srgbClr val="FF0000"/>
+                </a:solidFill>
+              </a:rPr>
+              <a:t>Connection</a:t>
+            </a:r>
+            <a:endParaRPr lang="en-US" sz="1000" dirty="0">
+              <a:solidFill>
+                <a:srgbClr val="FF0000"/>
               </a:solidFill>
             </a:endParaRPr>
           </a:p>
@@ -8582,7 +8908,7 @@
     </p:spTree>
     <p:extLst>
       <p:ext uri="{BB962C8B-B14F-4D97-AF65-F5344CB8AC3E}">
-        <p14:creationId xmlns:p14="http://schemas.microsoft.com/office/powerpoint/2010/main" val="1792743380"/>
+        <p14:creationId xmlns:p14="http://schemas.microsoft.com/office/powerpoint/2010/main" val="3911421540"/>
       </p:ext>
     </p:extLst>
   </p:cSld>
@@ -8616,143 +8942,16 @@
           <a:chExt cx="0" cy="0"/>
         </a:xfrm>
       </p:grpSpPr>
-      <p:grpSp>
-        <p:nvGrpSpPr>
-          <p:cNvPr id="4" name="Group 3"/>
-          <p:cNvGrpSpPr/>
-          <p:nvPr/>
-        </p:nvGrpSpPr>
-        <p:grpSpPr>
-          <a:xfrm>
-            <a:off x="10641945" y="6092176"/>
-            <a:ext cx="1185289" cy="439448"/>
-            <a:chOff x="5598891" y="5389418"/>
-            <a:chExt cx="1185289" cy="439448"/>
-          </a:xfrm>
-        </p:grpSpPr>
-        <p:pic>
-          <p:nvPicPr>
-            <p:cNvPr id="5" name="Picture 4"/>
-            <p:cNvPicPr>
-              <a:picLocks noChangeAspect="1"/>
-            </p:cNvPicPr>
-            <p:nvPr/>
-          </p:nvPicPr>
-          <p:blipFill>
-            <a:blip r:embed="rId2"/>
-            <a:stretch>
-              <a:fillRect/>
-            </a:stretch>
-          </p:blipFill>
-          <p:spPr>
-            <a:xfrm>
-              <a:off x="5598891" y="5389418"/>
-              <a:ext cx="434763" cy="439448"/>
-            </a:xfrm>
-            <a:prstGeom prst="rect">
-              <a:avLst/>
-            </a:prstGeom>
-          </p:spPr>
-        </p:pic>
-        <p:sp>
-          <p:nvSpPr>
-            <p:cNvPr id="6" name="TextBox 5"/>
-            <p:cNvSpPr txBox="1"/>
-            <p:nvPr/>
-          </p:nvSpPr>
-          <p:spPr>
-            <a:xfrm>
-              <a:off x="6033654" y="5459534"/>
-              <a:ext cx="750526" cy="369332"/>
-            </a:xfrm>
-            <a:prstGeom prst="rect">
-              <a:avLst/>
-            </a:prstGeom>
-            <a:noFill/>
-          </p:spPr>
-          <p:txBody>
-            <a:bodyPr wrap="none" rtlCol="0">
-              <a:spAutoFit/>
-            </a:bodyPr>
-            <a:lstStyle/>
-            <a:p>
-              <a:r>
-                <a:rPr lang="en-CA" b="1" dirty="0" smtClean="0">
-                  <a:solidFill>
-                    <a:schemeClr val="accent2">
-                      <a:lumMod val="75000"/>
-                    </a:schemeClr>
-                  </a:solidFill>
-                  <a:hlinkClick r:id="rId3" action="ppaction://hlinksldjump"/>
-                </a:rPr>
-                <a:t>Home</a:t>
-              </a:r>
-              <a:endParaRPr lang="en-US" b="1" dirty="0">
-                <a:solidFill>
-                  <a:schemeClr val="accent2">
-                    <a:lumMod val="75000"/>
-                  </a:schemeClr>
-                </a:solidFill>
-              </a:endParaRPr>
-            </a:p>
-          </p:txBody>
-        </p:sp>
-      </p:grpSp>
-      <p:sp>
-        <p:nvSpPr>
-          <p:cNvPr id="2" name="Title 1"/>
-          <p:cNvSpPr>
-            <a:spLocks noGrp="1"/>
-          </p:cNvSpPr>
-          <p:nvPr>
-            <p:ph type="title"/>
-          </p:nvPr>
-        </p:nvSpPr>
-        <p:spPr/>
-        <p:txBody>
-          <a:bodyPr/>
-          <a:lstStyle/>
-          <a:p>
-            <a:r>
-              <a:rPr lang="en-CA" dirty="0" smtClean="0"/>
-              <a:t>5.4) Other Servers</a:t>
-            </a:r>
-            <a:endParaRPr lang="en-US" dirty="0"/>
-          </a:p>
-        </p:txBody>
-      </p:sp>
-      <p:sp>
-        <p:nvSpPr>
-          <p:cNvPr id="3" name="Content Placeholder 2"/>
-          <p:cNvSpPr>
-            <a:spLocks noGrp="1"/>
-          </p:cNvSpPr>
-          <p:nvPr>
-            <p:ph idx="1"/>
-          </p:nvPr>
-        </p:nvSpPr>
-        <p:spPr/>
-        <p:txBody>
-          <a:bodyPr/>
-          <a:lstStyle/>
-          <a:p>
-            <a:r>
-              <a:rPr lang="en-CA" dirty="0" smtClean="0"/>
-              <a:t>Describe some other types of internet servers not covered by the slides above.</a:t>
-            </a:r>
-          </a:p>
-        </p:txBody>
-      </p:sp>
       <p:pic>
         <p:nvPicPr>
-          <p:cNvPr id="3076" name="Picture 4" descr="Related image"/>
+          <p:cNvPr id="1026" name="Picture 2" descr="Image result for database table structure diagram"/>
           <p:cNvPicPr>
             <a:picLocks noChangeAspect="1" noChangeArrowheads="1"/>
           </p:cNvPicPr>
           <p:nvPr/>
         </p:nvPicPr>
         <p:blipFill>
-          <a:blip r:embed="rId4" cstate="print">
+          <a:blip r:embed="rId2">
             <a:extLst>
               <a:ext uri="{28A0092B-C50C-407E-A947-70E740481C1C}">
                 <a14:useLocalDpi xmlns:a14="http://schemas.microsoft.com/office/drawing/2010/main" val="0"/>
@@ -8766,8 +8965,8 @@
         </p:blipFill>
         <p:spPr bwMode="auto">
           <a:xfrm>
-            <a:off x="9187048" y="6092176"/>
-            <a:ext cx="486990" cy="486990"/>
+            <a:off x="4628051" y="3155880"/>
+            <a:ext cx="7233246" cy="2851728"/>
           </a:xfrm>
           <a:prstGeom prst="rect">
             <a:avLst/>
@@ -8786,51 +8985,259 @@
       </p:pic>
       <p:sp>
         <p:nvSpPr>
-          <p:cNvPr id="9" name="TextBox 8"/>
-          <p:cNvSpPr txBox="1"/>
+          <p:cNvPr id="2" name="Title 1"/>
+          <p:cNvSpPr>
+            <a:spLocks noGrp="1"/>
+          </p:cNvSpPr>
+          <p:nvPr>
+            <p:ph type="title"/>
+          </p:nvPr>
+        </p:nvSpPr>
+        <p:spPr/>
+        <p:txBody>
+          <a:bodyPr/>
+          <a:lstStyle/>
+          <a:p>
+            <a:r>
+              <a:rPr lang="en-CA" dirty="0" smtClean="0"/>
+              <a:t>5c) Database Server</a:t>
+            </a:r>
+            <a:endParaRPr lang="en-US" dirty="0"/>
+          </a:p>
+        </p:txBody>
+      </p:sp>
+      <p:sp>
+        <p:nvSpPr>
+          <p:cNvPr id="3" name="Content Placeholder 2"/>
+          <p:cNvSpPr>
+            <a:spLocks noGrp="1"/>
+          </p:cNvSpPr>
+          <p:nvPr>
+            <p:ph idx="1"/>
+          </p:nvPr>
+        </p:nvSpPr>
+        <p:spPr/>
+        <p:txBody>
+          <a:bodyPr>
+            <a:normAutofit fontScale="55000" lnSpcReduction="20000"/>
+          </a:bodyPr>
+          <a:lstStyle/>
+          <a:p>
+            <a:r>
+              <a:rPr lang="en-CA" dirty="0" smtClean="0"/>
+              <a:t>Database Definition</a:t>
+            </a:r>
+            <a:endParaRPr lang="en-CA" dirty="0"/>
+          </a:p>
+          <a:p>
+            <a:pPr lvl="1"/>
+            <a:r>
+              <a:rPr lang="en-CA" dirty="0" smtClean="0"/>
+              <a:t>Stores data in “</a:t>
+            </a:r>
+            <a:r>
+              <a:rPr lang="en-CA" b="1" u="sng" dirty="0" smtClean="0"/>
+              <a:t>tables</a:t>
+            </a:r>
+            <a:r>
+              <a:rPr lang="en-CA" dirty="0" smtClean="0"/>
+              <a:t>” in a database program </a:t>
+            </a:r>
+            <a:br>
+              <a:rPr lang="en-CA" dirty="0" smtClean="0"/>
+            </a:br>
+            <a:r>
+              <a:rPr lang="en-CA" dirty="0" smtClean="0"/>
+              <a:t>rather than in “files” on a disk</a:t>
+            </a:r>
+            <a:endParaRPr lang="en-CA" dirty="0"/>
+          </a:p>
+          <a:p>
+            <a:pPr lvl="1"/>
+            <a:r>
+              <a:rPr lang="en-CA" dirty="0" smtClean="0"/>
+              <a:t>Each Table stores a specific type of thing</a:t>
+            </a:r>
+          </a:p>
+          <a:p>
+            <a:pPr lvl="2"/>
+            <a:r>
+              <a:rPr lang="en-CA" dirty="0" smtClean="0"/>
+              <a:t>E.g. Customers</a:t>
+            </a:r>
+          </a:p>
+          <a:p>
+            <a:pPr lvl="2"/>
+            <a:r>
+              <a:rPr lang="en-CA" dirty="0" smtClean="0"/>
+              <a:t>E.g. Products</a:t>
+            </a:r>
+            <a:endParaRPr lang="en-CA" dirty="0"/>
+          </a:p>
+          <a:p>
+            <a:pPr lvl="1"/>
+            <a:r>
+              <a:rPr lang="en-CA" dirty="0" smtClean="0"/>
+              <a:t>Other Tables store relationships between things</a:t>
+            </a:r>
+          </a:p>
+          <a:p>
+            <a:pPr lvl="2"/>
+            <a:r>
+              <a:rPr lang="en-CA" dirty="0" smtClean="0"/>
+              <a:t>E.g. Purchases</a:t>
+            </a:r>
+          </a:p>
+          <a:p>
+            <a:pPr lvl="2"/>
+            <a:r>
+              <a:rPr lang="en-CA" dirty="0" smtClean="0"/>
+              <a:t>E.g. Orders</a:t>
+            </a:r>
+            <a:endParaRPr lang="en-CA" dirty="0"/>
+          </a:p>
+          <a:p>
+            <a:pPr lvl="1"/>
+            <a:r>
+              <a:rPr lang="en-CA" dirty="0" smtClean="0"/>
+              <a:t>Databases provide a way to store and manage</a:t>
+            </a:r>
+            <a:br>
+              <a:rPr lang="en-CA" dirty="0" smtClean="0"/>
+            </a:br>
+            <a:r>
+              <a:rPr lang="en-CA" dirty="0" smtClean="0"/>
+              <a:t>dynamic data and changing relationships.</a:t>
+            </a:r>
+            <a:endParaRPr lang="en-CA" dirty="0"/>
+          </a:p>
+          <a:p>
+            <a:pPr lvl="1"/>
+            <a:endParaRPr lang="en-CA" dirty="0"/>
+          </a:p>
+          <a:p>
+            <a:r>
+              <a:rPr lang="en-CA" dirty="0"/>
+              <a:t>Specialized Software:</a:t>
+            </a:r>
+          </a:p>
+          <a:p>
+            <a:pPr lvl="1"/>
+            <a:r>
+              <a:rPr lang="en-CA" dirty="0" smtClean="0"/>
+              <a:t>Supports SQL Database Language</a:t>
+            </a:r>
+            <a:endParaRPr lang="en-CA" dirty="0"/>
+          </a:p>
+          <a:p>
+            <a:pPr lvl="1"/>
+            <a:r>
+              <a:rPr lang="en-CA" dirty="0" err="1" smtClean="0"/>
+              <a:t>MyQSL</a:t>
+            </a:r>
+            <a:r>
+              <a:rPr lang="en-CA" dirty="0" smtClean="0"/>
+              <a:t> (Linux)</a:t>
+            </a:r>
+            <a:endParaRPr lang="en-CA" dirty="0"/>
+          </a:p>
+          <a:p>
+            <a:pPr lvl="1"/>
+            <a:r>
+              <a:rPr lang="en-CA" dirty="0" smtClean="0"/>
+              <a:t>Oracle </a:t>
+            </a:r>
+            <a:r>
+              <a:rPr lang="en-CA" dirty="0"/>
+              <a:t>(Active Server Pages)</a:t>
+            </a:r>
+          </a:p>
+          <a:p>
+            <a:endParaRPr lang="en-CA" dirty="0"/>
+          </a:p>
+          <a:p>
+            <a:r>
+              <a:rPr lang="en-CA" dirty="0"/>
+              <a:t>Works </a:t>
+            </a:r>
+            <a:r>
+              <a:rPr lang="en-CA" dirty="0" smtClean="0"/>
+              <a:t>to Support: </a:t>
+            </a:r>
+            <a:endParaRPr lang="en-CA" dirty="0"/>
+          </a:p>
+          <a:p>
+            <a:pPr lvl="1"/>
+            <a:r>
+              <a:rPr lang="en-CA" dirty="0"/>
+              <a:t>Web Servers</a:t>
+            </a:r>
+          </a:p>
+          <a:p>
+            <a:pPr lvl="1"/>
+            <a:r>
+              <a:rPr lang="en-CA" dirty="0" smtClean="0"/>
+              <a:t>Application Servers</a:t>
+            </a:r>
+          </a:p>
+          <a:p>
+            <a:pPr lvl="1"/>
+            <a:r>
+              <a:rPr lang="en-CA" dirty="0" smtClean="0"/>
+              <a:t>Other Custom Applications</a:t>
+            </a:r>
+            <a:endParaRPr lang="en-CA" dirty="0"/>
+          </a:p>
+          <a:p>
+            <a:endParaRPr lang="en-US" dirty="0"/>
+          </a:p>
+        </p:txBody>
+      </p:sp>
+      <p:pic>
+        <p:nvPicPr>
+          <p:cNvPr id="1028" name="Picture 4" descr="Image result for database servers diagram"/>
+          <p:cNvPicPr>
+            <a:picLocks noChangeAspect="1" noChangeArrowheads="1"/>
+          </p:cNvPicPr>
           <p:nvPr/>
-        </p:nvSpPr>
-        <p:spPr>
+        </p:nvPicPr>
+        <p:blipFill>
+          <a:blip r:embed="rId3">
+            <a:extLst>
+              <a:ext uri="{28A0092B-C50C-407E-A947-70E740481C1C}">
+                <a14:useLocalDpi xmlns:a14="http://schemas.microsoft.com/office/drawing/2010/main" val="0"/>
+              </a:ext>
+            </a:extLst>
+          </a:blip>
+          <a:srcRect/>
+          <a:stretch>
+            <a:fillRect/>
+          </a:stretch>
+        </p:blipFill>
+        <p:spPr bwMode="auto">
           <a:xfrm>
-            <a:off x="9674038" y="6162292"/>
-            <a:ext cx="885499" cy="369332"/>
+            <a:off x="7860143" y="708763"/>
+            <a:ext cx="2083942" cy="2173768"/>
           </a:xfrm>
           <a:prstGeom prst="rect">
             <a:avLst/>
           </a:prstGeom>
           <a:noFill/>
+          <a:extLst>
+            <a:ext uri="{909E8E84-426E-40DD-AFC4-6F175D3DCCD1}">
+              <a14:hiddenFill xmlns:a14="http://schemas.microsoft.com/office/drawing/2010/main">
+                <a:solidFill>
+                  <a:srgbClr val="FFFFFF"/>
+                </a:solidFill>
+              </a14:hiddenFill>
+            </a:ext>
+          </a:extLst>
         </p:spPr>
-        <p:txBody>
-          <a:bodyPr wrap="none" rtlCol="0">
-            <a:spAutoFit/>
-          </a:bodyPr>
-          <a:lstStyle/>
-          <a:p>
-            <a:r>
-              <a:rPr lang="en-CA" b="1" dirty="0" smtClean="0">
-                <a:solidFill>
-                  <a:schemeClr val="accent2">
-                    <a:lumMod val="75000"/>
-                  </a:schemeClr>
-                </a:solidFill>
-                <a:hlinkClick r:id="rId5" action="ppaction://hlinksldjump"/>
-              </a:rPr>
-              <a:t>Servers</a:t>
-            </a:r>
-            <a:endParaRPr lang="en-US" b="1" dirty="0">
-              <a:solidFill>
-                <a:schemeClr val="accent2">
-                  <a:lumMod val="75000"/>
-                </a:schemeClr>
-              </a:solidFill>
-            </a:endParaRPr>
-          </a:p>
-        </p:txBody>
-      </p:sp>
+      </p:pic>
     </p:spTree>
     <p:extLst>
       <p:ext uri="{BB962C8B-B14F-4D97-AF65-F5344CB8AC3E}">
-        <p14:creationId xmlns:p14="http://schemas.microsoft.com/office/powerpoint/2010/main" val="4024164734"/>
+        <p14:creationId xmlns:p14="http://schemas.microsoft.com/office/powerpoint/2010/main" val="2218460990"/>
       </p:ext>
     </p:extLst>
   </p:cSld>
@@ -8864,88 +9271,6 @@
           <a:chExt cx="0" cy="0"/>
         </a:xfrm>
       </p:grpSpPr>
-      <p:grpSp>
-        <p:nvGrpSpPr>
-          <p:cNvPr id="4" name="Group 3"/>
-          <p:cNvGrpSpPr/>
-          <p:nvPr/>
-        </p:nvGrpSpPr>
-        <p:grpSpPr>
-          <a:xfrm>
-            <a:off x="10641945" y="6092176"/>
-            <a:ext cx="1185289" cy="439448"/>
-            <a:chOff x="5598891" y="5389418"/>
-            <a:chExt cx="1185289" cy="439448"/>
-          </a:xfrm>
-        </p:grpSpPr>
-        <p:pic>
-          <p:nvPicPr>
-            <p:cNvPr id="5" name="Picture 4"/>
-            <p:cNvPicPr>
-              <a:picLocks noChangeAspect="1"/>
-            </p:cNvPicPr>
-            <p:nvPr/>
-          </p:nvPicPr>
-          <p:blipFill>
-            <a:blip r:embed="rId2"/>
-            <a:stretch>
-              <a:fillRect/>
-            </a:stretch>
-          </p:blipFill>
-          <p:spPr>
-            <a:xfrm>
-              <a:off x="5598891" y="5389418"/>
-              <a:ext cx="434763" cy="439448"/>
-            </a:xfrm>
-            <a:prstGeom prst="rect">
-              <a:avLst/>
-            </a:prstGeom>
-          </p:spPr>
-        </p:pic>
-        <p:sp>
-          <p:nvSpPr>
-            <p:cNvPr id="6" name="TextBox 5"/>
-            <p:cNvSpPr txBox="1"/>
-            <p:nvPr/>
-          </p:nvSpPr>
-          <p:spPr>
-            <a:xfrm>
-              <a:off x="6033654" y="5459534"/>
-              <a:ext cx="750526" cy="369332"/>
-            </a:xfrm>
-            <a:prstGeom prst="rect">
-              <a:avLst/>
-            </a:prstGeom>
-            <a:noFill/>
-          </p:spPr>
-          <p:txBody>
-            <a:bodyPr wrap="none" rtlCol="0">
-              <a:spAutoFit/>
-            </a:bodyPr>
-            <a:lstStyle/>
-            <a:p>
-              <a:r>
-                <a:rPr lang="en-CA" b="1" dirty="0" smtClean="0">
-                  <a:solidFill>
-                    <a:schemeClr val="accent2">
-                      <a:lumMod val="75000"/>
-                    </a:schemeClr>
-                  </a:solidFill>
-                  <a:hlinkClick r:id="rId3" action="ppaction://hlinksldjump"/>
-                </a:rPr>
-                <a:t>Home</a:t>
-              </a:r>
-              <a:endParaRPr lang="en-US" b="1" dirty="0">
-                <a:solidFill>
-                  <a:schemeClr val="accent2">
-                    <a:lumMod val="75000"/>
-                  </a:schemeClr>
-                </a:solidFill>
-              </a:endParaRPr>
-            </a:p>
-          </p:txBody>
-        </p:sp>
-      </p:grpSp>
       <p:sp>
         <p:nvSpPr>
           <p:cNvPr id="2" name="Title 1"/>
@@ -8961,11 +9286,7 @@
           <a:bodyPr/>
           <a:lstStyle/>
           <a:p>
-            <a:r>
-              <a:rPr lang="en-CA" dirty="0" smtClean="0"/>
-              <a:t>6) Network Routing &amp; ISPs</a:t>
-            </a:r>
-            <a:endParaRPr lang="en-US" dirty="0"/>
+            <a:endParaRPr lang="en-US"/>
           </a:p>
         </p:txBody>
       </p:sp>
@@ -8984,50 +9305,20 @@
           <a:bodyPr/>
           <a:lstStyle/>
           <a:p>
-            <a:r>
-              <a:rPr lang="en-CA" dirty="0" smtClean="0"/>
-              <a:t>Section Topics</a:t>
-            </a:r>
-          </a:p>
-          <a:p>
-            <a:pPr lvl="1"/>
-            <a:r>
-              <a:rPr lang="en-CA" dirty="0" smtClean="0"/>
-              <a:t>Internet Service Provider (ISP)</a:t>
-            </a:r>
-          </a:p>
-          <a:p>
-            <a:pPr lvl="1"/>
-            <a:r>
-              <a:rPr lang="en-CA" dirty="0" smtClean="0"/>
-              <a:t>Internet Connection Technologies</a:t>
-            </a:r>
-          </a:p>
-          <a:p>
-            <a:pPr lvl="1"/>
-            <a:r>
-              <a:rPr lang="en-CA" dirty="0" smtClean="0"/>
-              <a:t>Network Routers &amp; Switches</a:t>
-            </a:r>
-          </a:p>
-          <a:p>
-            <a:pPr marL="457200" lvl="1" indent="0">
-              <a:buNone/>
-            </a:pPr>
-            <a:endParaRPr lang="en-US" dirty="0"/>
+            <a:endParaRPr lang="en-US"/>
           </a:p>
         </p:txBody>
       </p:sp>
       <p:pic>
         <p:nvPicPr>
-          <p:cNvPr id="4098" name="Picture 2" descr="Image result for Network Routing"/>
+          <p:cNvPr id="4" name="Picture 2" descr="Image result for database table structure diagram"/>
           <p:cNvPicPr>
             <a:picLocks noChangeAspect="1" noChangeArrowheads="1"/>
           </p:cNvPicPr>
           <p:nvPr/>
         </p:nvPicPr>
         <p:blipFill>
-          <a:blip r:embed="rId4">
+          <a:blip r:embed="rId2">
             <a:extLst>
               <a:ext uri="{28A0092B-C50C-407E-A947-70E740481C1C}">
                 <a14:useLocalDpi xmlns:a14="http://schemas.microsoft.com/office/drawing/2010/main" val="0"/>
@@ -9041,8 +9332,8 @@
         </p:blipFill>
         <p:spPr bwMode="auto">
           <a:xfrm>
-            <a:off x="5947426" y="2266076"/>
-            <a:ext cx="5306869" cy="2964830"/>
+            <a:off x="217850" y="1549687"/>
+            <a:ext cx="11736823" cy="4627276"/>
           </a:xfrm>
           <a:prstGeom prst="rect">
             <a:avLst/>
@@ -9059,77 +9350,10 @@
           </a:extLst>
         </p:spPr>
       </p:pic>
-      <p:pic>
-        <p:nvPicPr>
-          <p:cNvPr id="9" name="Picture 8"/>
-          <p:cNvPicPr>
-            <a:picLocks noChangeAspect="1"/>
-          </p:cNvPicPr>
-          <p:nvPr/>
-        </p:nvPicPr>
-        <p:blipFill>
-          <a:blip r:embed="rId5"/>
-          <a:stretch>
-            <a:fillRect/>
-          </a:stretch>
-        </p:blipFill>
-        <p:spPr>
-          <a:xfrm>
-            <a:off x="8930177" y="6176963"/>
-            <a:ext cx="411045" cy="378348"/>
-          </a:xfrm>
-          <a:prstGeom prst="rect">
-            <a:avLst/>
-          </a:prstGeom>
-        </p:spPr>
-      </p:pic>
-      <p:sp>
-        <p:nvSpPr>
-          <p:cNvPr id="11" name="TextBox 10"/>
-          <p:cNvSpPr txBox="1"/>
-          <p:nvPr/>
-        </p:nvSpPr>
-        <p:spPr>
-          <a:xfrm>
-            <a:off x="9417985" y="6169628"/>
-            <a:ext cx="1105752" cy="369332"/>
-          </a:xfrm>
-          <a:prstGeom prst="rect">
-            <a:avLst/>
-          </a:prstGeom>
-          <a:noFill/>
-        </p:spPr>
-        <p:txBody>
-          <a:bodyPr wrap="none" rtlCol="0">
-            <a:spAutoFit/>
-          </a:bodyPr>
-          <a:lstStyle/>
-          <a:p>
-            <a:r>
-              <a:rPr lang="en-CA" b="1" dirty="0" smtClean="0">
-                <a:solidFill>
-                  <a:schemeClr val="accent2">
-                    <a:lumMod val="75000"/>
-                  </a:schemeClr>
-                </a:solidFill>
-                <a:hlinkClick r:id="rId6" action="ppaction://hlinksldjump"/>
-              </a:rPr>
-              <a:t>Networks</a:t>
-            </a:r>
-            <a:endParaRPr lang="en-US" b="1" dirty="0">
-              <a:solidFill>
-                <a:schemeClr val="accent2">
-                  <a:lumMod val="75000"/>
-                </a:schemeClr>
-              </a:solidFill>
-            </a:endParaRPr>
-          </a:p>
-        </p:txBody>
-      </p:sp>
     </p:spTree>
     <p:extLst>
       <p:ext uri="{BB962C8B-B14F-4D97-AF65-F5344CB8AC3E}">
-        <p14:creationId xmlns:p14="http://schemas.microsoft.com/office/powerpoint/2010/main" val="726003331"/>
+        <p14:creationId xmlns:p14="http://schemas.microsoft.com/office/powerpoint/2010/main" val="3442728180"/>
       </p:ext>
     </p:extLst>
   </p:cSld>
@@ -9163,88 +9387,6 @@
           <a:chExt cx="0" cy="0"/>
         </a:xfrm>
       </p:grpSpPr>
-      <p:grpSp>
-        <p:nvGrpSpPr>
-          <p:cNvPr id="4" name="Group 3"/>
-          <p:cNvGrpSpPr/>
-          <p:nvPr/>
-        </p:nvGrpSpPr>
-        <p:grpSpPr>
-          <a:xfrm>
-            <a:off x="10641945" y="6092176"/>
-            <a:ext cx="1185289" cy="439448"/>
-            <a:chOff x="5598891" y="5389418"/>
-            <a:chExt cx="1185289" cy="439448"/>
-          </a:xfrm>
-        </p:grpSpPr>
-        <p:pic>
-          <p:nvPicPr>
-            <p:cNvPr id="5" name="Picture 4"/>
-            <p:cNvPicPr>
-              <a:picLocks noChangeAspect="1"/>
-            </p:cNvPicPr>
-            <p:nvPr/>
-          </p:nvPicPr>
-          <p:blipFill>
-            <a:blip r:embed="rId2"/>
-            <a:stretch>
-              <a:fillRect/>
-            </a:stretch>
-          </p:blipFill>
-          <p:spPr>
-            <a:xfrm>
-              <a:off x="5598891" y="5389418"/>
-              <a:ext cx="434763" cy="439448"/>
-            </a:xfrm>
-            <a:prstGeom prst="rect">
-              <a:avLst/>
-            </a:prstGeom>
-          </p:spPr>
-        </p:pic>
-        <p:sp>
-          <p:nvSpPr>
-            <p:cNvPr id="6" name="TextBox 5"/>
-            <p:cNvSpPr txBox="1"/>
-            <p:nvPr/>
-          </p:nvSpPr>
-          <p:spPr>
-            <a:xfrm>
-              <a:off x="6033654" y="5459534"/>
-              <a:ext cx="750526" cy="369332"/>
-            </a:xfrm>
-            <a:prstGeom prst="rect">
-              <a:avLst/>
-            </a:prstGeom>
-            <a:noFill/>
-          </p:spPr>
-          <p:txBody>
-            <a:bodyPr wrap="none" rtlCol="0">
-              <a:spAutoFit/>
-            </a:bodyPr>
-            <a:lstStyle/>
-            <a:p>
-              <a:r>
-                <a:rPr lang="en-CA" b="1" dirty="0" smtClean="0">
-                  <a:solidFill>
-                    <a:schemeClr val="accent2">
-                      <a:lumMod val="75000"/>
-                    </a:schemeClr>
-                  </a:solidFill>
-                  <a:hlinkClick r:id="rId3" action="ppaction://hlinksldjump"/>
-                </a:rPr>
-                <a:t>Home</a:t>
-              </a:r>
-              <a:endParaRPr lang="en-US" b="1" dirty="0">
-                <a:solidFill>
-                  <a:schemeClr val="accent2">
-                    <a:lumMod val="75000"/>
-                  </a:schemeClr>
-                </a:solidFill>
-              </a:endParaRPr>
-            </a:p>
-          </p:txBody>
-        </p:sp>
-      </p:grpSp>
       <p:sp>
         <p:nvSpPr>
           <p:cNvPr id="2" name="Title 1"/>
@@ -9262,7 +9404,7 @@
           <a:p>
             <a:r>
               <a:rPr lang="en-CA" dirty="0" smtClean="0"/>
-              <a:t>6.1) Internet Service Providers (ISPs)</a:t>
+              <a:t>5d) Mail Server</a:t>
             </a:r>
             <a:endParaRPr lang="en-US" dirty="0"/>
           </a:p>
@@ -9280,111 +9422,133 @@
         </p:nvSpPr>
         <p:spPr/>
         <p:txBody>
-          <a:bodyPr/>
-          <a:lstStyle/>
-          <a:p>
-            <a:r>
-              <a:rPr lang="en-CA" dirty="0" smtClean="0"/>
-              <a:t>What is an ISP?</a:t>
-            </a:r>
-          </a:p>
-          <a:p>
+          <a:bodyPr>
+            <a:normAutofit/>
+          </a:bodyPr>
+          <a:lstStyle/>
+          <a:p>
+            <a:r>
+              <a:rPr lang="en-CA" sz="1600" dirty="0"/>
+              <a:t>Protocol: </a:t>
+            </a:r>
+            <a:r>
+              <a:rPr lang="en-CA" sz="1600" dirty="0" smtClean="0"/>
+              <a:t>SMTP </a:t>
+            </a:r>
+            <a:r>
+              <a:rPr lang="en-CA" sz="1600" dirty="0"/>
+              <a:t>/ </a:t>
+            </a:r>
+            <a:r>
+              <a:rPr lang="en-CA" sz="1600" dirty="0" smtClean="0"/>
+              <a:t>POP3</a:t>
+            </a:r>
+            <a:endParaRPr lang="en-CA" sz="1600" dirty="0"/>
+          </a:p>
+          <a:p>
+            <a:pPr lvl="1"/>
+            <a:r>
+              <a:rPr lang="en-CA" sz="1400" dirty="0" smtClean="0"/>
+              <a:t>Used when mail is downloaded and stored</a:t>
+            </a:r>
+            <a:br>
+              <a:rPr lang="en-CA" sz="1400" dirty="0" smtClean="0"/>
+            </a:br>
+            <a:r>
+              <a:rPr lang="en-CA" sz="1400" dirty="0" smtClean="0"/>
+              <a:t>on your computer (e.g. Outlook)</a:t>
+            </a:r>
+            <a:endParaRPr lang="en-CA" sz="1400" u="sng" dirty="0"/>
+          </a:p>
+          <a:p>
+            <a:pPr lvl="1"/>
+            <a:r>
+              <a:rPr lang="en-CA" sz="1400" dirty="0" smtClean="0"/>
+              <a:t>Not used for Browser based mail (e.g. </a:t>
+            </a:r>
+            <a:r>
+              <a:rPr lang="en-CA" sz="1400" dirty="0" err="1" smtClean="0"/>
+              <a:t>gmail</a:t>
+            </a:r>
+            <a:r>
+              <a:rPr lang="en-CA" sz="1400" dirty="0" smtClean="0"/>
+              <a:t>)</a:t>
+            </a:r>
+            <a:endParaRPr lang="en-CA" sz="1400" dirty="0"/>
+          </a:p>
+          <a:p>
+            <a:pPr lvl="1"/>
+            <a:r>
+              <a:rPr lang="en-CA" sz="1400" dirty="0" smtClean="0"/>
+              <a:t>Also used to send mail between servers </a:t>
+            </a:r>
+            <a:br>
+              <a:rPr lang="en-CA" sz="1400" dirty="0" smtClean="0"/>
+            </a:br>
+            <a:r>
+              <a:rPr lang="en-CA" sz="1400" dirty="0" smtClean="0"/>
+              <a:t>on the Internet</a:t>
+            </a:r>
+            <a:endParaRPr lang="en-CA" sz="1400" dirty="0"/>
+          </a:p>
+          <a:p>
+            <a:pPr lvl="1"/>
             <a:endParaRPr lang="en-CA" dirty="0"/>
           </a:p>
           <a:p>
-            <a:r>
-              <a:rPr lang="en-CA" dirty="0" smtClean="0"/>
-              <a:t>What are some common ISPs people use in the Toronto Area?</a:t>
-            </a:r>
-          </a:p>
-          <a:p>
+            <a:pPr lvl="1"/>
             <a:endParaRPr lang="en-CA" dirty="0"/>
           </a:p>
           <a:p>
-            <a:r>
-              <a:rPr lang="en-CA" dirty="0" smtClean="0"/>
-              <a:t>How is an ISP different from a Internet application / service?</a:t>
-            </a:r>
-          </a:p>
-          <a:p>
-            <a:pPr marL="457200" lvl="1" indent="0">
-              <a:buNone/>
-            </a:pPr>
             <a:endParaRPr lang="en-US" dirty="0"/>
           </a:p>
         </p:txBody>
       </p:sp>
       <p:pic>
         <p:nvPicPr>
-          <p:cNvPr id="9" name="Picture 8"/>
+          <p:cNvPr id="2050" name="Picture 2" descr="Image result for SMTP servers diagram"/>
           <p:cNvPicPr>
-            <a:picLocks noChangeAspect="1"/>
+            <a:picLocks noChangeAspect="1" noChangeArrowheads="1"/>
           </p:cNvPicPr>
           <p:nvPr/>
         </p:nvPicPr>
         <p:blipFill>
-          <a:blip r:embed="rId4"/>
+          <a:blip r:embed="rId2">
+            <a:extLst>
+              <a:ext uri="{28A0092B-C50C-407E-A947-70E740481C1C}">
+                <a14:useLocalDpi xmlns:a14="http://schemas.microsoft.com/office/drawing/2010/main" val="0"/>
+              </a:ext>
+            </a:extLst>
+          </a:blip>
+          <a:srcRect/>
           <a:stretch>
             <a:fillRect/>
           </a:stretch>
         </p:blipFill>
-        <p:spPr>
+        <p:spPr bwMode="auto">
           <a:xfrm>
-            <a:off x="8930177" y="6176963"/>
-            <a:ext cx="411045" cy="378348"/>
-          </a:xfrm>
-          <a:prstGeom prst="rect">
-            <a:avLst/>
-          </a:prstGeom>
-        </p:spPr>
-      </p:pic>
-      <p:sp>
-        <p:nvSpPr>
-          <p:cNvPr id="11" name="TextBox 10"/>
-          <p:cNvSpPr txBox="1"/>
-          <p:nvPr/>
-        </p:nvSpPr>
-        <p:spPr>
-          <a:xfrm>
-            <a:off x="9417985" y="6169628"/>
-            <a:ext cx="1105752" cy="369332"/>
+            <a:off x="5599252" y="1825625"/>
+            <a:ext cx="5354498" cy="3779647"/>
           </a:xfrm>
           <a:prstGeom prst="rect">
             <a:avLst/>
           </a:prstGeom>
           <a:noFill/>
+          <a:extLst>
+            <a:ext uri="{909E8E84-426E-40DD-AFC4-6F175D3DCCD1}">
+              <a14:hiddenFill xmlns:a14="http://schemas.microsoft.com/office/drawing/2010/main">
+                <a:solidFill>
+                  <a:srgbClr val="FFFFFF"/>
+                </a:solidFill>
+              </a14:hiddenFill>
+            </a:ext>
+          </a:extLst>
         </p:spPr>
-        <p:txBody>
-          <a:bodyPr wrap="none" rtlCol="0">
-            <a:spAutoFit/>
-          </a:bodyPr>
-          <a:lstStyle/>
-          <a:p>
-            <a:r>
-              <a:rPr lang="en-CA" b="1" dirty="0" smtClean="0">
-                <a:solidFill>
-                  <a:schemeClr val="accent2">
-                    <a:lumMod val="75000"/>
-                  </a:schemeClr>
-                </a:solidFill>
-                <a:hlinkClick r:id="rId5" action="ppaction://hlinksldjump"/>
-              </a:rPr>
-              <a:t>Networks</a:t>
-            </a:r>
-            <a:endParaRPr lang="en-US" b="1" dirty="0">
-              <a:solidFill>
-                <a:schemeClr val="accent2">
-                  <a:lumMod val="75000"/>
-                </a:schemeClr>
-              </a:solidFill>
-            </a:endParaRPr>
-          </a:p>
-        </p:txBody>
-      </p:sp>
+      </p:pic>
     </p:spTree>
     <p:extLst>
       <p:ext uri="{BB962C8B-B14F-4D97-AF65-F5344CB8AC3E}">
-        <p14:creationId xmlns:p14="http://schemas.microsoft.com/office/powerpoint/2010/main" val="2447548317"/>
+        <p14:creationId xmlns:p14="http://schemas.microsoft.com/office/powerpoint/2010/main" val="3182206747"/>
       </p:ext>
     </p:extLst>
   </p:cSld>
@@ -9517,7 +9681,7 @@
           <a:p>
             <a:r>
               <a:rPr lang="en-CA" dirty="0" smtClean="0"/>
-              <a:t>6.2) Internet Connection Technologies</a:t>
+              <a:t>5.1) Mail Servers</a:t>
             </a:r>
             <a:endParaRPr lang="en-US" dirty="0"/>
           </a:p>
@@ -9535,88 +9699,163 @@
         </p:nvSpPr>
         <p:spPr/>
         <p:txBody>
-          <a:bodyPr/>
-          <a:lstStyle/>
-          <a:p>
-            <a:r>
-              <a:rPr lang="en-CA" dirty="0" smtClean="0"/>
-              <a:t>Describe some internet connection technologies using telephone lines.</a:t>
-            </a:r>
-            <a:br>
-              <a:rPr lang="en-CA" dirty="0" smtClean="0"/>
-            </a:br>
+          <a:bodyPr>
+            <a:normAutofit fontScale="92500" lnSpcReduction="20000"/>
+          </a:bodyPr>
+          <a:lstStyle/>
+          <a:p>
+            <a:r>
+              <a:rPr lang="en-CA" dirty="0" smtClean="0"/>
+              <a:t>Downloaded Mail</a:t>
+            </a:r>
+          </a:p>
+          <a:p>
+            <a:pPr lvl="1"/>
+            <a:r>
+              <a:rPr lang="en-CA" dirty="0" smtClean="0"/>
+              <a:t>What is SMTP / POP3?</a:t>
+            </a:r>
+          </a:p>
+          <a:p>
+            <a:pPr lvl="1"/>
+            <a:r>
+              <a:rPr lang="en-CA" dirty="0" smtClean="0"/>
+              <a:t>What are some common Mail Clients</a:t>
+            </a:r>
+          </a:p>
+          <a:p>
+            <a:pPr lvl="1"/>
+            <a:r>
+              <a:rPr lang="en-CA" dirty="0" smtClean="0"/>
+              <a:t>What are some advantages of downloaded mail?</a:t>
+            </a:r>
+          </a:p>
+          <a:p>
+            <a:pPr lvl="1"/>
             <a:endParaRPr lang="en-CA" dirty="0" smtClean="0"/>
           </a:p>
           <a:p>
             <a:r>
+              <a:rPr lang="en-CA" dirty="0" smtClean="0"/>
+              <a:t>Web Based Mail</a:t>
+            </a:r>
+          </a:p>
+          <a:p>
+            <a:pPr lvl="1"/>
+            <a:r>
               <a:rPr lang="en-CA" dirty="0"/>
-              <a:t>Describe some internet connection technologies using </a:t>
-            </a:r>
-            <a:r>
-              <a:rPr lang="en-CA" dirty="0" smtClean="0"/>
-              <a:t>Wi-Fi.</a:t>
-            </a:r>
-            <a:br>
-              <a:rPr lang="en-CA" dirty="0" smtClean="0"/>
-            </a:br>
+              <a:t>What are some common </a:t>
+            </a:r>
+            <a:r>
+              <a:rPr lang="en-CA" dirty="0" smtClean="0"/>
+              <a:t>Browser Based Mail Services</a:t>
+            </a:r>
             <a:endParaRPr lang="en-CA" dirty="0"/>
           </a:p>
           <a:p>
+            <a:pPr lvl="1"/>
             <a:r>
               <a:rPr lang="en-CA" dirty="0"/>
-              <a:t>Describe some internet connection technologies using </a:t>
-            </a:r>
-            <a:r>
-              <a:rPr lang="en-CA" dirty="0" smtClean="0"/>
-              <a:t>fibre optics cables.</a:t>
-            </a:r>
-            <a:endParaRPr lang="en-CA" dirty="0"/>
-          </a:p>
-          <a:p>
+              <a:t>What are some advantages of </a:t>
+            </a:r>
+            <a:r>
+              <a:rPr lang="en-CA" dirty="0" smtClean="0"/>
+              <a:t>browser based  </a:t>
+            </a:r>
+            <a:r>
+              <a:rPr lang="en-CA" dirty="0"/>
+              <a:t>mail?</a:t>
+            </a:r>
+          </a:p>
+          <a:p>
+            <a:pPr lvl="1"/>
             <a:endParaRPr lang="en-CA" dirty="0" smtClean="0"/>
           </a:p>
           <a:p>
-            <a:pPr marL="457200" lvl="1" indent="0">
-              <a:buNone/>
-            </a:pPr>
+            <a:r>
+              <a:rPr lang="en-CA" dirty="0" smtClean="0"/>
+              <a:t>Mail Servers</a:t>
+            </a:r>
+          </a:p>
+          <a:p>
+            <a:pPr lvl="1"/>
+            <a:r>
+              <a:rPr lang="en-CA" dirty="0" smtClean="0"/>
+              <a:t>Where is mail stored in the Internet?</a:t>
+            </a:r>
+          </a:p>
+          <a:p>
+            <a:pPr lvl="1"/>
+            <a:r>
+              <a:rPr lang="en-CA" dirty="0" smtClean="0"/>
+              <a:t>How is mail delivered across the </a:t>
+            </a:r>
+            <a:r>
+              <a:rPr lang="en-CA" dirty="0"/>
+              <a:t>Internet?</a:t>
+            </a:r>
+          </a:p>
+          <a:p>
+            <a:pPr lvl="1"/>
+            <a:r>
+              <a:rPr lang="en-CA" dirty="0" smtClean="0"/>
+              <a:t>What special Hardware &amp; Software is required for a mail server?</a:t>
+            </a:r>
             <a:endParaRPr lang="en-US" dirty="0"/>
           </a:p>
         </p:txBody>
       </p:sp>
       <p:pic>
         <p:nvPicPr>
-          <p:cNvPr id="9" name="Picture 8"/>
+          <p:cNvPr id="3076" name="Picture 4" descr="Related image"/>
           <p:cNvPicPr>
-            <a:picLocks noChangeAspect="1"/>
+            <a:picLocks noChangeAspect="1" noChangeArrowheads="1"/>
           </p:cNvPicPr>
           <p:nvPr/>
         </p:nvPicPr>
         <p:blipFill>
-          <a:blip r:embed="rId4"/>
+          <a:blip r:embed="rId4" cstate="print">
+            <a:extLst>
+              <a:ext uri="{28A0092B-C50C-407E-A947-70E740481C1C}">
+                <a14:useLocalDpi xmlns:a14="http://schemas.microsoft.com/office/drawing/2010/main" val="0"/>
+              </a:ext>
+            </a:extLst>
+          </a:blip>
+          <a:srcRect/>
           <a:stretch>
             <a:fillRect/>
           </a:stretch>
         </p:blipFill>
-        <p:spPr>
+        <p:spPr bwMode="auto">
           <a:xfrm>
-            <a:off x="8930177" y="6176963"/>
-            <a:ext cx="411045" cy="378348"/>
+            <a:off x="9187048" y="6092176"/>
+            <a:ext cx="486990" cy="486990"/>
           </a:xfrm>
           <a:prstGeom prst="rect">
             <a:avLst/>
           </a:prstGeom>
+          <a:noFill/>
+          <a:extLst>
+            <a:ext uri="{909E8E84-426E-40DD-AFC4-6F175D3DCCD1}">
+              <a14:hiddenFill xmlns:a14="http://schemas.microsoft.com/office/drawing/2010/main">
+                <a:solidFill>
+                  <a:srgbClr val="FFFFFF"/>
+                </a:solidFill>
+              </a14:hiddenFill>
+            </a:ext>
+          </a:extLst>
         </p:spPr>
       </p:pic>
       <p:sp>
         <p:nvSpPr>
-          <p:cNvPr id="11" name="TextBox 10"/>
+          <p:cNvPr id="9" name="TextBox 8"/>
           <p:cNvSpPr txBox="1"/>
           <p:nvPr/>
         </p:nvSpPr>
         <p:spPr>
           <a:xfrm>
-            <a:off x="9417985" y="6169628"/>
-            <a:ext cx="1105752" cy="369332"/>
+            <a:off x="9674038" y="6162292"/>
+            <a:ext cx="885499" cy="369332"/>
           </a:xfrm>
           <a:prstGeom prst="rect">
             <a:avLst/>
@@ -9638,7 +9877,7 @@
                 </a:solidFill>
                 <a:hlinkClick r:id="rId5" action="ppaction://hlinksldjump"/>
               </a:rPr>
-              <a:t>Networks</a:t>
+              <a:t>Servers</a:t>
             </a:r>
             <a:endParaRPr lang="en-US" b="1" dirty="0">
               <a:solidFill>
@@ -9653,7 +9892,7 @@
     </p:spTree>
     <p:extLst>
       <p:ext uri="{BB962C8B-B14F-4D97-AF65-F5344CB8AC3E}">
-        <p14:creationId xmlns:p14="http://schemas.microsoft.com/office/powerpoint/2010/main" val="3124961248"/>
+        <p14:creationId xmlns:p14="http://schemas.microsoft.com/office/powerpoint/2010/main" val="401682337"/>
       </p:ext>
     </p:extLst>
   </p:cSld>
@@ -10129,7 +10368,7 @@
           <a:p>
             <a:r>
               <a:rPr lang="en-CA" dirty="0" smtClean="0"/>
-              <a:t>6.3) Network Routers &amp; Switches</a:t>
+              <a:t>5.2) File Servers</a:t>
             </a:r>
             <a:endParaRPr lang="en-US" dirty="0"/>
           </a:p>
@@ -10147,23 +10386,1149 @@
         </p:nvSpPr>
         <p:spPr/>
         <p:txBody>
-          <a:bodyPr>
-            <a:normAutofit/>
+          <a:bodyPr/>
+          <a:lstStyle/>
+          <a:p>
+            <a:r>
+              <a:rPr lang="en-CA" dirty="0" smtClean="0"/>
+              <a:t>Cloud Based Storage</a:t>
+            </a:r>
+          </a:p>
+          <a:p>
+            <a:pPr lvl="1"/>
+            <a:r>
+              <a:rPr lang="en-CA" dirty="0" smtClean="0"/>
+              <a:t>What are some Cloud Storage Services (applications) ?</a:t>
+            </a:r>
+          </a:p>
+          <a:p>
+            <a:pPr lvl="1"/>
+            <a:r>
+              <a:rPr lang="en-CA" dirty="0" smtClean="0"/>
+              <a:t>What are some advantages of cloud based storage over local storage?</a:t>
+            </a:r>
+          </a:p>
+          <a:p>
+            <a:pPr lvl="1"/>
+            <a:endParaRPr lang="en-CA" dirty="0" smtClean="0"/>
+          </a:p>
+          <a:p>
+            <a:r>
+              <a:rPr lang="en-CA" dirty="0" smtClean="0"/>
+              <a:t>File Servers</a:t>
+            </a:r>
+          </a:p>
+          <a:p>
+            <a:pPr lvl="1"/>
+            <a:r>
+              <a:rPr lang="en-CA" dirty="0"/>
+              <a:t>What special Hardware &amp; Software is required for a </a:t>
+            </a:r>
+            <a:r>
+              <a:rPr lang="en-CA" dirty="0" smtClean="0"/>
+              <a:t>file server</a:t>
+            </a:r>
+            <a:r>
+              <a:rPr lang="en-CA" dirty="0"/>
+              <a:t>?</a:t>
+            </a:r>
+            <a:endParaRPr lang="en-US" dirty="0"/>
+          </a:p>
+        </p:txBody>
+      </p:sp>
+      <p:pic>
+        <p:nvPicPr>
+          <p:cNvPr id="3076" name="Picture 4" descr="Related image"/>
+          <p:cNvPicPr>
+            <a:picLocks noChangeAspect="1" noChangeArrowheads="1"/>
+          </p:cNvPicPr>
+          <p:nvPr/>
+        </p:nvPicPr>
+        <p:blipFill>
+          <a:blip r:embed="rId4" cstate="print">
+            <a:extLst>
+              <a:ext uri="{28A0092B-C50C-407E-A947-70E740481C1C}">
+                <a14:useLocalDpi xmlns:a14="http://schemas.microsoft.com/office/drawing/2010/main" val="0"/>
+              </a:ext>
+            </a:extLst>
+          </a:blip>
+          <a:srcRect/>
+          <a:stretch>
+            <a:fillRect/>
+          </a:stretch>
+        </p:blipFill>
+        <p:spPr bwMode="auto">
+          <a:xfrm>
+            <a:off x="9187048" y="6092176"/>
+            <a:ext cx="486990" cy="486990"/>
+          </a:xfrm>
+          <a:prstGeom prst="rect">
+            <a:avLst/>
+          </a:prstGeom>
+          <a:noFill/>
+          <a:extLst>
+            <a:ext uri="{909E8E84-426E-40DD-AFC4-6F175D3DCCD1}">
+              <a14:hiddenFill xmlns:a14="http://schemas.microsoft.com/office/drawing/2010/main">
+                <a:solidFill>
+                  <a:srgbClr val="FFFFFF"/>
+                </a:solidFill>
+              </a14:hiddenFill>
+            </a:ext>
+          </a:extLst>
+        </p:spPr>
+      </p:pic>
+      <p:sp>
+        <p:nvSpPr>
+          <p:cNvPr id="9" name="TextBox 8"/>
+          <p:cNvSpPr txBox="1"/>
+          <p:nvPr/>
+        </p:nvSpPr>
+        <p:spPr>
+          <a:xfrm>
+            <a:off x="9674038" y="6162292"/>
+            <a:ext cx="885499" cy="369332"/>
+          </a:xfrm>
+          <a:prstGeom prst="rect">
+            <a:avLst/>
+          </a:prstGeom>
+          <a:noFill/>
+        </p:spPr>
+        <p:txBody>
+          <a:bodyPr wrap="none" rtlCol="0">
+            <a:spAutoFit/>
           </a:bodyPr>
           <a:lstStyle/>
           <a:p>
             <a:r>
-              <a:rPr lang="en-CA" dirty="0" smtClean="0"/>
-              <a:t>What is a "Routing Table"?</a:t>
-            </a:r>
-          </a:p>
-          <a:p>
+              <a:rPr lang="en-CA" b="1" dirty="0" smtClean="0">
+                <a:solidFill>
+                  <a:schemeClr val="accent2">
+                    <a:lumMod val="75000"/>
+                  </a:schemeClr>
+                </a:solidFill>
+                <a:hlinkClick r:id="rId5" action="ppaction://hlinksldjump"/>
+              </a:rPr>
+              <a:t>Servers</a:t>
+            </a:r>
+            <a:endParaRPr lang="en-US" b="1" dirty="0">
+              <a:solidFill>
+                <a:schemeClr val="accent2">
+                  <a:lumMod val="75000"/>
+                </a:schemeClr>
+              </a:solidFill>
+            </a:endParaRPr>
+          </a:p>
+        </p:txBody>
+      </p:sp>
+    </p:spTree>
+    <p:extLst>
+      <p:ext uri="{BB962C8B-B14F-4D97-AF65-F5344CB8AC3E}">
+        <p14:creationId xmlns:p14="http://schemas.microsoft.com/office/powerpoint/2010/main" val="4186444377"/>
+      </p:ext>
+    </p:extLst>
+  </p:cSld>
+  <p:clrMapOvr>
+    <a:masterClrMapping/>
+  </p:clrMapOvr>
+  <p:timing>
+    <p:tnLst>
+      <p:par>
+        <p:cTn id="1" dur="indefinite" restart="never" nodeType="tmRoot"/>
+      </p:par>
+    </p:tnLst>
+  </p:timing>
+</p:sld>
+</file>
+
+<file path=ppt/slides/slide31.xml><?xml version="1.0" encoding="utf-8"?>
+<p:sld xmlns:a="http://schemas.openxmlformats.org/drawingml/2006/main" xmlns:r="http://schemas.openxmlformats.org/officeDocument/2006/relationships" xmlns:p="http://schemas.openxmlformats.org/presentationml/2006/main">
+  <p:cSld>
+    <p:spTree>
+      <p:nvGrpSpPr>
+        <p:cNvPr id="1" name=""/>
+        <p:cNvGrpSpPr/>
+        <p:nvPr/>
+      </p:nvGrpSpPr>
+      <p:grpSpPr>
+        <a:xfrm>
+          <a:off x="0" y="0"/>
+          <a:ext cx="0" cy="0"/>
+          <a:chOff x="0" y="0"/>
+          <a:chExt cx="0" cy="0"/>
+        </a:xfrm>
+      </p:grpSpPr>
+      <p:grpSp>
+        <p:nvGrpSpPr>
+          <p:cNvPr id="4" name="Group 3"/>
+          <p:cNvGrpSpPr/>
+          <p:nvPr/>
+        </p:nvGrpSpPr>
+        <p:grpSpPr>
+          <a:xfrm>
+            <a:off x="10641945" y="6092176"/>
+            <a:ext cx="1185289" cy="439448"/>
+            <a:chOff x="5598891" y="5389418"/>
+            <a:chExt cx="1185289" cy="439448"/>
+          </a:xfrm>
+        </p:grpSpPr>
+        <p:pic>
+          <p:nvPicPr>
+            <p:cNvPr id="5" name="Picture 4"/>
+            <p:cNvPicPr>
+              <a:picLocks noChangeAspect="1"/>
+            </p:cNvPicPr>
+            <p:nvPr/>
+          </p:nvPicPr>
+          <p:blipFill>
+            <a:blip r:embed="rId2"/>
+            <a:stretch>
+              <a:fillRect/>
+            </a:stretch>
+          </p:blipFill>
+          <p:spPr>
+            <a:xfrm>
+              <a:off x="5598891" y="5389418"/>
+              <a:ext cx="434763" cy="439448"/>
+            </a:xfrm>
+            <a:prstGeom prst="rect">
+              <a:avLst/>
+            </a:prstGeom>
+          </p:spPr>
+        </p:pic>
+        <p:sp>
+          <p:nvSpPr>
+            <p:cNvPr id="6" name="TextBox 5"/>
+            <p:cNvSpPr txBox="1"/>
+            <p:nvPr/>
+          </p:nvSpPr>
+          <p:spPr>
+            <a:xfrm>
+              <a:off x="6033654" y="5459534"/>
+              <a:ext cx="750526" cy="369332"/>
+            </a:xfrm>
+            <a:prstGeom prst="rect">
+              <a:avLst/>
+            </a:prstGeom>
+            <a:noFill/>
+          </p:spPr>
+          <p:txBody>
+            <a:bodyPr wrap="none" rtlCol="0">
+              <a:spAutoFit/>
+            </a:bodyPr>
+            <a:lstStyle/>
+            <a:p>
+              <a:r>
+                <a:rPr lang="en-CA" b="1" dirty="0" smtClean="0">
+                  <a:solidFill>
+                    <a:schemeClr val="accent2">
+                      <a:lumMod val="75000"/>
+                    </a:schemeClr>
+                  </a:solidFill>
+                  <a:hlinkClick r:id="rId3" action="ppaction://hlinksldjump"/>
+                </a:rPr>
+                <a:t>Home</a:t>
+              </a:r>
+              <a:endParaRPr lang="en-US" b="1" dirty="0">
+                <a:solidFill>
+                  <a:schemeClr val="accent2">
+                    <a:lumMod val="75000"/>
+                  </a:schemeClr>
+                </a:solidFill>
+              </a:endParaRPr>
+            </a:p>
+          </p:txBody>
+        </p:sp>
+      </p:grpSp>
+      <p:sp>
+        <p:nvSpPr>
+          <p:cNvPr id="2" name="Title 1"/>
+          <p:cNvSpPr>
+            <a:spLocks noGrp="1"/>
+          </p:cNvSpPr>
+          <p:nvPr>
+            <p:ph type="title"/>
+          </p:nvPr>
+        </p:nvSpPr>
+        <p:spPr/>
+        <p:txBody>
+          <a:bodyPr/>
+          <a:lstStyle/>
+          <a:p>
+            <a:r>
+              <a:rPr lang="en-CA" dirty="0" smtClean="0"/>
+              <a:t>5.3) Database Servers</a:t>
+            </a:r>
+            <a:endParaRPr lang="en-US" dirty="0"/>
+          </a:p>
+        </p:txBody>
+      </p:sp>
+      <p:sp>
+        <p:nvSpPr>
+          <p:cNvPr id="3" name="Content Placeholder 2"/>
+          <p:cNvSpPr>
+            <a:spLocks noGrp="1"/>
+          </p:cNvSpPr>
+          <p:nvPr>
+            <p:ph idx="1"/>
+          </p:nvPr>
+        </p:nvSpPr>
+        <p:spPr/>
+        <p:txBody>
+          <a:bodyPr/>
+          <a:lstStyle/>
+          <a:p>
+            <a:r>
+              <a:rPr lang="en-CA" dirty="0" smtClean="0"/>
+              <a:t>What is a Database?</a:t>
+            </a:r>
+          </a:p>
+          <a:p>
+            <a:pPr lvl="1"/>
+            <a:r>
+              <a:rPr lang="en-CA" dirty="0" smtClean="0"/>
+              <a:t>What is SQL?</a:t>
+            </a:r>
+          </a:p>
+          <a:p>
+            <a:pPr lvl="1"/>
+            <a:r>
+              <a:rPr lang="en-CA" dirty="0" smtClean="0"/>
+              <a:t>What type of information is stored in a database?</a:t>
+            </a:r>
+          </a:p>
+          <a:p>
+            <a:pPr lvl="1"/>
+            <a:r>
+              <a:rPr lang="en-CA" dirty="0" smtClean="0"/>
+              <a:t>How are databases used and combined with web pages?</a:t>
+            </a:r>
+          </a:p>
+          <a:p>
+            <a:pPr lvl="1"/>
             <a:endParaRPr lang="en-CA" dirty="0"/>
           </a:p>
           <a:p>
             <a:r>
               <a:rPr lang="en-CA" dirty="0" smtClean="0"/>
-              <a:t>How are data packets sent through the internet between a client and a server?</a:t>
+              <a:t>Database Servers</a:t>
+            </a:r>
+          </a:p>
+          <a:p>
+            <a:pPr lvl="1"/>
+            <a:r>
+              <a:rPr lang="en-CA" dirty="0" smtClean="0"/>
+              <a:t>What are some common Database products?</a:t>
+            </a:r>
+          </a:p>
+          <a:p>
+            <a:pPr lvl="1"/>
+            <a:r>
+              <a:rPr lang="en-CA" dirty="0"/>
+              <a:t>What special Hardware &amp; Software is required for a </a:t>
+            </a:r>
+            <a:r>
+              <a:rPr lang="en-CA" dirty="0" smtClean="0"/>
+              <a:t>database server</a:t>
+            </a:r>
+            <a:r>
+              <a:rPr lang="en-CA" dirty="0"/>
+              <a:t>?</a:t>
+            </a:r>
+            <a:endParaRPr lang="en-US" dirty="0"/>
+          </a:p>
+        </p:txBody>
+      </p:sp>
+      <p:pic>
+        <p:nvPicPr>
+          <p:cNvPr id="3076" name="Picture 4" descr="Related image"/>
+          <p:cNvPicPr>
+            <a:picLocks noChangeAspect="1" noChangeArrowheads="1"/>
+          </p:cNvPicPr>
+          <p:nvPr/>
+        </p:nvPicPr>
+        <p:blipFill>
+          <a:blip r:embed="rId4" cstate="print">
+            <a:extLst>
+              <a:ext uri="{28A0092B-C50C-407E-A947-70E740481C1C}">
+                <a14:useLocalDpi xmlns:a14="http://schemas.microsoft.com/office/drawing/2010/main" val="0"/>
+              </a:ext>
+            </a:extLst>
+          </a:blip>
+          <a:srcRect/>
+          <a:stretch>
+            <a:fillRect/>
+          </a:stretch>
+        </p:blipFill>
+        <p:spPr bwMode="auto">
+          <a:xfrm>
+            <a:off x="9187048" y="6092176"/>
+            <a:ext cx="486990" cy="486990"/>
+          </a:xfrm>
+          <a:prstGeom prst="rect">
+            <a:avLst/>
+          </a:prstGeom>
+          <a:noFill/>
+          <a:extLst>
+            <a:ext uri="{909E8E84-426E-40DD-AFC4-6F175D3DCCD1}">
+              <a14:hiddenFill xmlns:a14="http://schemas.microsoft.com/office/drawing/2010/main">
+                <a:solidFill>
+                  <a:srgbClr val="FFFFFF"/>
+                </a:solidFill>
+              </a14:hiddenFill>
+            </a:ext>
+          </a:extLst>
+        </p:spPr>
+      </p:pic>
+      <p:sp>
+        <p:nvSpPr>
+          <p:cNvPr id="9" name="TextBox 8"/>
+          <p:cNvSpPr txBox="1"/>
+          <p:nvPr/>
+        </p:nvSpPr>
+        <p:spPr>
+          <a:xfrm>
+            <a:off x="9674038" y="6162292"/>
+            <a:ext cx="885499" cy="369332"/>
+          </a:xfrm>
+          <a:prstGeom prst="rect">
+            <a:avLst/>
+          </a:prstGeom>
+          <a:noFill/>
+        </p:spPr>
+        <p:txBody>
+          <a:bodyPr wrap="none" rtlCol="0">
+            <a:spAutoFit/>
+          </a:bodyPr>
+          <a:lstStyle/>
+          <a:p>
+            <a:r>
+              <a:rPr lang="en-CA" b="1" dirty="0" smtClean="0">
+                <a:solidFill>
+                  <a:schemeClr val="accent2">
+                    <a:lumMod val="75000"/>
+                  </a:schemeClr>
+                </a:solidFill>
+                <a:hlinkClick r:id="rId5" action="ppaction://hlinksldjump"/>
+              </a:rPr>
+              <a:t>Servers</a:t>
+            </a:r>
+            <a:endParaRPr lang="en-US" b="1" dirty="0">
+              <a:solidFill>
+                <a:schemeClr val="accent2">
+                  <a:lumMod val="75000"/>
+                </a:schemeClr>
+              </a:solidFill>
+            </a:endParaRPr>
+          </a:p>
+        </p:txBody>
+      </p:sp>
+    </p:spTree>
+    <p:extLst>
+      <p:ext uri="{BB962C8B-B14F-4D97-AF65-F5344CB8AC3E}">
+        <p14:creationId xmlns:p14="http://schemas.microsoft.com/office/powerpoint/2010/main" val="1792743380"/>
+      </p:ext>
+    </p:extLst>
+  </p:cSld>
+  <p:clrMapOvr>
+    <a:masterClrMapping/>
+  </p:clrMapOvr>
+  <p:timing>
+    <p:tnLst>
+      <p:par>
+        <p:cTn id="1" dur="indefinite" restart="never" nodeType="tmRoot"/>
+      </p:par>
+    </p:tnLst>
+  </p:timing>
+</p:sld>
+</file>
+
+<file path=ppt/slides/slide32.xml><?xml version="1.0" encoding="utf-8"?>
+<p:sld xmlns:a="http://schemas.openxmlformats.org/drawingml/2006/main" xmlns:r="http://schemas.openxmlformats.org/officeDocument/2006/relationships" xmlns:p="http://schemas.openxmlformats.org/presentationml/2006/main">
+  <p:cSld>
+    <p:spTree>
+      <p:nvGrpSpPr>
+        <p:cNvPr id="1" name=""/>
+        <p:cNvGrpSpPr/>
+        <p:nvPr/>
+      </p:nvGrpSpPr>
+      <p:grpSpPr>
+        <a:xfrm>
+          <a:off x="0" y="0"/>
+          <a:ext cx="0" cy="0"/>
+          <a:chOff x="0" y="0"/>
+          <a:chExt cx="0" cy="0"/>
+        </a:xfrm>
+      </p:grpSpPr>
+      <p:grpSp>
+        <p:nvGrpSpPr>
+          <p:cNvPr id="4" name="Group 3"/>
+          <p:cNvGrpSpPr/>
+          <p:nvPr/>
+        </p:nvGrpSpPr>
+        <p:grpSpPr>
+          <a:xfrm>
+            <a:off x="10641945" y="6092176"/>
+            <a:ext cx="1185289" cy="439448"/>
+            <a:chOff x="5598891" y="5389418"/>
+            <a:chExt cx="1185289" cy="439448"/>
+          </a:xfrm>
+        </p:grpSpPr>
+        <p:pic>
+          <p:nvPicPr>
+            <p:cNvPr id="5" name="Picture 4"/>
+            <p:cNvPicPr>
+              <a:picLocks noChangeAspect="1"/>
+            </p:cNvPicPr>
+            <p:nvPr/>
+          </p:nvPicPr>
+          <p:blipFill>
+            <a:blip r:embed="rId2"/>
+            <a:stretch>
+              <a:fillRect/>
+            </a:stretch>
+          </p:blipFill>
+          <p:spPr>
+            <a:xfrm>
+              <a:off x="5598891" y="5389418"/>
+              <a:ext cx="434763" cy="439448"/>
+            </a:xfrm>
+            <a:prstGeom prst="rect">
+              <a:avLst/>
+            </a:prstGeom>
+          </p:spPr>
+        </p:pic>
+        <p:sp>
+          <p:nvSpPr>
+            <p:cNvPr id="6" name="TextBox 5"/>
+            <p:cNvSpPr txBox="1"/>
+            <p:nvPr/>
+          </p:nvSpPr>
+          <p:spPr>
+            <a:xfrm>
+              <a:off x="6033654" y="5459534"/>
+              <a:ext cx="750526" cy="369332"/>
+            </a:xfrm>
+            <a:prstGeom prst="rect">
+              <a:avLst/>
+            </a:prstGeom>
+            <a:noFill/>
+          </p:spPr>
+          <p:txBody>
+            <a:bodyPr wrap="none" rtlCol="0">
+              <a:spAutoFit/>
+            </a:bodyPr>
+            <a:lstStyle/>
+            <a:p>
+              <a:r>
+                <a:rPr lang="en-CA" b="1" dirty="0" smtClean="0">
+                  <a:solidFill>
+                    <a:schemeClr val="accent2">
+                      <a:lumMod val="75000"/>
+                    </a:schemeClr>
+                  </a:solidFill>
+                  <a:hlinkClick r:id="rId3" action="ppaction://hlinksldjump"/>
+                </a:rPr>
+                <a:t>Home</a:t>
+              </a:r>
+              <a:endParaRPr lang="en-US" b="1" dirty="0">
+                <a:solidFill>
+                  <a:schemeClr val="accent2">
+                    <a:lumMod val="75000"/>
+                  </a:schemeClr>
+                </a:solidFill>
+              </a:endParaRPr>
+            </a:p>
+          </p:txBody>
+        </p:sp>
+      </p:grpSp>
+      <p:sp>
+        <p:nvSpPr>
+          <p:cNvPr id="2" name="Title 1"/>
+          <p:cNvSpPr>
+            <a:spLocks noGrp="1"/>
+          </p:cNvSpPr>
+          <p:nvPr>
+            <p:ph type="title"/>
+          </p:nvPr>
+        </p:nvSpPr>
+        <p:spPr/>
+        <p:txBody>
+          <a:bodyPr/>
+          <a:lstStyle/>
+          <a:p>
+            <a:r>
+              <a:rPr lang="en-CA" dirty="0" smtClean="0"/>
+              <a:t>5.4) Other Servers</a:t>
+            </a:r>
+            <a:endParaRPr lang="en-US" dirty="0"/>
+          </a:p>
+        </p:txBody>
+      </p:sp>
+      <p:sp>
+        <p:nvSpPr>
+          <p:cNvPr id="3" name="Content Placeholder 2"/>
+          <p:cNvSpPr>
+            <a:spLocks noGrp="1"/>
+          </p:cNvSpPr>
+          <p:nvPr>
+            <p:ph idx="1"/>
+          </p:nvPr>
+        </p:nvSpPr>
+        <p:spPr/>
+        <p:txBody>
+          <a:bodyPr/>
+          <a:lstStyle/>
+          <a:p>
+            <a:r>
+              <a:rPr lang="en-CA" dirty="0" smtClean="0"/>
+              <a:t>Describe some other types of internet servers not covered by the slides above.</a:t>
+            </a:r>
+          </a:p>
+        </p:txBody>
+      </p:sp>
+      <p:pic>
+        <p:nvPicPr>
+          <p:cNvPr id="3076" name="Picture 4" descr="Related image"/>
+          <p:cNvPicPr>
+            <a:picLocks noChangeAspect="1" noChangeArrowheads="1"/>
+          </p:cNvPicPr>
+          <p:nvPr/>
+        </p:nvPicPr>
+        <p:blipFill>
+          <a:blip r:embed="rId4" cstate="print">
+            <a:extLst>
+              <a:ext uri="{28A0092B-C50C-407E-A947-70E740481C1C}">
+                <a14:useLocalDpi xmlns:a14="http://schemas.microsoft.com/office/drawing/2010/main" val="0"/>
+              </a:ext>
+            </a:extLst>
+          </a:blip>
+          <a:srcRect/>
+          <a:stretch>
+            <a:fillRect/>
+          </a:stretch>
+        </p:blipFill>
+        <p:spPr bwMode="auto">
+          <a:xfrm>
+            <a:off x="9187048" y="6092176"/>
+            <a:ext cx="486990" cy="486990"/>
+          </a:xfrm>
+          <a:prstGeom prst="rect">
+            <a:avLst/>
+          </a:prstGeom>
+          <a:noFill/>
+          <a:extLst>
+            <a:ext uri="{909E8E84-426E-40DD-AFC4-6F175D3DCCD1}">
+              <a14:hiddenFill xmlns:a14="http://schemas.microsoft.com/office/drawing/2010/main">
+                <a:solidFill>
+                  <a:srgbClr val="FFFFFF"/>
+                </a:solidFill>
+              </a14:hiddenFill>
+            </a:ext>
+          </a:extLst>
+        </p:spPr>
+      </p:pic>
+      <p:sp>
+        <p:nvSpPr>
+          <p:cNvPr id="9" name="TextBox 8"/>
+          <p:cNvSpPr txBox="1"/>
+          <p:nvPr/>
+        </p:nvSpPr>
+        <p:spPr>
+          <a:xfrm>
+            <a:off x="9674038" y="6162292"/>
+            <a:ext cx="885499" cy="369332"/>
+          </a:xfrm>
+          <a:prstGeom prst="rect">
+            <a:avLst/>
+          </a:prstGeom>
+          <a:noFill/>
+        </p:spPr>
+        <p:txBody>
+          <a:bodyPr wrap="none" rtlCol="0">
+            <a:spAutoFit/>
+          </a:bodyPr>
+          <a:lstStyle/>
+          <a:p>
+            <a:r>
+              <a:rPr lang="en-CA" b="1" dirty="0" smtClean="0">
+                <a:solidFill>
+                  <a:schemeClr val="accent2">
+                    <a:lumMod val="75000"/>
+                  </a:schemeClr>
+                </a:solidFill>
+                <a:hlinkClick r:id="rId5" action="ppaction://hlinksldjump"/>
+              </a:rPr>
+              <a:t>Servers</a:t>
+            </a:r>
+            <a:endParaRPr lang="en-US" b="1" dirty="0">
+              <a:solidFill>
+                <a:schemeClr val="accent2">
+                  <a:lumMod val="75000"/>
+                </a:schemeClr>
+              </a:solidFill>
+            </a:endParaRPr>
+          </a:p>
+        </p:txBody>
+      </p:sp>
+    </p:spTree>
+    <p:extLst>
+      <p:ext uri="{BB962C8B-B14F-4D97-AF65-F5344CB8AC3E}">
+        <p14:creationId xmlns:p14="http://schemas.microsoft.com/office/powerpoint/2010/main" val="4024164734"/>
+      </p:ext>
+    </p:extLst>
+  </p:cSld>
+  <p:clrMapOvr>
+    <a:masterClrMapping/>
+  </p:clrMapOvr>
+  <p:timing>
+    <p:tnLst>
+      <p:par>
+        <p:cTn id="1" dur="indefinite" restart="never" nodeType="tmRoot"/>
+      </p:par>
+    </p:tnLst>
+  </p:timing>
+</p:sld>
+</file>
+
+<file path=ppt/slides/slide33.xml><?xml version="1.0" encoding="utf-8"?>
+<p:sld xmlns:a="http://schemas.openxmlformats.org/drawingml/2006/main" xmlns:r="http://schemas.openxmlformats.org/officeDocument/2006/relationships" xmlns:p="http://schemas.openxmlformats.org/presentationml/2006/main">
+  <p:cSld>
+    <p:spTree>
+      <p:nvGrpSpPr>
+        <p:cNvPr id="1" name=""/>
+        <p:cNvGrpSpPr/>
+        <p:nvPr/>
+      </p:nvGrpSpPr>
+      <p:grpSpPr>
+        <a:xfrm>
+          <a:off x="0" y="0"/>
+          <a:ext cx="0" cy="0"/>
+          <a:chOff x="0" y="0"/>
+          <a:chExt cx="0" cy="0"/>
+        </a:xfrm>
+      </p:grpSpPr>
+      <p:grpSp>
+        <p:nvGrpSpPr>
+          <p:cNvPr id="4" name="Group 3"/>
+          <p:cNvGrpSpPr/>
+          <p:nvPr/>
+        </p:nvGrpSpPr>
+        <p:grpSpPr>
+          <a:xfrm>
+            <a:off x="10641945" y="6092176"/>
+            <a:ext cx="1185289" cy="439448"/>
+            <a:chOff x="5598891" y="5389418"/>
+            <a:chExt cx="1185289" cy="439448"/>
+          </a:xfrm>
+        </p:grpSpPr>
+        <p:pic>
+          <p:nvPicPr>
+            <p:cNvPr id="5" name="Picture 4"/>
+            <p:cNvPicPr>
+              <a:picLocks noChangeAspect="1"/>
+            </p:cNvPicPr>
+            <p:nvPr/>
+          </p:nvPicPr>
+          <p:blipFill>
+            <a:blip r:embed="rId2"/>
+            <a:stretch>
+              <a:fillRect/>
+            </a:stretch>
+          </p:blipFill>
+          <p:spPr>
+            <a:xfrm>
+              <a:off x="5598891" y="5389418"/>
+              <a:ext cx="434763" cy="439448"/>
+            </a:xfrm>
+            <a:prstGeom prst="rect">
+              <a:avLst/>
+            </a:prstGeom>
+          </p:spPr>
+        </p:pic>
+        <p:sp>
+          <p:nvSpPr>
+            <p:cNvPr id="6" name="TextBox 5"/>
+            <p:cNvSpPr txBox="1"/>
+            <p:nvPr/>
+          </p:nvSpPr>
+          <p:spPr>
+            <a:xfrm>
+              <a:off x="6033654" y="5459534"/>
+              <a:ext cx="750526" cy="369332"/>
+            </a:xfrm>
+            <a:prstGeom prst="rect">
+              <a:avLst/>
+            </a:prstGeom>
+            <a:noFill/>
+          </p:spPr>
+          <p:txBody>
+            <a:bodyPr wrap="none" rtlCol="0">
+              <a:spAutoFit/>
+            </a:bodyPr>
+            <a:lstStyle/>
+            <a:p>
+              <a:r>
+                <a:rPr lang="en-CA" b="1" dirty="0" smtClean="0">
+                  <a:solidFill>
+                    <a:schemeClr val="accent2">
+                      <a:lumMod val="75000"/>
+                    </a:schemeClr>
+                  </a:solidFill>
+                  <a:hlinkClick r:id="rId3" action="ppaction://hlinksldjump"/>
+                </a:rPr>
+                <a:t>Home</a:t>
+              </a:r>
+              <a:endParaRPr lang="en-US" b="1" dirty="0">
+                <a:solidFill>
+                  <a:schemeClr val="accent2">
+                    <a:lumMod val="75000"/>
+                  </a:schemeClr>
+                </a:solidFill>
+              </a:endParaRPr>
+            </a:p>
+          </p:txBody>
+        </p:sp>
+      </p:grpSp>
+      <p:sp>
+        <p:nvSpPr>
+          <p:cNvPr id="2" name="Title 1"/>
+          <p:cNvSpPr>
+            <a:spLocks noGrp="1"/>
+          </p:cNvSpPr>
+          <p:nvPr>
+            <p:ph type="title"/>
+          </p:nvPr>
+        </p:nvSpPr>
+        <p:spPr/>
+        <p:txBody>
+          <a:bodyPr/>
+          <a:lstStyle/>
+          <a:p>
+            <a:r>
+              <a:rPr lang="en-CA" dirty="0" smtClean="0"/>
+              <a:t>6) Network Routing &amp; ISPs</a:t>
+            </a:r>
+            <a:endParaRPr lang="en-US" dirty="0"/>
+          </a:p>
+        </p:txBody>
+      </p:sp>
+      <p:sp>
+        <p:nvSpPr>
+          <p:cNvPr id="3" name="Content Placeholder 2"/>
+          <p:cNvSpPr>
+            <a:spLocks noGrp="1"/>
+          </p:cNvSpPr>
+          <p:nvPr>
+            <p:ph idx="1"/>
+          </p:nvPr>
+        </p:nvSpPr>
+        <p:spPr/>
+        <p:txBody>
+          <a:bodyPr/>
+          <a:lstStyle/>
+          <a:p>
+            <a:r>
+              <a:rPr lang="en-CA" dirty="0" smtClean="0"/>
+              <a:t>Section Topics</a:t>
+            </a:r>
+          </a:p>
+          <a:p>
+            <a:pPr lvl="1"/>
+            <a:r>
+              <a:rPr lang="en-CA" dirty="0" smtClean="0"/>
+              <a:t>Internet Service Provider (ISP)</a:t>
+            </a:r>
+          </a:p>
+          <a:p>
+            <a:pPr lvl="1"/>
+            <a:r>
+              <a:rPr lang="en-CA" dirty="0" smtClean="0"/>
+              <a:t>Internet Connection Technologies</a:t>
+            </a:r>
+          </a:p>
+          <a:p>
+            <a:pPr lvl="1"/>
+            <a:r>
+              <a:rPr lang="en-CA" dirty="0" smtClean="0"/>
+              <a:t>Network Routers &amp; Switches</a:t>
+            </a:r>
+          </a:p>
+          <a:p>
+            <a:pPr marL="457200" lvl="1" indent="0">
+              <a:buNone/>
+            </a:pPr>
+            <a:endParaRPr lang="en-US" dirty="0"/>
+          </a:p>
+        </p:txBody>
+      </p:sp>
+      <p:pic>
+        <p:nvPicPr>
+          <p:cNvPr id="4098" name="Picture 2" descr="Image result for Network Routing"/>
+          <p:cNvPicPr>
+            <a:picLocks noChangeAspect="1" noChangeArrowheads="1"/>
+          </p:cNvPicPr>
+          <p:nvPr/>
+        </p:nvPicPr>
+        <p:blipFill>
+          <a:blip r:embed="rId4">
+            <a:extLst>
+              <a:ext uri="{28A0092B-C50C-407E-A947-70E740481C1C}">
+                <a14:useLocalDpi xmlns:a14="http://schemas.microsoft.com/office/drawing/2010/main" val="0"/>
+              </a:ext>
+            </a:extLst>
+          </a:blip>
+          <a:srcRect/>
+          <a:stretch>
+            <a:fillRect/>
+          </a:stretch>
+        </p:blipFill>
+        <p:spPr bwMode="auto">
+          <a:xfrm>
+            <a:off x="5947426" y="2266076"/>
+            <a:ext cx="5306869" cy="2964830"/>
+          </a:xfrm>
+          <a:prstGeom prst="rect">
+            <a:avLst/>
+          </a:prstGeom>
+          <a:noFill/>
+          <a:extLst>
+            <a:ext uri="{909E8E84-426E-40DD-AFC4-6F175D3DCCD1}">
+              <a14:hiddenFill xmlns:a14="http://schemas.microsoft.com/office/drawing/2010/main">
+                <a:solidFill>
+                  <a:srgbClr val="FFFFFF"/>
+                </a:solidFill>
+              </a14:hiddenFill>
+            </a:ext>
+          </a:extLst>
+        </p:spPr>
+      </p:pic>
+      <p:pic>
+        <p:nvPicPr>
+          <p:cNvPr id="9" name="Picture 8"/>
+          <p:cNvPicPr>
+            <a:picLocks noChangeAspect="1"/>
+          </p:cNvPicPr>
+          <p:nvPr/>
+        </p:nvPicPr>
+        <p:blipFill>
+          <a:blip r:embed="rId5"/>
+          <a:stretch>
+            <a:fillRect/>
+          </a:stretch>
+        </p:blipFill>
+        <p:spPr>
+          <a:xfrm>
+            <a:off x="8930177" y="6176963"/>
+            <a:ext cx="411045" cy="378348"/>
+          </a:xfrm>
+          <a:prstGeom prst="rect">
+            <a:avLst/>
+          </a:prstGeom>
+        </p:spPr>
+      </p:pic>
+      <p:sp>
+        <p:nvSpPr>
+          <p:cNvPr id="11" name="TextBox 10"/>
+          <p:cNvSpPr txBox="1"/>
+          <p:nvPr/>
+        </p:nvSpPr>
+        <p:spPr>
+          <a:xfrm>
+            <a:off x="9417985" y="6169628"/>
+            <a:ext cx="1105752" cy="369332"/>
+          </a:xfrm>
+          <a:prstGeom prst="rect">
+            <a:avLst/>
+          </a:prstGeom>
+          <a:noFill/>
+        </p:spPr>
+        <p:txBody>
+          <a:bodyPr wrap="none" rtlCol="0">
+            <a:spAutoFit/>
+          </a:bodyPr>
+          <a:lstStyle/>
+          <a:p>
+            <a:r>
+              <a:rPr lang="en-CA" b="1" dirty="0" smtClean="0">
+                <a:solidFill>
+                  <a:schemeClr val="accent2">
+                    <a:lumMod val="75000"/>
+                  </a:schemeClr>
+                </a:solidFill>
+                <a:hlinkClick r:id="rId6" action="ppaction://hlinksldjump"/>
+              </a:rPr>
+              <a:t>Networks</a:t>
+            </a:r>
+            <a:endParaRPr lang="en-US" b="1" dirty="0">
+              <a:solidFill>
+                <a:schemeClr val="accent2">
+                  <a:lumMod val="75000"/>
+                </a:schemeClr>
+              </a:solidFill>
+            </a:endParaRPr>
+          </a:p>
+        </p:txBody>
+      </p:sp>
+    </p:spTree>
+    <p:extLst>
+      <p:ext uri="{BB962C8B-B14F-4D97-AF65-F5344CB8AC3E}">
+        <p14:creationId xmlns:p14="http://schemas.microsoft.com/office/powerpoint/2010/main" val="726003331"/>
+      </p:ext>
+    </p:extLst>
+  </p:cSld>
+  <p:clrMapOvr>
+    <a:masterClrMapping/>
+  </p:clrMapOvr>
+  <p:timing>
+    <p:tnLst>
+      <p:par>
+        <p:cTn id="1" dur="indefinite" restart="never" nodeType="tmRoot"/>
+      </p:par>
+    </p:tnLst>
+  </p:timing>
+</p:sld>
+</file>
+
+<file path=ppt/slides/slide34.xml><?xml version="1.0" encoding="utf-8"?>
+<p:sld xmlns:a="http://schemas.openxmlformats.org/drawingml/2006/main" xmlns:r="http://schemas.openxmlformats.org/officeDocument/2006/relationships" xmlns:p="http://schemas.openxmlformats.org/presentationml/2006/main">
+  <p:cSld>
+    <p:spTree>
+      <p:nvGrpSpPr>
+        <p:cNvPr id="1" name=""/>
+        <p:cNvGrpSpPr/>
+        <p:nvPr/>
+      </p:nvGrpSpPr>
+      <p:grpSpPr>
+        <a:xfrm>
+          <a:off x="0" y="0"/>
+          <a:ext cx="0" cy="0"/>
+          <a:chOff x="0" y="0"/>
+          <a:chExt cx="0" cy="0"/>
+        </a:xfrm>
+      </p:grpSpPr>
+      <p:grpSp>
+        <p:nvGrpSpPr>
+          <p:cNvPr id="4" name="Group 3"/>
+          <p:cNvGrpSpPr/>
+          <p:nvPr/>
+        </p:nvGrpSpPr>
+        <p:grpSpPr>
+          <a:xfrm>
+            <a:off x="10641945" y="6092176"/>
+            <a:ext cx="1185289" cy="439448"/>
+            <a:chOff x="5598891" y="5389418"/>
+            <a:chExt cx="1185289" cy="439448"/>
+          </a:xfrm>
+        </p:grpSpPr>
+        <p:pic>
+          <p:nvPicPr>
+            <p:cNvPr id="5" name="Picture 4"/>
+            <p:cNvPicPr>
+              <a:picLocks noChangeAspect="1"/>
+            </p:cNvPicPr>
+            <p:nvPr/>
+          </p:nvPicPr>
+          <p:blipFill>
+            <a:blip r:embed="rId2"/>
+            <a:stretch>
+              <a:fillRect/>
+            </a:stretch>
+          </p:blipFill>
+          <p:spPr>
+            <a:xfrm>
+              <a:off x="5598891" y="5389418"/>
+              <a:ext cx="434763" cy="439448"/>
+            </a:xfrm>
+            <a:prstGeom prst="rect">
+              <a:avLst/>
+            </a:prstGeom>
+          </p:spPr>
+        </p:pic>
+        <p:sp>
+          <p:nvSpPr>
+            <p:cNvPr id="6" name="TextBox 5"/>
+            <p:cNvSpPr txBox="1"/>
+            <p:nvPr/>
+          </p:nvSpPr>
+          <p:spPr>
+            <a:xfrm>
+              <a:off x="6033654" y="5459534"/>
+              <a:ext cx="750526" cy="369332"/>
+            </a:xfrm>
+            <a:prstGeom prst="rect">
+              <a:avLst/>
+            </a:prstGeom>
+            <a:noFill/>
+          </p:spPr>
+          <p:txBody>
+            <a:bodyPr wrap="none" rtlCol="0">
+              <a:spAutoFit/>
+            </a:bodyPr>
+            <a:lstStyle/>
+            <a:p>
+              <a:r>
+                <a:rPr lang="en-CA" b="1" dirty="0" smtClean="0">
+                  <a:solidFill>
+                    <a:schemeClr val="accent2">
+                      <a:lumMod val="75000"/>
+                    </a:schemeClr>
+                  </a:solidFill>
+                  <a:hlinkClick r:id="rId3" action="ppaction://hlinksldjump"/>
+                </a:rPr>
+                <a:t>Home</a:t>
+              </a:r>
+              <a:endParaRPr lang="en-US" b="1" dirty="0">
+                <a:solidFill>
+                  <a:schemeClr val="accent2">
+                    <a:lumMod val="75000"/>
+                  </a:schemeClr>
+                </a:solidFill>
+              </a:endParaRPr>
+            </a:p>
+          </p:txBody>
+        </p:sp>
+      </p:grpSp>
+      <p:sp>
+        <p:nvSpPr>
+          <p:cNvPr id="2" name="Title 1"/>
+          <p:cNvSpPr>
+            <a:spLocks noGrp="1"/>
+          </p:cNvSpPr>
+          <p:nvPr>
+            <p:ph type="title"/>
+          </p:nvPr>
+        </p:nvSpPr>
+        <p:spPr/>
+        <p:txBody>
+          <a:bodyPr/>
+          <a:lstStyle/>
+          <a:p>
+            <a:r>
+              <a:rPr lang="en-CA" dirty="0" smtClean="0"/>
+              <a:t>6.1) Internet Service Providers (ISPs)</a:t>
+            </a:r>
+            <a:endParaRPr lang="en-US" dirty="0"/>
+          </a:p>
+        </p:txBody>
+      </p:sp>
+      <p:sp>
+        <p:nvSpPr>
+          <p:cNvPr id="3" name="Content Placeholder 2"/>
+          <p:cNvSpPr>
+            <a:spLocks noGrp="1"/>
+          </p:cNvSpPr>
+          <p:nvPr>
+            <p:ph idx="1"/>
+          </p:nvPr>
+        </p:nvSpPr>
+        <p:spPr/>
+        <p:txBody>
+          <a:bodyPr/>
+          <a:lstStyle/>
+          <a:p>
+            <a:r>
+              <a:rPr lang="en-CA" dirty="0" smtClean="0"/>
+              <a:t>What is an ISP?</a:t>
             </a:r>
           </a:p>
           <a:p>
@@ -10172,7 +11537,16 @@
           <a:p>
             <a:r>
               <a:rPr lang="en-CA" dirty="0" smtClean="0"/>
-              <a:t>What special hardware &amp; software is required for a network router / switch?</a:t>
+              <a:t>What are some common ISPs people use in the Toronto Area?</a:t>
+            </a:r>
+          </a:p>
+          <a:p>
+            <a:endParaRPr lang="en-CA" dirty="0"/>
+          </a:p>
+          <a:p>
+            <a:r>
+              <a:rPr lang="en-CA" dirty="0" smtClean="0"/>
+              <a:t>How is an ISP different from a Internet application / service?</a:t>
             </a:r>
           </a:p>
           <a:p>
@@ -10253,6 +11627,532 @@
     </p:spTree>
     <p:extLst>
       <p:ext uri="{BB962C8B-B14F-4D97-AF65-F5344CB8AC3E}">
+        <p14:creationId xmlns:p14="http://schemas.microsoft.com/office/powerpoint/2010/main" val="2447548317"/>
+      </p:ext>
+    </p:extLst>
+  </p:cSld>
+  <p:clrMapOvr>
+    <a:masterClrMapping/>
+  </p:clrMapOvr>
+  <p:timing>
+    <p:tnLst>
+      <p:par>
+        <p:cTn id="1" dur="indefinite" restart="never" nodeType="tmRoot"/>
+      </p:par>
+    </p:tnLst>
+  </p:timing>
+</p:sld>
+</file>
+
+<file path=ppt/slides/slide35.xml><?xml version="1.0" encoding="utf-8"?>
+<p:sld xmlns:a="http://schemas.openxmlformats.org/drawingml/2006/main" xmlns:r="http://schemas.openxmlformats.org/officeDocument/2006/relationships" xmlns:p="http://schemas.openxmlformats.org/presentationml/2006/main">
+  <p:cSld>
+    <p:spTree>
+      <p:nvGrpSpPr>
+        <p:cNvPr id="1" name=""/>
+        <p:cNvGrpSpPr/>
+        <p:nvPr/>
+      </p:nvGrpSpPr>
+      <p:grpSpPr>
+        <a:xfrm>
+          <a:off x="0" y="0"/>
+          <a:ext cx="0" cy="0"/>
+          <a:chOff x="0" y="0"/>
+          <a:chExt cx="0" cy="0"/>
+        </a:xfrm>
+      </p:grpSpPr>
+      <p:grpSp>
+        <p:nvGrpSpPr>
+          <p:cNvPr id="4" name="Group 3"/>
+          <p:cNvGrpSpPr/>
+          <p:nvPr/>
+        </p:nvGrpSpPr>
+        <p:grpSpPr>
+          <a:xfrm>
+            <a:off x="10641945" y="6092176"/>
+            <a:ext cx="1185289" cy="439448"/>
+            <a:chOff x="5598891" y="5389418"/>
+            <a:chExt cx="1185289" cy="439448"/>
+          </a:xfrm>
+        </p:grpSpPr>
+        <p:pic>
+          <p:nvPicPr>
+            <p:cNvPr id="5" name="Picture 4"/>
+            <p:cNvPicPr>
+              <a:picLocks noChangeAspect="1"/>
+            </p:cNvPicPr>
+            <p:nvPr/>
+          </p:nvPicPr>
+          <p:blipFill>
+            <a:blip r:embed="rId2"/>
+            <a:stretch>
+              <a:fillRect/>
+            </a:stretch>
+          </p:blipFill>
+          <p:spPr>
+            <a:xfrm>
+              <a:off x="5598891" y="5389418"/>
+              <a:ext cx="434763" cy="439448"/>
+            </a:xfrm>
+            <a:prstGeom prst="rect">
+              <a:avLst/>
+            </a:prstGeom>
+          </p:spPr>
+        </p:pic>
+        <p:sp>
+          <p:nvSpPr>
+            <p:cNvPr id="6" name="TextBox 5"/>
+            <p:cNvSpPr txBox="1"/>
+            <p:nvPr/>
+          </p:nvSpPr>
+          <p:spPr>
+            <a:xfrm>
+              <a:off x="6033654" y="5459534"/>
+              <a:ext cx="750526" cy="369332"/>
+            </a:xfrm>
+            <a:prstGeom prst="rect">
+              <a:avLst/>
+            </a:prstGeom>
+            <a:noFill/>
+          </p:spPr>
+          <p:txBody>
+            <a:bodyPr wrap="none" rtlCol="0">
+              <a:spAutoFit/>
+            </a:bodyPr>
+            <a:lstStyle/>
+            <a:p>
+              <a:r>
+                <a:rPr lang="en-CA" b="1" dirty="0" smtClean="0">
+                  <a:solidFill>
+                    <a:schemeClr val="accent2">
+                      <a:lumMod val="75000"/>
+                    </a:schemeClr>
+                  </a:solidFill>
+                  <a:hlinkClick r:id="rId3" action="ppaction://hlinksldjump"/>
+                </a:rPr>
+                <a:t>Home</a:t>
+              </a:r>
+              <a:endParaRPr lang="en-US" b="1" dirty="0">
+                <a:solidFill>
+                  <a:schemeClr val="accent2">
+                    <a:lumMod val="75000"/>
+                  </a:schemeClr>
+                </a:solidFill>
+              </a:endParaRPr>
+            </a:p>
+          </p:txBody>
+        </p:sp>
+      </p:grpSp>
+      <p:sp>
+        <p:nvSpPr>
+          <p:cNvPr id="2" name="Title 1"/>
+          <p:cNvSpPr>
+            <a:spLocks noGrp="1"/>
+          </p:cNvSpPr>
+          <p:nvPr>
+            <p:ph type="title"/>
+          </p:nvPr>
+        </p:nvSpPr>
+        <p:spPr/>
+        <p:txBody>
+          <a:bodyPr/>
+          <a:lstStyle/>
+          <a:p>
+            <a:r>
+              <a:rPr lang="en-CA" dirty="0" smtClean="0"/>
+              <a:t>6.2) Internet Connection Technologies</a:t>
+            </a:r>
+            <a:endParaRPr lang="en-US" dirty="0"/>
+          </a:p>
+        </p:txBody>
+      </p:sp>
+      <p:sp>
+        <p:nvSpPr>
+          <p:cNvPr id="3" name="Content Placeholder 2"/>
+          <p:cNvSpPr>
+            <a:spLocks noGrp="1"/>
+          </p:cNvSpPr>
+          <p:nvPr>
+            <p:ph idx="1"/>
+          </p:nvPr>
+        </p:nvSpPr>
+        <p:spPr/>
+        <p:txBody>
+          <a:bodyPr/>
+          <a:lstStyle/>
+          <a:p>
+            <a:r>
+              <a:rPr lang="en-CA" dirty="0" smtClean="0"/>
+              <a:t>Describe some internet connection technologies using telephone lines.</a:t>
+            </a:r>
+            <a:br>
+              <a:rPr lang="en-CA" dirty="0" smtClean="0"/>
+            </a:br>
+            <a:endParaRPr lang="en-CA" dirty="0" smtClean="0"/>
+          </a:p>
+          <a:p>
+            <a:r>
+              <a:rPr lang="en-CA" dirty="0"/>
+              <a:t>Describe some internet connection technologies using </a:t>
+            </a:r>
+            <a:r>
+              <a:rPr lang="en-CA" dirty="0" smtClean="0"/>
+              <a:t>Wi-Fi.</a:t>
+            </a:r>
+            <a:br>
+              <a:rPr lang="en-CA" dirty="0" smtClean="0"/>
+            </a:br>
+            <a:endParaRPr lang="en-CA" dirty="0"/>
+          </a:p>
+          <a:p>
+            <a:r>
+              <a:rPr lang="en-CA" dirty="0"/>
+              <a:t>Describe some internet connection technologies using </a:t>
+            </a:r>
+            <a:r>
+              <a:rPr lang="en-CA" dirty="0" smtClean="0"/>
+              <a:t>fibre optics cables.</a:t>
+            </a:r>
+            <a:endParaRPr lang="en-CA" dirty="0"/>
+          </a:p>
+          <a:p>
+            <a:endParaRPr lang="en-CA" dirty="0" smtClean="0"/>
+          </a:p>
+          <a:p>
+            <a:pPr marL="457200" lvl="1" indent="0">
+              <a:buNone/>
+            </a:pPr>
+            <a:endParaRPr lang="en-US" dirty="0"/>
+          </a:p>
+        </p:txBody>
+      </p:sp>
+      <p:pic>
+        <p:nvPicPr>
+          <p:cNvPr id="9" name="Picture 8"/>
+          <p:cNvPicPr>
+            <a:picLocks noChangeAspect="1"/>
+          </p:cNvPicPr>
+          <p:nvPr/>
+        </p:nvPicPr>
+        <p:blipFill>
+          <a:blip r:embed="rId4"/>
+          <a:stretch>
+            <a:fillRect/>
+          </a:stretch>
+        </p:blipFill>
+        <p:spPr>
+          <a:xfrm>
+            <a:off x="8930177" y="6176963"/>
+            <a:ext cx="411045" cy="378348"/>
+          </a:xfrm>
+          <a:prstGeom prst="rect">
+            <a:avLst/>
+          </a:prstGeom>
+        </p:spPr>
+      </p:pic>
+      <p:sp>
+        <p:nvSpPr>
+          <p:cNvPr id="11" name="TextBox 10"/>
+          <p:cNvSpPr txBox="1"/>
+          <p:nvPr/>
+        </p:nvSpPr>
+        <p:spPr>
+          <a:xfrm>
+            <a:off x="9417985" y="6169628"/>
+            <a:ext cx="1105752" cy="369332"/>
+          </a:xfrm>
+          <a:prstGeom prst="rect">
+            <a:avLst/>
+          </a:prstGeom>
+          <a:noFill/>
+        </p:spPr>
+        <p:txBody>
+          <a:bodyPr wrap="none" rtlCol="0">
+            <a:spAutoFit/>
+          </a:bodyPr>
+          <a:lstStyle/>
+          <a:p>
+            <a:r>
+              <a:rPr lang="en-CA" b="1" dirty="0" smtClean="0">
+                <a:solidFill>
+                  <a:schemeClr val="accent2">
+                    <a:lumMod val="75000"/>
+                  </a:schemeClr>
+                </a:solidFill>
+                <a:hlinkClick r:id="rId5" action="ppaction://hlinksldjump"/>
+              </a:rPr>
+              <a:t>Networks</a:t>
+            </a:r>
+            <a:endParaRPr lang="en-US" b="1" dirty="0">
+              <a:solidFill>
+                <a:schemeClr val="accent2">
+                  <a:lumMod val="75000"/>
+                </a:schemeClr>
+              </a:solidFill>
+            </a:endParaRPr>
+          </a:p>
+        </p:txBody>
+      </p:sp>
+    </p:spTree>
+    <p:extLst>
+      <p:ext uri="{BB962C8B-B14F-4D97-AF65-F5344CB8AC3E}">
+        <p14:creationId xmlns:p14="http://schemas.microsoft.com/office/powerpoint/2010/main" val="3124961248"/>
+      </p:ext>
+    </p:extLst>
+  </p:cSld>
+  <p:clrMapOvr>
+    <a:masterClrMapping/>
+  </p:clrMapOvr>
+  <p:timing>
+    <p:tnLst>
+      <p:par>
+        <p:cTn id="1" dur="indefinite" restart="never" nodeType="tmRoot"/>
+      </p:par>
+    </p:tnLst>
+  </p:timing>
+</p:sld>
+</file>
+
+<file path=ppt/slides/slide36.xml><?xml version="1.0" encoding="utf-8"?>
+<p:sld xmlns:a="http://schemas.openxmlformats.org/drawingml/2006/main" xmlns:r="http://schemas.openxmlformats.org/officeDocument/2006/relationships" xmlns:p="http://schemas.openxmlformats.org/presentationml/2006/main">
+  <p:cSld>
+    <p:spTree>
+      <p:nvGrpSpPr>
+        <p:cNvPr id="1" name=""/>
+        <p:cNvGrpSpPr/>
+        <p:nvPr/>
+      </p:nvGrpSpPr>
+      <p:grpSpPr>
+        <a:xfrm>
+          <a:off x="0" y="0"/>
+          <a:ext cx="0" cy="0"/>
+          <a:chOff x="0" y="0"/>
+          <a:chExt cx="0" cy="0"/>
+        </a:xfrm>
+      </p:grpSpPr>
+      <p:grpSp>
+        <p:nvGrpSpPr>
+          <p:cNvPr id="4" name="Group 3"/>
+          <p:cNvGrpSpPr/>
+          <p:nvPr/>
+        </p:nvGrpSpPr>
+        <p:grpSpPr>
+          <a:xfrm>
+            <a:off x="10641945" y="6092176"/>
+            <a:ext cx="1185289" cy="439448"/>
+            <a:chOff x="5598891" y="5389418"/>
+            <a:chExt cx="1185289" cy="439448"/>
+          </a:xfrm>
+        </p:grpSpPr>
+        <p:pic>
+          <p:nvPicPr>
+            <p:cNvPr id="5" name="Picture 4"/>
+            <p:cNvPicPr>
+              <a:picLocks noChangeAspect="1"/>
+            </p:cNvPicPr>
+            <p:nvPr/>
+          </p:nvPicPr>
+          <p:blipFill>
+            <a:blip r:embed="rId2"/>
+            <a:stretch>
+              <a:fillRect/>
+            </a:stretch>
+          </p:blipFill>
+          <p:spPr>
+            <a:xfrm>
+              <a:off x="5598891" y="5389418"/>
+              <a:ext cx="434763" cy="439448"/>
+            </a:xfrm>
+            <a:prstGeom prst="rect">
+              <a:avLst/>
+            </a:prstGeom>
+          </p:spPr>
+        </p:pic>
+        <p:sp>
+          <p:nvSpPr>
+            <p:cNvPr id="6" name="TextBox 5"/>
+            <p:cNvSpPr txBox="1"/>
+            <p:nvPr/>
+          </p:nvSpPr>
+          <p:spPr>
+            <a:xfrm>
+              <a:off x="6033654" y="5459534"/>
+              <a:ext cx="750526" cy="369332"/>
+            </a:xfrm>
+            <a:prstGeom prst="rect">
+              <a:avLst/>
+            </a:prstGeom>
+            <a:noFill/>
+          </p:spPr>
+          <p:txBody>
+            <a:bodyPr wrap="none" rtlCol="0">
+              <a:spAutoFit/>
+            </a:bodyPr>
+            <a:lstStyle/>
+            <a:p>
+              <a:r>
+                <a:rPr lang="en-CA" b="1" dirty="0" smtClean="0">
+                  <a:solidFill>
+                    <a:schemeClr val="accent2">
+                      <a:lumMod val="75000"/>
+                    </a:schemeClr>
+                  </a:solidFill>
+                  <a:hlinkClick r:id="rId3" action="ppaction://hlinksldjump"/>
+                </a:rPr>
+                <a:t>Home</a:t>
+              </a:r>
+              <a:endParaRPr lang="en-US" b="1" dirty="0">
+                <a:solidFill>
+                  <a:schemeClr val="accent2">
+                    <a:lumMod val="75000"/>
+                  </a:schemeClr>
+                </a:solidFill>
+              </a:endParaRPr>
+            </a:p>
+          </p:txBody>
+        </p:sp>
+      </p:grpSp>
+      <p:sp>
+        <p:nvSpPr>
+          <p:cNvPr id="2" name="Title 1"/>
+          <p:cNvSpPr>
+            <a:spLocks noGrp="1"/>
+          </p:cNvSpPr>
+          <p:nvPr>
+            <p:ph type="title"/>
+          </p:nvPr>
+        </p:nvSpPr>
+        <p:spPr/>
+        <p:txBody>
+          <a:bodyPr/>
+          <a:lstStyle/>
+          <a:p>
+            <a:r>
+              <a:rPr lang="en-CA" dirty="0" smtClean="0"/>
+              <a:t>6.3) Network Routers &amp; Switches</a:t>
+            </a:r>
+            <a:endParaRPr lang="en-US" dirty="0"/>
+          </a:p>
+        </p:txBody>
+      </p:sp>
+      <p:sp>
+        <p:nvSpPr>
+          <p:cNvPr id="3" name="Content Placeholder 2"/>
+          <p:cNvSpPr>
+            <a:spLocks noGrp="1"/>
+          </p:cNvSpPr>
+          <p:nvPr>
+            <p:ph idx="1"/>
+          </p:nvPr>
+        </p:nvSpPr>
+        <p:spPr/>
+        <p:txBody>
+          <a:bodyPr>
+            <a:normAutofit/>
+          </a:bodyPr>
+          <a:lstStyle/>
+          <a:p>
+            <a:r>
+              <a:rPr lang="en-CA" dirty="0" smtClean="0"/>
+              <a:t>What is a "Routing Table"?</a:t>
+            </a:r>
+          </a:p>
+          <a:p>
+            <a:endParaRPr lang="en-CA" dirty="0"/>
+          </a:p>
+          <a:p>
+            <a:r>
+              <a:rPr lang="en-CA" dirty="0" smtClean="0"/>
+              <a:t>How are data packets sent through the internet between a client and a server?</a:t>
+            </a:r>
+          </a:p>
+          <a:p>
+            <a:endParaRPr lang="en-CA" dirty="0"/>
+          </a:p>
+          <a:p>
+            <a:r>
+              <a:rPr lang="en-CA" dirty="0" smtClean="0"/>
+              <a:t>What special hardware &amp; software is required for a network router / switch?</a:t>
+            </a:r>
+          </a:p>
+          <a:p>
+            <a:pPr marL="457200" lvl="1" indent="0">
+              <a:buNone/>
+            </a:pPr>
+            <a:endParaRPr lang="en-US" dirty="0"/>
+          </a:p>
+        </p:txBody>
+      </p:sp>
+      <p:pic>
+        <p:nvPicPr>
+          <p:cNvPr id="9" name="Picture 8"/>
+          <p:cNvPicPr>
+            <a:picLocks noChangeAspect="1"/>
+          </p:cNvPicPr>
+          <p:nvPr/>
+        </p:nvPicPr>
+        <p:blipFill>
+          <a:blip r:embed="rId4"/>
+          <a:stretch>
+            <a:fillRect/>
+          </a:stretch>
+        </p:blipFill>
+        <p:spPr>
+          <a:xfrm>
+            <a:off x="8930177" y="6176963"/>
+            <a:ext cx="411045" cy="378348"/>
+          </a:xfrm>
+          <a:prstGeom prst="rect">
+            <a:avLst/>
+          </a:prstGeom>
+        </p:spPr>
+      </p:pic>
+      <p:sp>
+        <p:nvSpPr>
+          <p:cNvPr id="11" name="TextBox 10"/>
+          <p:cNvSpPr txBox="1"/>
+          <p:nvPr/>
+        </p:nvSpPr>
+        <p:spPr>
+          <a:xfrm>
+            <a:off x="9417985" y="6169628"/>
+            <a:ext cx="1105752" cy="369332"/>
+          </a:xfrm>
+          <a:prstGeom prst="rect">
+            <a:avLst/>
+          </a:prstGeom>
+          <a:noFill/>
+        </p:spPr>
+        <p:txBody>
+          <a:bodyPr wrap="none" rtlCol="0">
+            <a:spAutoFit/>
+          </a:bodyPr>
+          <a:lstStyle/>
+          <a:p>
+            <a:r>
+              <a:rPr lang="en-CA" b="1" dirty="0" smtClean="0">
+                <a:solidFill>
+                  <a:schemeClr val="accent2">
+                    <a:lumMod val="75000"/>
+                  </a:schemeClr>
+                </a:solidFill>
+                <a:hlinkClick r:id="rId5" action="ppaction://hlinksldjump"/>
+              </a:rPr>
+              <a:t>Networks</a:t>
+            </a:r>
+            <a:endParaRPr lang="en-US" b="1" dirty="0">
+              <a:solidFill>
+                <a:schemeClr val="accent2">
+                  <a:lumMod val="75000"/>
+                </a:schemeClr>
+              </a:solidFill>
+            </a:endParaRPr>
+          </a:p>
+        </p:txBody>
+      </p:sp>
+    </p:spTree>
+    <p:extLst>
+      <p:ext uri="{BB962C8B-B14F-4D97-AF65-F5344CB8AC3E}">
         <p14:creationId xmlns:p14="http://schemas.microsoft.com/office/powerpoint/2010/main" val="2149392511"/>
       </p:ext>
     </p:extLst>
@@ -10270,7 +12170,7 @@
 </p:sld>
 </file>
 
-<file path=ppt/slides/slide31.xml><?xml version="1.0" encoding="utf-8"?>
+<file path=ppt/slides/slide37.xml><?xml version="1.0" encoding="utf-8"?>
 <p:sld xmlns:a="http://schemas.openxmlformats.org/drawingml/2006/main" xmlns:r="http://schemas.openxmlformats.org/officeDocument/2006/relationships" xmlns:p="http://schemas.openxmlformats.org/presentationml/2006/main">
   <p:cSld>
     <p:spTree>
@@ -10581,7 +12481,7 @@
 </p:sld>
 </file>
 
-<file path=ppt/slides/slide32.xml><?xml version="1.0" encoding="utf-8"?>
+<file path=ppt/slides/slide38.xml><?xml version="1.0" encoding="utf-8"?>
 <p:sld xmlns:a="http://schemas.openxmlformats.org/drawingml/2006/main" xmlns:r="http://schemas.openxmlformats.org/officeDocument/2006/relationships" xmlns:p="http://schemas.openxmlformats.org/presentationml/2006/main">
   <p:cSld>
     <p:spTree>
@@ -10855,7 +12755,7 @@
 </p:sld>
 </file>
 
-<file path=ppt/slides/slide33.xml><?xml version="1.0" encoding="utf-8"?>
+<file path=ppt/slides/slide39.xml><?xml version="1.0" encoding="utf-8"?>
 <p:sld xmlns:a="http://schemas.openxmlformats.org/drawingml/2006/main" xmlns:r="http://schemas.openxmlformats.org/officeDocument/2006/relationships" xmlns:p="http://schemas.openxmlformats.org/presentationml/2006/main">
   <p:cSld>
     <p:spTree>
@@ -11134,294 +13034,6 @@
     <p:extLst>
       <p:ext uri="{BB962C8B-B14F-4D97-AF65-F5344CB8AC3E}">
         <p14:creationId xmlns:p14="http://schemas.microsoft.com/office/powerpoint/2010/main" val="2074245611"/>
-      </p:ext>
-    </p:extLst>
-  </p:cSld>
-  <p:clrMapOvr>
-    <a:masterClrMapping/>
-  </p:clrMapOvr>
-  <p:timing>
-    <p:tnLst>
-      <p:par>
-        <p:cTn id="1" dur="indefinite" restart="never" nodeType="tmRoot"/>
-      </p:par>
-    </p:tnLst>
-  </p:timing>
-</p:sld>
-</file>
-
-<file path=ppt/slides/slide34.xml><?xml version="1.0" encoding="utf-8"?>
-<p:sld xmlns:a="http://schemas.openxmlformats.org/drawingml/2006/main" xmlns:r="http://schemas.openxmlformats.org/officeDocument/2006/relationships" xmlns:p="http://schemas.openxmlformats.org/presentationml/2006/main">
-  <p:cSld>
-    <p:spTree>
-      <p:nvGrpSpPr>
-        <p:cNvPr id="1" name=""/>
-        <p:cNvGrpSpPr/>
-        <p:nvPr/>
-      </p:nvGrpSpPr>
-      <p:grpSpPr>
-        <a:xfrm>
-          <a:off x="0" y="0"/>
-          <a:ext cx="0" cy="0"/>
-          <a:chOff x="0" y="0"/>
-          <a:chExt cx="0" cy="0"/>
-        </a:xfrm>
-      </p:grpSpPr>
-      <p:grpSp>
-        <p:nvGrpSpPr>
-          <p:cNvPr id="4" name="Group 3"/>
-          <p:cNvGrpSpPr/>
-          <p:nvPr/>
-        </p:nvGrpSpPr>
-        <p:grpSpPr>
-          <a:xfrm>
-            <a:off x="10641945" y="6092176"/>
-            <a:ext cx="1185289" cy="439448"/>
-            <a:chOff x="5598891" y="5389418"/>
-            <a:chExt cx="1185289" cy="439448"/>
-          </a:xfrm>
-        </p:grpSpPr>
-        <p:pic>
-          <p:nvPicPr>
-            <p:cNvPr id="5" name="Picture 4"/>
-            <p:cNvPicPr>
-              <a:picLocks noChangeAspect="1"/>
-            </p:cNvPicPr>
-            <p:nvPr/>
-          </p:nvPicPr>
-          <p:blipFill>
-            <a:blip r:embed="rId3"/>
-            <a:stretch>
-              <a:fillRect/>
-            </a:stretch>
-          </p:blipFill>
-          <p:spPr>
-            <a:xfrm>
-              <a:off x="5598891" y="5389418"/>
-              <a:ext cx="434763" cy="439448"/>
-            </a:xfrm>
-            <a:prstGeom prst="rect">
-              <a:avLst/>
-            </a:prstGeom>
-          </p:spPr>
-        </p:pic>
-        <p:sp>
-          <p:nvSpPr>
-            <p:cNvPr id="6" name="TextBox 5"/>
-            <p:cNvSpPr txBox="1"/>
-            <p:nvPr/>
-          </p:nvSpPr>
-          <p:spPr>
-            <a:xfrm>
-              <a:off x="6033654" y="5459534"/>
-              <a:ext cx="750526" cy="369332"/>
-            </a:xfrm>
-            <a:prstGeom prst="rect">
-              <a:avLst/>
-            </a:prstGeom>
-            <a:noFill/>
-          </p:spPr>
-          <p:txBody>
-            <a:bodyPr wrap="none" rtlCol="0">
-              <a:spAutoFit/>
-            </a:bodyPr>
-            <a:lstStyle/>
-            <a:p>
-              <a:r>
-                <a:rPr lang="en-CA" b="1" dirty="0" smtClean="0">
-                  <a:solidFill>
-                    <a:schemeClr val="accent2">
-                      <a:lumMod val="75000"/>
-                    </a:schemeClr>
-                  </a:solidFill>
-                  <a:hlinkClick r:id="rId4" action="ppaction://hlinksldjump"/>
-                </a:rPr>
-                <a:t>Home</a:t>
-              </a:r>
-              <a:endParaRPr lang="en-US" b="1" dirty="0">
-                <a:solidFill>
-                  <a:schemeClr val="accent2">
-                    <a:lumMod val="75000"/>
-                  </a:schemeClr>
-                </a:solidFill>
-              </a:endParaRPr>
-            </a:p>
-          </p:txBody>
-        </p:sp>
-      </p:grpSp>
-      <p:sp>
-        <p:nvSpPr>
-          <p:cNvPr id="2" name="Title 1"/>
-          <p:cNvSpPr>
-            <a:spLocks noGrp="1"/>
-          </p:cNvSpPr>
-          <p:nvPr>
-            <p:ph type="title"/>
-          </p:nvPr>
-        </p:nvSpPr>
-        <p:spPr/>
-        <p:txBody>
-          <a:bodyPr/>
-          <a:lstStyle/>
-          <a:p>
-            <a:r>
-              <a:rPr lang="en-CA" dirty="0" smtClean="0"/>
-              <a:t>7.3) </a:t>
-            </a:r>
-            <a:r>
-              <a:rPr lang="en-CA" dirty="0"/>
-              <a:t>Virtual Private Networks (VPN</a:t>
-            </a:r>
-            <a:r>
-              <a:rPr lang="en-CA" dirty="0" smtClean="0"/>
-              <a:t>)</a:t>
-            </a:r>
-            <a:endParaRPr lang="en-US" dirty="0"/>
-          </a:p>
-        </p:txBody>
-      </p:sp>
-      <p:sp>
-        <p:nvSpPr>
-          <p:cNvPr id="3" name="Content Placeholder 2"/>
-          <p:cNvSpPr>
-            <a:spLocks noGrp="1"/>
-          </p:cNvSpPr>
-          <p:nvPr>
-            <p:ph idx="1"/>
-          </p:nvPr>
-        </p:nvSpPr>
-        <p:spPr/>
-        <p:txBody>
-          <a:bodyPr/>
-          <a:lstStyle/>
-          <a:p>
-            <a:r>
-              <a:rPr lang="en-CA" dirty="0"/>
-              <a:t>What is a </a:t>
-            </a:r>
-            <a:r>
-              <a:rPr lang="en-CA" dirty="0" smtClean="0"/>
-              <a:t>Virtual Private Network</a:t>
-            </a:r>
-            <a:r>
-              <a:rPr lang="en-CA" dirty="0"/>
-              <a:t>?</a:t>
-            </a:r>
-          </a:p>
-          <a:p>
-            <a:endParaRPr lang="en-CA" dirty="0"/>
-          </a:p>
-          <a:p>
-            <a:r>
-              <a:rPr lang="en-CA" dirty="0" smtClean="0"/>
-              <a:t>How is a VPM different from a LAN / WAN?</a:t>
-            </a:r>
-            <a:endParaRPr lang="en-CA" dirty="0"/>
-          </a:p>
-          <a:p>
-            <a:endParaRPr lang="en-CA" dirty="0"/>
-          </a:p>
-          <a:p>
-            <a:r>
-              <a:rPr lang="en-CA" dirty="0" smtClean="0"/>
-              <a:t>How could you use a VPM to increase the security of services you use in </a:t>
-            </a:r>
-            <a:r>
-              <a:rPr lang="en-CA" smtClean="0"/>
-              <a:t>the Internet?</a:t>
-            </a:r>
-            <a:endParaRPr lang="en-CA" dirty="0"/>
-          </a:p>
-        </p:txBody>
-      </p:sp>
-      <p:pic>
-        <p:nvPicPr>
-          <p:cNvPr id="9220" name="Picture 4" descr="Image result for LAN"/>
-          <p:cNvPicPr>
-            <a:picLocks noChangeAspect="1" noChangeArrowheads="1"/>
-          </p:cNvPicPr>
-          <p:nvPr/>
-        </p:nvPicPr>
-        <p:blipFill>
-          <a:blip r:embed="rId5" cstate="print">
-            <a:extLst>
-              <a:ext uri="{28A0092B-C50C-407E-A947-70E740481C1C}">
-                <a14:useLocalDpi xmlns:a14="http://schemas.microsoft.com/office/drawing/2010/main" val="0"/>
-              </a:ext>
-            </a:extLst>
-          </a:blip>
-          <a:srcRect/>
-          <a:stretch>
-            <a:fillRect/>
-          </a:stretch>
-        </p:blipFill>
-        <p:spPr bwMode="auto">
-          <a:xfrm>
-            <a:off x="9111185" y="6064859"/>
-            <a:ext cx="622353" cy="466765"/>
-          </a:xfrm>
-          <a:prstGeom prst="rect">
-            <a:avLst/>
-          </a:prstGeom>
-          <a:noFill/>
-          <a:extLst>
-            <a:ext uri="{909E8E84-426E-40DD-AFC4-6F175D3DCCD1}">
-              <a14:hiddenFill xmlns:a14="http://schemas.microsoft.com/office/drawing/2010/main">
-                <a:solidFill>
-                  <a:srgbClr val="FFFFFF"/>
-                </a:solidFill>
-              </a14:hiddenFill>
-            </a:ext>
-          </a:extLst>
-        </p:spPr>
-      </p:pic>
-      <p:sp>
-        <p:nvSpPr>
-          <p:cNvPr id="9" name="TextBox 8"/>
-          <p:cNvSpPr txBox="1"/>
-          <p:nvPr/>
-        </p:nvSpPr>
-        <p:spPr>
-          <a:xfrm>
-            <a:off x="9733538" y="6113145"/>
-            <a:ext cx="665567" cy="369332"/>
-          </a:xfrm>
-          <a:prstGeom prst="rect">
-            <a:avLst/>
-          </a:prstGeom>
-          <a:noFill/>
-        </p:spPr>
-        <p:txBody>
-          <a:bodyPr wrap="none" rtlCol="0">
-            <a:spAutoFit/>
-          </a:bodyPr>
-          <a:lstStyle/>
-          <a:p>
-            <a:r>
-              <a:rPr lang="en-CA" b="1" dirty="0" smtClean="0">
-                <a:solidFill>
-                  <a:schemeClr val="accent2">
-                    <a:lumMod val="75000"/>
-                  </a:schemeClr>
-                </a:solidFill>
-                <a:hlinkClick r:id="rId6" action="ppaction://hlinksldjump"/>
-              </a:rPr>
-              <a:t>LANs</a:t>
-            </a:r>
-            <a:endParaRPr lang="en-US" b="1" dirty="0">
-              <a:solidFill>
-                <a:schemeClr val="accent2">
-                  <a:lumMod val="75000"/>
-                </a:schemeClr>
-              </a:solidFill>
-            </a:endParaRPr>
-          </a:p>
-        </p:txBody>
-      </p:sp>
-    </p:spTree>
-    <p:extLst>
-      <p:ext uri="{BB962C8B-B14F-4D97-AF65-F5344CB8AC3E}">
-        <p14:creationId xmlns:p14="http://schemas.microsoft.com/office/powerpoint/2010/main" val="505395413"/>
       </p:ext>
     </p:extLst>
   </p:cSld>
@@ -11710,6 +13322,294 @@
     <p:extLst>
       <p:ext uri="{BB962C8B-B14F-4D97-AF65-F5344CB8AC3E}">
         <p14:creationId xmlns:p14="http://schemas.microsoft.com/office/powerpoint/2010/main" val="2100443418"/>
+      </p:ext>
+    </p:extLst>
+  </p:cSld>
+  <p:clrMapOvr>
+    <a:masterClrMapping/>
+  </p:clrMapOvr>
+  <p:timing>
+    <p:tnLst>
+      <p:par>
+        <p:cTn id="1" dur="indefinite" restart="never" nodeType="tmRoot"/>
+      </p:par>
+    </p:tnLst>
+  </p:timing>
+</p:sld>
+</file>
+
+<file path=ppt/slides/slide40.xml><?xml version="1.0" encoding="utf-8"?>
+<p:sld xmlns:a="http://schemas.openxmlformats.org/drawingml/2006/main" xmlns:r="http://schemas.openxmlformats.org/officeDocument/2006/relationships" xmlns:p="http://schemas.openxmlformats.org/presentationml/2006/main">
+  <p:cSld>
+    <p:spTree>
+      <p:nvGrpSpPr>
+        <p:cNvPr id="1" name=""/>
+        <p:cNvGrpSpPr/>
+        <p:nvPr/>
+      </p:nvGrpSpPr>
+      <p:grpSpPr>
+        <a:xfrm>
+          <a:off x="0" y="0"/>
+          <a:ext cx="0" cy="0"/>
+          <a:chOff x="0" y="0"/>
+          <a:chExt cx="0" cy="0"/>
+        </a:xfrm>
+      </p:grpSpPr>
+      <p:grpSp>
+        <p:nvGrpSpPr>
+          <p:cNvPr id="4" name="Group 3"/>
+          <p:cNvGrpSpPr/>
+          <p:nvPr/>
+        </p:nvGrpSpPr>
+        <p:grpSpPr>
+          <a:xfrm>
+            <a:off x="10641945" y="6092176"/>
+            <a:ext cx="1185289" cy="439448"/>
+            <a:chOff x="5598891" y="5389418"/>
+            <a:chExt cx="1185289" cy="439448"/>
+          </a:xfrm>
+        </p:grpSpPr>
+        <p:pic>
+          <p:nvPicPr>
+            <p:cNvPr id="5" name="Picture 4"/>
+            <p:cNvPicPr>
+              <a:picLocks noChangeAspect="1"/>
+            </p:cNvPicPr>
+            <p:nvPr/>
+          </p:nvPicPr>
+          <p:blipFill>
+            <a:blip r:embed="rId3"/>
+            <a:stretch>
+              <a:fillRect/>
+            </a:stretch>
+          </p:blipFill>
+          <p:spPr>
+            <a:xfrm>
+              <a:off x="5598891" y="5389418"/>
+              <a:ext cx="434763" cy="439448"/>
+            </a:xfrm>
+            <a:prstGeom prst="rect">
+              <a:avLst/>
+            </a:prstGeom>
+          </p:spPr>
+        </p:pic>
+        <p:sp>
+          <p:nvSpPr>
+            <p:cNvPr id="6" name="TextBox 5"/>
+            <p:cNvSpPr txBox="1"/>
+            <p:nvPr/>
+          </p:nvSpPr>
+          <p:spPr>
+            <a:xfrm>
+              <a:off x="6033654" y="5459534"/>
+              <a:ext cx="750526" cy="369332"/>
+            </a:xfrm>
+            <a:prstGeom prst="rect">
+              <a:avLst/>
+            </a:prstGeom>
+            <a:noFill/>
+          </p:spPr>
+          <p:txBody>
+            <a:bodyPr wrap="none" rtlCol="0">
+              <a:spAutoFit/>
+            </a:bodyPr>
+            <a:lstStyle/>
+            <a:p>
+              <a:r>
+                <a:rPr lang="en-CA" b="1" dirty="0" smtClean="0">
+                  <a:solidFill>
+                    <a:schemeClr val="accent2">
+                      <a:lumMod val="75000"/>
+                    </a:schemeClr>
+                  </a:solidFill>
+                  <a:hlinkClick r:id="rId4" action="ppaction://hlinksldjump"/>
+                </a:rPr>
+                <a:t>Home</a:t>
+              </a:r>
+              <a:endParaRPr lang="en-US" b="1" dirty="0">
+                <a:solidFill>
+                  <a:schemeClr val="accent2">
+                    <a:lumMod val="75000"/>
+                  </a:schemeClr>
+                </a:solidFill>
+              </a:endParaRPr>
+            </a:p>
+          </p:txBody>
+        </p:sp>
+      </p:grpSp>
+      <p:sp>
+        <p:nvSpPr>
+          <p:cNvPr id="2" name="Title 1"/>
+          <p:cNvSpPr>
+            <a:spLocks noGrp="1"/>
+          </p:cNvSpPr>
+          <p:nvPr>
+            <p:ph type="title"/>
+          </p:nvPr>
+        </p:nvSpPr>
+        <p:spPr/>
+        <p:txBody>
+          <a:bodyPr/>
+          <a:lstStyle/>
+          <a:p>
+            <a:r>
+              <a:rPr lang="en-CA" dirty="0" smtClean="0"/>
+              <a:t>7.3) </a:t>
+            </a:r>
+            <a:r>
+              <a:rPr lang="en-CA" dirty="0"/>
+              <a:t>Virtual Private Networks (VPN</a:t>
+            </a:r>
+            <a:r>
+              <a:rPr lang="en-CA" dirty="0" smtClean="0"/>
+              <a:t>)</a:t>
+            </a:r>
+            <a:endParaRPr lang="en-US" dirty="0"/>
+          </a:p>
+        </p:txBody>
+      </p:sp>
+      <p:sp>
+        <p:nvSpPr>
+          <p:cNvPr id="3" name="Content Placeholder 2"/>
+          <p:cNvSpPr>
+            <a:spLocks noGrp="1"/>
+          </p:cNvSpPr>
+          <p:nvPr>
+            <p:ph idx="1"/>
+          </p:nvPr>
+        </p:nvSpPr>
+        <p:spPr/>
+        <p:txBody>
+          <a:bodyPr/>
+          <a:lstStyle/>
+          <a:p>
+            <a:r>
+              <a:rPr lang="en-CA" dirty="0"/>
+              <a:t>What is a </a:t>
+            </a:r>
+            <a:r>
+              <a:rPr lang="en-CA" dirty="0" smtClean="0"/>
+              <a:t>Virtual Private Network</a:t>
+            </a:r>
+            <a:r>
+              <a:rPr lang="en-CA" dirty="0"/>
+              <a:t>?</a:t>
+            </a:r>
+          </a:p>
+          <a:p>
+            <a:endParaRPr lang="en-CA" dirty="0"/>
+          </a:p>
+          <a:p>
+            <a:r>
+              <a:rPr lang="en-CA" dirty="0" smtClean="0"/>
+              <a:t>How is a VPM different from a LAN / WAN?</a:t>
+            </a:r>
+            <a:endParaRPr lang="en-CA" dirty="0"/>
+          </a:p>
+          <a:p>
+            <a:endParaRPr lang="en-CA" dirty="0"/>
+          </a:p>
+          <a:p>
+            <a:r>
+              <a:rPr lang="en-CA" dirty="0" smtClean="0"/>
+              <a:t>How could you use a VPM to increase the security of services you use in </a:t>
+            </a:r>
+            <a:r>
+              <a:rPr lang="en-CA" smtClean="0"/>
+              <a:t>the Internet?</a:t>
+            </a:r>
+            <a:endParaRPr lang="en-CA" dirty="0"/>
+          </a:p>
+        </p:txBody>
+      </p:sp>
+      <p:pic>
+        <p:nvPicPr>
+          <p:cNvPr id="9220" name="Picture 4" descr="Image result for LAN"/>
+          <p:cNvPicPr>
+            <a:picLocks noChangeAspect="1" noChangeArrowheads="1"/>
+          </p:cNvPicPr>
+          <p:nvPr/>
+        </p:nvPicPr>
+        <p:blipFill>
+          <a:blip r:embed="rId5" cstate="print">
+            <a:extLst>
+              <a:ext uri="{28A0092B-C50C-407E-A947-70E740481C1C}">
+                <a14:useLocalDpi xmlns:a14="http://schemas.microsoft.com/office/drawing/2010/main" val="0"/>
+              </a:ext>
+            </a:extLst>
+          </a:blip>
+          <a:srcRect/>
+          <a:stretch>
+            <a:fillRect/>
+          </a:stretch>
+        </p:blipFill>
+        <p:spPr bwMode="auto">
+          <a:xfrm>
+            <a:off x="9111185" y="6064859"/>
+            <a:ext cx="622353" cy="466765"/>
+          </a:xfrm>
+          <a:prstGeom prst="rect">
+            <a:avLst/>
+          </a:prstGeom>
+          <a:noFill/>
+          <a:extLst>
+            <a:ext uri="{909E8E84-426E-40DD-AFC4-6F175D3DCCD1}">
+              <a14:hiddenFill xmlns:a14="http://schemas.microsoft.com/office/drawing/2010/main">
+                <a:solidFill>
+                  <a:srgbClr val="FFFFFF"/>
+                </a:solidFill>
+              </a14:hiddenFill>
+            </a:ext>
+          </a:extLst>
+        </p:spPr>
+      </p:pic>
+      <p:sp>
+        <p:nvSpPr>
+          <p:cNvPr id="9" name="TextBox 8"/>
+          <p:cNvSpPr txBox="1"/>
+          <p:nvPr/>
+        </p:nvSpPr>
+        <p:spPr>
+          <a:xfrm>
+            <a:off x="9733538" y="6113145"/>
+            <a:ext cx="665567" cy="369332"/>
+          </a:xfrm>
+          <a:prstGeom prst="rect">
+            <a:avLst/>
+          </a:prstGeom>
+          <a:noFill/>
+        </p:spPr>
+        <p:txBody>
+          <a:bodyPr wrap="none" rtlCol="0">
+            <a:spAutoFit/>
+          </a:bodyPr>
+          <a:lstStyle/>
+          <a:p>
+            <a:r>
+              <a:rPr lang="en-CA" b="1" dirty="0" smtClean="0">
+                <a:solidFill>
+                  <a:schemeClr val="accent2">
+                    <a:lumMod val="75000"/>
+                  </a:schemeClr>
+                </a:solidFill>
+                <a:hlinkClick r:id="rId6" action="ppaction://hlinksldjump"/>
+              </a:rPr>
+              <a:t>LANs</a:t>
+            </a:r>
+            <a:endParaRPr lang="en-US" b="1" dirty="0">
+              <a:solidFill>
+                <a:schemeClr val="accent2">
+                  <a:lumMod val="75000"/>
+                </a:schemeClr>
+              </a:solidFill>
+            </a:endParaRPr>
+          </a:p>
+        </p:txBody>
+      </p:sp>
+    </p:spTree>
+    <p:extLst>
+      <p:ext uri="{BB962C8B-B14F-4D97-AF65-F5344CB8AC3E}">
+        <p14:creationId xmlns:p14="http://schemas.microsoft.com/office/powerpoint/2010/main" val="505395413"/>
       </p:ext>
     </p:extLst>
   </p:cSld>
